--- a/doc/ADS; Project 3; Predictive Analytics for Facial Emotion Recognition.pptx
+++ b/doc/ADS; Project 3; Predictive Analytics for Facial Emotion Recognition.pptx
@@ -12,9 +12,10 @@
     <p:sldId id="261" r:id="rId6"/>
     <p:sldId id="263" r:id="rId7"/>
     <p:sldId id="262" r:id="rId8"/>
-    <p:sldId id="265" r:id="rId9"/>
-    <p:sldId id="268" r:id="rId10"/>
-    <p:sldId id="259" r:id="rId11"/>
+    <p:sldId id="269" r:id="rId9"/>
+    <p:sldId id="265" r:id="rId10"/>
+    <p:sldId id="268" r:id="rId11"/>
+    <p:sldId id="259" r:id="rId12"/>
   </p:sldIdLst>
   <p:sldSz cx="12192000" cy="6858000"/>
   <p:notesSz cx="6858000" cy="9144000"/>
@@ -113,6 +114,11 @@
       </a:defRPr>
     </a:lvl9pPr>
   </p:defaultTextStyle>
+  <p:extLst>
+    <p:ext uri="{EFAFB233-063F-42B5-8137-9DF3F51BA10A}">
+      <p15:sldGuideLst xmlns:p15="http://schemas.microsoft.com/office/powerpoint/2012/main"/>
+    </p:ext>
+  </p:extLst>
 </p:presentation>
 </file>
 
@@ -242,7 +248,7 @@
           </a:lstStyle>
           <a:p>
             <a:r>
-              <a:rPr lang="en-US" smtClean="0"/>
+              <a:rPr lang="en-US"/>
               <a:t>Click to edit Master title style</a:t>
             </a:r>
             <a:endParaRPr lang="en-US" dirty="0"/>
@@ -316,7 +322,7 @@
           </a:lstStyle>
           <a:p>
             <a:r>
-              <a:rPr lang="en-US" smtClean="0"/>
+              <a:rPr lang="en-US"/>
               <a:t>Click to edit Master subtitle style</a:t>
             </a:r>
             <a:endParaRPr lang="en-US" dirty="0"/>
@@ -341,7 +347,7 @@
             <a:fld id="{5586B75A-687E-405C-8A0B-8D00578BA2C3}" type="datetimeFigureOut">
               <a:rPr lang="en-US" dirty="0"/>
               <a:pPr/>
-              <a:t>10/30/2019</a:t>
+              <a:t>10/30/19</a:t>
             </a:fld>
             <a:endParaRPr lang="en-US" dirty="0"/>
           </a:p>
@@ -431,7 +437,7 @@
           <a:lstStyle/>
           <a:p>
             <a:r>
-              <a:rPr lang="en-US" smtClean="0"/>
+              <a:rPr lang="en-US"/>
               <a:t>Click to edit Master title style</a:t>
             </a:r>
             <a:endParaRPr lang="en-US" dirty="0"/>
@@ -455,35 +461,35 @@
           <a:p>
             <a:pPr lvl="0"/>
             <a:r>
-              <a:rPr lang="en-US" smtClean="0"/>
+              <a:rPr lang="en-US"/>
               <a:t>Edit Master text styles</a:t>
             </a:r>
           </a:p>
           <a:p>
             <a:pPr lvl="1"/>
             <a:r>
-              <a:rPr lang="en-US" smtClean="0"/>
+              <a:rPr lang="en-US"/>
               <a:t>Second level</a:t>
             </a:r>
           </a:p>
           <a:p>
             <a:pPr lvl="2"/>
             <a:r>
-              <a:rPr lang="en-US" smtClean="0"/>
+              <a:rPr lang="en-US"/>
               <a:t>Third level</a:t>
             </a:r>
           </a:p>
           <a:p>
             <a:pPr lvl="3"/>
             <a:r>
-              <a:rPr lang="en-US" smtClean="0"/>
+              <a:rPr lang="en-US"/>
               <a:t>Fourth level</a:t>
             </a:r>
           </a:p>
           <a:p>
             <a:pPr lvl="4"/>
             <a:r>
-              <a:rPr lang="en-US" smtClean="0"/>
+              <a:rPr lang="en-US"/>
               <a:t>Fifth level</a:t>
             </a:r>
             <a:endParaRPr lang="en-US" dirty="0"/>
@@ -508,7 +514,7 @@
             <a:fld id="{5586B75A-687E-405C-8A0B-8D00578BA2C3}" type="datetimeFigureOut">
               <a:rPr lang="en-US" dirty="0"/>
               <a:pPr/>
-              <a:t>10/30/2019</a:t>
+              <a:t>10/30/19</a:t>
             </a:fld>
             <a:endParaRPr lang="en-US" dirty="0"/>
           </a:p>
@@ -603,7 +609,7 @@
           <a:lstStyle/>
           <a:p>
             <a:r>
-              <a:rPr lang="en-US" smtClean="0"/>
+              <a:rPr lang="en-US"/>
               <a:t>Click to edit Master title style</a:t>
             </a:r>
             <a:endParaRPr lang="en-US" dirty="0"/>
@@ -632,35 +638,35 @@
           <a:p>
             <a:pPr lvl="0"/>
             <a:r>
-              <a:rPr lang="en-US" smtClean="0"/>
+              <a:rPr lang="en-US"/>
               <a:t>Edit Master text styles</a:t>
             </a:r>
           </a:p>
           <a:p>
             <a:pPr lvl="1"/>
             <a:r>
-              <a:rPr lang="en-US" smtClean="0"/>
+              <a:rPr lang="en-US"/>
               <a:t>Second level</a:t>
             </a:r>
           </a:p>
           <a:p>
             <a:pPr lvl="2"/>
             <a:r>
-              <a:rPr lang="en-US" smtClean="0"/>
+              <a:rPr lang="en-US"/>
               <a:t>Third level</a:t>
             </a:r>
           </a:p>
           <a:p>
             <a:pPr lvl="3"/>
             <a:r>
-              <a:rPr lang="en-US" smtClean="0"/>
+              <a:rPr lang="en-US"/>
               <a:t>Fourth level</a:t>
             </a:r>
           </a:p>
           <a:p>
             <a:pPr lvl="4"/>
             <a:r>
-              <a:rPr lang="en-US" smtClean="0"/>
+              <a:rPr lang="en-US"/>
               <a:t>Fifth level</a:t>
             </a:r>
             <a:endParaRPr lang="en-US" dirty="0"/>
@@ -685,7 +691,7 @@
             <a:fld id="{5586B75A-687E-405C-8A0B-8D00578BA2C3}" type="datetimeFigureOut">
               <a:rPr lang="en-US" dirty="0"/>
               <a:pPr/>
-              <a:t>10/30/2019</a:t>
+              <a:t>10/30/19</a:t>
             </a:fld>
             <a:endParaRPr lang="en-US" dirty="0"/>
           </a:p>
@@ -775,7 +781,7 @@
           <a:lstStyle/>
           <a:p>
             <a:r>
-              <a:rPr lang="en-US" smtClean="0"/>
+              <a:rPr lang="en-US"/>
               <a:t>Click to edit Master title style</a:t>
             </a:r>
             <a:endParaRPr lang="en-US" dirty="0"/>
@@ -799,35 +805,35 @@
           <a:p>
             <a:pPr lvl="0"/>
             <a:r>
-              <a:rPr lang="en-US" smtClean="0"/>
+              <a:rPr lang="en-US"/>
               <a:t>Edit Master text styles</a:t>
             </a:r>
           </a:p>
           <a:p>
             <a:pPr lvl="1"/>
             <a:r>
-              <a:rPr lang="en-US" smtClean="0"/>
+              <a:rPr lang="en-US"/>
               <a:t>Second level</a:t>
             </a:r>
           </a:p>
           <a:p>
             <a:pPr lvl="2"/>
             <a:r>
-              <a:rPr lang="en-US" smtClean="0"/>
+              <a:rPr lang="en-US"/>
               <a:t>Third level</a:t>
             </a:r>
           </a:p>
           <a:p>
             <a:pPr lvl="3"/>
             <a:r>
-              <a:rPr lang="en-US" smtClean="0"/>
+              <a:rPr lang="en-US"/>
               <a:t>Fourth level</a:t>
             </a:r>
           </a:p>
           <a:p>
             <a:pPr lvl="4"/>
             <a:r>
-              <a:rPr lang="en-US" smtClean="0"/>
+              <a:rPr lang="en-US"/>
               <a:t>Fifth level</a:t>
             </a:r>
             <a:endParaRPr lang="en-US" dirty="0"/>
@@ -852,7 +858,7 @@
             <a:fld id="{5586B75A-687E-405C-8A0B-8D00578BA2C3}" type="datetimeFigureOut">
               <a:rPr lang="en-US" dirty="0"/>
               <a:pPr/>
-              <a:t>10/30/2019</a:t>
+              <a:t>10/30/19</a:t>
             </a:fld>
             <a:endParaRPr lang="en-US" dirty="0"/>
           </a:p>
@@ -960,7 +966,7 @@
           </a:lstStyle>
           <a:p>
             <a:r>
-              <a:rPr lang="en-US" smtClean="0"/>
+              <a:rPr lang="en-US"/>
               <a:t>Click to edit Master title style</a:t>
             </a:r>
             <a:endParaRPr lang="en-US" dirty="0"/>
@@ -1083,7 +1089,7 @@
           <a:p>
             <a:pPr lvl="0"/>
             <a:r>
-              <a:rPr lang="en-US" smtClean="0"/>
+              <a:rPr lang="en-US"/>
               <a:t>Edit Master text styles</a:t>
             </a:r>
           </a:p>
@@ -1107,7 +1113,7 @@
             <a:fld id="{5586B75A-687E-405C-8A0B-8D00578BA2C3}" type="datetimeFigureOut">
               <a:rPr lang="en-US" dirty="0"/>
               <a:pPr/>
-              <a:t>10/30/2019</a:t>
+              <a:t>10/30/19</a:t>
             </a:fld>
             <a:endParaRPr lang="en-US" dirty="0"/>
           </a:p>
@@ -1197,7 +1203,7 @@
           <a:lstStyle/>
           <a:p>
             <a:r>
-              <a:rPr lang="en-US" smtClean="0"/>
+              <a:rPr lang="en-US"/>
               <a:t>Click to edit Master title style</a:t>
             </a:r>
             <a:endParaRPr lang="en-US" dirty="0"/>
@@ -1254,35 +1260,35 @@
           <a:p>
             <a:pPr lvl="0"/>
             <a:r>
-              <a:rPr lang="en-US" smtClean="0"/>
+              <a:rPr lang="en-US"/>
               <a:t>Edit Master text styles</a:t>
             </a:r>
           </a:p>
           <a:p>
             <a:pPr lvl="1"/>
             <a:r>
-              <a:rPr lang="en-US" smtClean="0"/>
+              <a:rPr lang="en-US"/>
               <a:t>Second level</a:t>
             </a:r>
           </a:p>
           <a:p>
             <a:pPr lvl="2"/>
             <a:r>
-              <a:rPr lang="en-US" smtClean="0"/>
+              <a:rPr lang="en-US"/>
               <a:t>Third level</a:t>
             </a:r>
           </a:p>
           <a:p>
             <a:pPr lvl="3"/>
             <a:r>
-              <a:rPr lang="en-US" smtClean="0"/>
+              <a:rPr lang="en-US"/>
               <a:t>Fourth level</a:t>
             </a:r>
           </a:p>
           <a:p>
             <a:pPr lvl="4"/>
             <a:r>
-              <a:rPr lang="en-US" smtClean="0"/>
+              <a:rPr lang="en-US"/>
               <a:t>Fifth level</a:t>
             </a:r>
             <a:endParaRPr lang="en-US" dirty="0"/>
@@ -1339,35 +1345,35 @@
           <a:p>
             <a:pPr lvl="0"/>
             <a:r>
-              <a:rPr lang="en-US" smtClean="0"/>
+              <a:rPr lang="en-US"/>
               <a:t>Edit Master text styles</a:t>
             </a:r>
           </a:p>
           <a:p>
             <a:pPr lvl="1"/>
             <a:r>
-              <a:rPr lang="en-US" smtClean="0"/>
+              <a:rPr lang="en-US"/>
               <a:t>Second level</a:t>
             </a:r>
           </a:p>
           <a:p>
             <a:pPr lvl="2"/>
             <a:r>
-              <a:rPr lang="en-US" smtClean="0"/>
+              <a:rPr lang="en-US"/>
               <a:t>Third level</a:t>
             </a:r>
           </a:p>
           <a:p>
             <a:pPr lvl="3"/>
             <a:r>
-              <a:rPr lang="en-US" smtClean="0"/>
+              <a:rPr lang="en-US"/>
               <a:t>Fourth level</a:t>
             </a:r>
           </a:p>
           <a:p>
             <a:pPr lvl="4"/>
             <a:r>
-              <a:rPr lang="en-US" smtClean="0"/>
+              <a:rPr lang="en-US"/>
               <a:t>Fifth level</a:t>
             </a:r>
             <a:endParaRPr lang="en-US" dirty="0"/>
@@ -1392,7 +1398,7 @@
             <a:fld id="{5586B75A-687E-405C-8A0B-8D00578BA2C3}" type="datetimeFigureOut">
               <a:rPr lang="en-US" dirty="0"/>
               <a:pPr/>
-              <a:t>10/30/2019</a:t>
+              <a:t>10/30/19</a:t>
             </a:fld>
             <a:endParaRPr lang="en-US" dirty="0"/>
           </a:p>
@@ -1482,7 +1488,7 @@
           <a:lstStyle/>
           <a:p>
             <a:r>
-              <a:rPr lang="en-US" smtClean="0"/>
+              <a:rPr lang="en-US"/>
               <a:t>Click to edit Master title style</a:t>
             </a:r>
             <a:endParaRPr lang="en-US" dirty="0"/>
@@ -1560,7 +1566,7 @@
           <a:p>
             <a:pPr lvl="0"/>
             <a:r>
-              <a:rPr lang="en-US" smtClean="0"/>
+              <a:rPr lang="en-US"/>
               <a:t>Edit Master text styles</a:t>
             </a:r>
           </a:p>
@@ -1616,35 +1622,35 @@
           <a:p>
             <a:pPr lvl="0"/>
             <a:r>
-              <a:rPr lang="en-US" smtClean="0"/>
+              <a:rPr lang="en-US"/>
               <a:t>Edit Master text styles</a:t>
             </a:r>
           </a:p>
           <a:p>
             <a:pPr lvl="1"/>
             <a:r>
-              <a:rPr lang="en-US" smtClean="0"/>
+              <a:rPr lang="en-US"/>
               <a:t>Second level</a:t>
             </a:r>
           </a:p>
           <a:p>
             <a:pPr lvl="2"/>
             <a:r>
-              <a:rPr lang="en-US" smtClean="0"/>
+              <a:rPr lang="en-US"/>
               <a:t>Third level</a:t>
             </a:r>
           </a:p>
           <a:p>
             <a:pPr lvl="3"/>
             <a:r>
-              <a:rPr lang="en-US" smtClean="0"/>
+              <a:rPr lang="en-US"/>
               <a:t>Fourth level</a:t>
             </a:r>
           </a:p>
           <a:p>
             <a:pPr lvl="4"/>
             <a:r>
-              <a:rPr lang="en-US" smtClean="0"/>
+              <a:rPr lang="en-US"/>
               <a:t>Fifth level</a:t>
             </a:r>
             <a:endParaRPr lang="en-US" dirty="0"/>
@@ -1722,7 +1728,7 @@
           <a:p>
             <a:pPr lvl="0"/>
             <a:r>
-              <a:rPr lang="en-US" smtClean="0"/>
+              <a:rPr lang="en-US"/>
               <a:t>Edit Master text styles</a:t>
             </a:r>
           </a:p>
@@ -1778,35 +1784,35 @@
           <a:p>
             <a:pPr lvl="0"/>
             <a:r>
-              <a:rPr lang="en-US" smtClean="0"/>
+              <a:rPr lang="en-US"/>
               <a:t>Edit Master text styles</a:t>
             </a:r>
           </a:p>
           <a:p>
             <a:pPr lvl="1"/>
             <a:r>
-              <a:rPr lang="en-US" smtClean="0"/>
+              <a:rPr lang="en-US"/>
               <a:t>Second level</a:t>
             </a:r>
           </a:p>
           <a:p>
             <a:pPr lvl="2"/>
             <a:r>
-              <a:rPr lang="en-US" smtClean="0"/>
+              <a:rPr lang="en-US"/>
               <a:t>Third level</a:t>
             </a:r>
           </a:p>
           <a:p>
             <a:pPr lvl="3"/>
             <a:r>
-              <a:rPr lang="en-US" smtClean="0"/>
+              <a:rPr lang="en-US"/>
               <a:t>Fourth level</a:t>
             </a:r>
           </a:p>
           <a:p>
             <a:pPr lvl="4"/>
             <a:r>
-              <a:rPr lang="en-US" smtClean="0"/>
+              <a:rPr lang="en-US"/>
               <a:t>Fifth level</a:t>
             </a:r>
             <a:endParaRPr lang="en-US" dirty="0"/>
@@ -1831,7 +1837,7 @@
             <a:fld id="{5586B75A-687E-405C-8A0B-8D00578BA2C3}" type="datetimeFigureOut">
               <a:rPr lang="en-US" dirty="0"/>
               <a:pPr/>
-              <a:t>10/30/2019</a:t>
+              <a:t>10/30/19</a:t>
             </a:fld>
             <a:endParaRPr lang="en-US" dirty="0"/>
           </a:p>
@@ -1921,7 +1927,7 @@
           <a:lstStyle/>
           <a:p>
             <a:r>
-              <a:rPr lang="en-US" smtClean="0"/>
+              <a:rPr lang="en-US"/>
               <a:t>Click to edit Master title style</a:t>
             </a:r>
             <a:endParaRPr lang="en-US" dirty="0"/>
@@ -1946,7 +1952,7 @@
             <a:fld id="{5586B75A-687E-405C-8A0B-8D00578BA2C3}" type="datetimeFigureOut">
               <a:rPr lang="en-US" dirty="0"/>
               <a:pPr/>
-              <a:t>10/30/2019</a:t>
+              <a:t>10/30/19</a:t>
             </a:fld>
             <a:endParaRPr lang="en-US" dirty="0"/>
           </a:p>
@@ -2038,7 +2044,7 @@
             <a:fld id="{5586B75A-687E-405C-8A0B-8D00578BA2C3}" type="datetimeFigureOut">
               <a:rPr lang="en-US" dirty="0"/>
               <a:pPr/>
-              <a:t>10/30/2019</a:t>
+              <a:t>10/30/19</a:t>
             </a:fld>
             <a:endParaRPr lang="en-US" dirty="0"/>
           </a:p>
@@ -2139,7 +2145,7 @@
           </a:lstStyle>
           <a:p>
             <a:r>
-              <a:rPr lang="en-US" smtClean="0"/>
+              <a:rPr lang="en-US"/>
               <a:t>Click to edit Master title style</a:t>
             </a:r>
             <a:endParaRPr lang="en-US" dirty="0"/>
@@ -2196,35 +2202,35 @@
           <a:p>
             <a:pPr lvl="0"/>
             <a:r>
-              <a:rPr lang="en-US" smtClean="0"/>
+              <a:rPr lang="en-US"/>
               <a:t>Edit Master text styles</a:t>
             </a:r>
           </a:p>
           <a:p>
             <a:pPr lvl="1"/>
             <a:r>
-              <a:rPr lang="en-US" smtClean="0"/>
+              <a:rPr lang="en-US"/>
               <a:t>Second level</a:t>
             </a:r>
           </a:p>
           <a:p>
             <a:pPr lvl="2"/>
             <a:r>
-              <a:rPr lang="en-US" smtClean="0"/>
+              <a:rPr lang="en-US"/>
               <a:t>Third level</a:t>
             </a:r>
           </a:p>
           <a:p>
             <a:pPr lvl="3"/>
             <a:r>
-              <a:rPr lang="en-US" smtClean="0"/>
+              <a:rPr lang="en-US"/>
               <a:t>Fourth level</a:t>
             </a:r>
           </a:p>
           <a:p>
             <a:pPr lvl="4"/>
             <a:r>
-              <a:rPr lang="en-US" smtClean="0"/>
+              <a:rPr lang="en-US"/>
               <a:t>Fifth level</a:t>
             </a:r>
             <a:endParaRPr lang="en-US" dirty="0"/>
@@ -2299,7 +2305,7 @@
           <a:p>
             <a:pPr lvl="0"/>
             <a:r>
-              <a:rPr lang="en-US" smtClean="0"/>
+              <a:rPr lang="en-US"/>
               <a:t>Edit Master text styles</a:t>
             </a:r>
           </a:p>
@@ -2323,7 +2329,7 @@
             <a:fld id="{5586B75A-687E-405C-8A0B-8D00578BA2C3}" type="datetimeFigureOut">
               <a:rPr lang="en-US" dirty="0"/>
               <a:pPr/>
-              <a:t>10/30/2019</a:t>
+              <a:t>10/30/19</a:t>
             </a:fld>
             <a:endParaRPr lang="en-US" dirty="0"/>
           </a:p>
@@ -2424,7 +2430,7 @@
           </a:lstStyle>
           <a:p>
             <a:r>
-              <a:rPr lang="en-US" smtClean="0"/>
+              <a:rPr lang="en-US"/>
               <a:t>Click to edit Master title style</a:t>
             </a:r>
             <a:endParaRPr lang="en-US" dirty="0"/>
@@ -2494,7 +2500,7 @@
           </a:lstStyle>
           <a:p>
             <a:r>
-              <a:rPr lang="en-US" smtClean="0"/>
+              <a:rPr lang="en-US"/>
               <a:t>Click icon to add picture</a:t>
             </a:r>
             <a:endParaRPr lang="en-US" dirty="0"/>
@@ -2569,7 +2575,7 @@
           <a:p>
             <a:pPr lvl="0"/>
             <a:r>
-              <a:rPr lang="en-US" smtClean="0"/>
+              <a:rPr lang="en-US"/>
               <a:t>Edit Master text styles</a:t>
             </a:r>
           </a:p>
@@ -2593,7 +2599,7 @@
             <a:fld id="{5586B75A-687E-405C-8A0B-8D00578BA2C3}" type="datetimeFigureOut">
               <a:rPr lang="en-US" dirty="0"/>
               <a:pPr/>
-              <a:t>10/30/2019</a:t>
+              <a:t>10/30/19</a:t>
             </a:fld>
             <a:endParaRPr lang="en-US" dirty="0"/>
           </a:p>
@@ -2741,7 +2747,7 @@
           <a:lstStyle/>
           <a:p>
             <a:r>
-              <a:rPr lang="en-US" smtClean="0"/>
+              <a:rPr lang="en-US"/>
               <a:t>Click to edit Master title style</a:t>
             </a:r>
             <a:endParaRPr lang="en-US" dirty="0"/>
@@ -2815,35 +2821,35 @@
           <a:p>
             <a:pPr lvl="0"/>
             <a:r>
-              <a:rPr lang="en-US" smtClean="0"/>
+              <a:rPr lang="en-US"/>
               <a:t>Edit Master text styles</a:t>
             </a:r>
           </a:p>
           <a:p>
             <a:pPr lvl="1"/>
             <a:r>
-              <a:rPr lang="en-US" smtClean="0"/>
+              <a:rPr lang="en-US"/>
               <a:t>Second level</a:t>
             </a:r>
           </a:p>
           <a:p>
             <a:pPr lvl="2"/>
             <a:r>
-              <a:rPr lang="en-US" smtClean="0"/>
+              <a:rPr lang="en-US"/>
               <a:t>Third level</a:t>
             </a:r>
           </a:p>
           <a:p>
             <a:pPr lvl="3"/>
             <a:r>
-              <a:rPr lang="en-US" smtClean="0"/>
+              <a:rPr lang="en-US"/>
               <a:t>Fourth level</a:t>
             </a:r>
           </a:p>
           <a:p>
             <a:pPr lvl="4"/>
             <a:r>
-              <a:rPr lang="en-US" smtClean="0"/>
+              <a:rPr lang="en-US"/>
               <a:t>Fifth level</a:t>
             </a:r>
             <a:endParaRPr lang="en-US" dirty="0"/>
@@ -2887,7 +2893,7 @@
             <a:fld id="{5586B75A-687E-405C-8A0B-8D00578BA2C3}" type="datetimeFigureOut">
               <a:rPr lang="en-US" dirty="0"/>
               <a:pPr/>
-              <a:t>10/30/2019</a:t>
+              <a:t>10/30/19</a:t>
             </a:fld>
             <a:endParaRPr lang="en-US" dirty="0"/>
           </a:p>
@@ -3389,10 +3395,9 @@
           <a:lstStyle/>
           <a:p>
             <a:r>
-              <a:rPr lang="en-US" sz="4800" b="1" dirty="0" smtClean="0"/>
+              <a:rPr lang="en-US" sz="4800" b="1" dirty="0"/>
               <a:t>Predictive Analytics for Facial Emotion Recognition</a:t>
             </a:r>
-            <a:endParaRPr lang="en-US" sz="4800" b="1" dirty="0"/>
           </a:p>
         </p:txBody>
       </p:sp>
@@ -3417,44 +3422,40 @@
           <a:lstStyle/>
           <a:p>
             <a:r>
-              <a:rPr lang="en-US" dirty="0" smtClean="0">
+              <a:rPr lang="en-US" b="1" dirty="0">
                 <a:latin typeface="+mj-lt"/>
                 <a:cs typeface="Calibri" panose="020F0502020204030204" pitchFamily="34" charset="0"/>
               </a:rPr>
               <a:t>By: </a:t>
             </a:r>
             <a:r>
-              <a:rPr lang="en-US" dirty="0" err="1" smtClean="0">
+              <a:rPr lang="en-US" b="1" dirty="0" err="1">
                 <a:latin typeface="+mj-lt"/>
                 <a:cs typeface="Calibri" panose="020F0502020204030204" pitchFamily="34" charset="0"/>
               </a:rPr>
               <a:t>Rui</a:t>
             </a:r>
             <a:r>
-              <a:rPr lang="en-US" dirty="0" smtClean="0">
+              <a:rPr lang="en-US" b="1" dirty="0">
                 <a:latin typeface="+mj-lt"/>
                 <a:cs typeface="Calibri" panose="020F0502020204030204" pitchFamily="34" charset="0"/>
               </a:rPr>
               <a:t> Cao, </a:t>
             </a:r>
             <a:r>
-              <a:rPr lang="en-US" dirty="0" err="1" smtClean="0">
+              <a:rPr lang="en-US" b="1" dirty="0" err="1">
                 <a:latin typeface="+mj-lt"/>
                 <a:cs typeface="Calibri" panose="020F0502020204030204" pitchFamily="34" charset="0"/>
               </a:rPr>
               <a:t>Luyue</a:t>
             </a:r>
             <a:r>
-              <a:rPr lang="en-US" dirty="0" smtClean="0">
+              <a:rPr lang="en-US" b="1" dirty="0">
                 <a:latin typeface="+mj-lt"/>
                 <a:cs typeface="Calibri" panose="020F0502020204030204" pitchFamily="34" charset="0"/>
               </a:rPr>
               <a:t> Chen, Tong Dai, and Daniel Weiss</a:t>
             </a:r>
-            <a:endParaRPr lang="en-US" dirty="0">
-              <a:latin typeface="+mj-lt"/>
-              <a:cs typeface="Calibri" panose="020F0502020204030204" pitchFamily="34" charset="0"/>
-            </a:endParaRPr>
           </a:p>
         </p:txBody>
       </p:sp>
@@ -3500,27 +3501,24 @@
           </a:lstStyle>
           <a:p>
             <a:r>
-              <a:rPr lang="en-US" sz="2200" b="1" dirty="0" smtClean="0">
+              <a:rPr lang="en-US" sz="2200" b="1" dirty="0">
                 <a:cs typeface="Calibri" panose="020F0502020204030204" pitchFamily="34" charset="0"/>
               </a:rPr>
               <a:t>STAT GR</a:t>
             </a:r>
             <a:r>
-              <a:rPr lang="en-US" sz="2200" b="1" dirty="0" smtClean="0">
+              <a:rPr lang="en-US" sz="2200" b="1" dirty="0">
                 <a:latin typeface="Calibri" panose="020F0502020204030204" pitchFamily="34" charset="0"/>
                 <a:cs typeface="Calibri" panose="020F0502020204030204" pitchFamily="34" charset="0"/>
               </a:rPr>
               <a:t>5243</a:t>
             </a:r>
             <a:r>
-              <a:rPr lang="en-US" sz="2200" b="1" dirty="0" smtClean="0">
+              <a:rPr lang="en-US" sz="2200" b="1" dirty="0">
                 <a:cs typeface="Calibri" panose="020F0502020204030204" pitchFamily="34" charset="0"/>
               </a:rPr>
               <a:t>: Applied Data Science</a:t>
             </a:r>
-            <a:endParaRPr lang="en-US" sz="2200" b="1" dirty="0">
-              <a:cs typeface="Calibri" panose="020F0502020204030204" pitchFamily="34" charset="0"/>
-            </a:endParaRPr>
           </a:p>
         </p:txBody>
       </p:sp>
@@ -3567,6 +3565,77 @@
 </file>
 
 <file path=ppt/slides/slide10.xml><?xml version="1.0" encoding="utf-8"?>
+<p:sld xmlns:a="http://schemas.openxmlformats.org/drawingml/2006/main" xmlns:r="http://schemas.openxmlformats.org/officeDocument/2006/relationships" xmlns:p="http://schemas.openxmlformats.org/presentationml/2006/main">
+  <p:cSld>
+    <p:spTree>
+      <p:nvGrpSpPr>
+        <p:cNvPr id="1" name=""/>
+        <p:cNvGrpSpPr/>
+        <p:nvPr/>
+      </p:nvGrpSpPr>
+      <p:grpSpPr>
+        <a:xfrm>
+          <a:off x="0" y="0"/>
+          <a:ext cx="0" cy="0"/>
+          <a:chOff x="0" y="0"/>
+          <a:chExt cx="0" cy="0"/>
+        </a:xfrm>
+      </p:grpSpPr>
+      <p:sp>
+        <p:nvSpPr>
+          <p:cNvPr id="2" name="Title 1"/>
+          <p:cNvSpPr>
+            <a:spLocks noGrp="1"/>
+          </p:cNvSpPr>
+          <p:nvPr>
+            <p:ph type="ctrTitle"/>
+          </p:nvPr>
+        </p:nvSpPr>
+        <p:spPr/>
+        <p:txBody>
+          <a:bodyPr/>
+          <a:lstStyle/>
+          <a:p>
+            <a:r>
+              <a:rPr lang="en-US" dirty="0"/>
+              <a:t>Thank you!</a:t>
+            </a:r>
+          </a:p>
+        </p:txBody>
+      </p:sp>
+      <p:sp>
+        <p:nvSpPr>
+          <p:cNvPr id="3" name="Subtitle 2"/>
+          <p:cNvSpPr>
+            <a:spLocks noGrp="1"/>
+          </p:cNvSpPr>
+          <p:nvPr>
+            <p:ph type="subTitle" idx="1"/>
+          </p:nvPr>
+        </p:nvSpPr>
+        <p:spPr/>
+        <p:txBody>
+          <a:bodyPr/>
+          <a:lstStyle/>
+          <a:p>
+            <a:endParaRPr lang="en-US"/>
+          </a:p>
+        </p:txBody>
+      </p:sp>
+    </p:spTree>
+    <p:extLst>
+      <p:ext uri="{BB962C8B-B14F-4D97-AF65-F5344CB8AC3E}">
+        <p14:creationId xmlns:p14="http://schemas.microsoft.com/office/powerpoint/2010/main" val="3779661897"/>
+      </p:ext>
+    </p:extLst>
+  </p:cSld>
+  <p:clrMapOvr>
+    <a:masterClrMapping/>
+  </p:clrMapOvr>
+</p:sld>
+</file>
+
+<file path=ppt/slides/slide11.xml><?xml version="1.0" encoding="utf-8"?>
 <p:sld xmlns:a="http://schemas.openxmlformats.org/drawingml/2006/main" xmlns:r="http://schemas.openxmlformats.org/officeDocument/2006/relationships" xmlns:p="http://schemas.openxmlformats.org/presentationml/2006/main" show="0">
   <p:cSld>
     <p:spTree>
@@ -3604,10 +3673,9 @@
           <a:lstStyle/>
           <a:p>
             <a:r>
-              <a:rPr lang="en-US" dirty="0" smtClean="0"/>
+              <a:rPr lang="en-US" dirty="0"/>
               <a:t>K-Nearest Neighbors</a:t>
             </a:r>
-            <a:endParaRPr lang="en-US" dirty="0"/>
           </a:p>
         </p:txBody>
       </p:sp>
@@ -3632,31 +3700,31 @@
           <a:lstStyle/>
           <a:p>
             <a:r>
-              <a:rPr lang="en-US" dirty="0" smtClean="0"/>
+              <a:rPr lang="en-US" dirty="0"/>
               <a:t>Calculates the distance between data points then groups data into groups of size “K” by smallest differences to find “neighborhoods”</a:t>
             </a:r>
           </a:p>
           <a:p>
             <a:r>
-              <a:rPr lang="en-US" dirty="0" smtClean="0"/>
+              <a:rPr lang="en-US" dirty="0"/>
               <a:t>Tuned using different values of K</a:t>
             </a:r>
           </a:p>
           <a:p>
             <a:r>
-              <a:rPr lang="en-US" dirty="0" smtClean="0"/>
+              <a:rPr lang="en-US" dirty="0"/>
               <a:t>Simple, easy to implement.</a:t>
             </a:r>
           </a:p>
           <a:p>
             <a:r>
-              <a:rPr lang="en-US" dirty="0" smtClean="0"/>
+              <a:rPr lang="en-US" dirty="0"/>
               <a:t>Can be used for classification and regression</a:t>
             </a:r>
           </a:p>
           <a:p>
             <a:r>
-              <a:rPr lang="en-US" dirty="0" smtClean="0"/>
+              <a:rPr lang="en-US" dirty="0"/>
               <a:t>Slower when using many data points</a:t>
             </a:r>
           </a:p>
@@ -3726,10 +3794,9 @@
                     <a:lstStyle/>
                     <a:p>
                       <a:r>
-                        <a:rPr lang="en-US" dirty="0" smtClean="0"/>
+                        <a:rPr lang="en-US" dirty="0"/>
                         <a:t>Time (s)</a:t>
                       </a:r>
-                      <a:endParaRPr lang="en-US" dirty="0"/>
                     </a:p>
                   </a:txBody>
                   <a:tcPr/>
@@ -3740,10 +3807,9 @@
                     <a:lstStyle/>
                     <a:p>
                       <a:r>
-                        <a:rPr lang="en-US" dirty="0" smtClean="0"/>
+                        <a:rPr lang="en-US" dirty="0"/>
                         <a:t>% Improvement</a:t>
                       </a:r>
-                      <a:endParaRPr lang="en-US" dirty="0"/>
                     </a:p>
                   </a:txBody>
                   <a:tcPr/>
@@ -3761,10 +3827,9 @@
                     <a:lstStyle/>
                     <a:p>
                       <a:r>
-                        <a:rPr lang="en-US" dirty="0" smtClean="0"/>
+                        <a:rPr lang="en-US" dirty="0"/>
                         <a:t>Performance:</a:t>
                       </a:r>
-                      <a:endParaRPr lang="en-US" dirty="0"/>
                     </a:p>
                   </a:txBody>
                   <a:tcPr/>
@@ -3802,10 +3867,9 @@
                     <a:lstStyle/>
                     <a:p>
                       <a:r>
-                        <a:rPr lang="en-US" dirty="0" smtClean="0"/>
+                        <a:rPr lang="en-US" dirty="0"/>
                         <a:t>Running Cost:</a:t>
                       </a:r>
-                      <a:endParaRPr lang="en-US" dirty="0"/>
                     </a:p>
                   </a:txBody>
                   <a:tcPr/>
@@ -3850,14 +3914,6 @@
   <p:clrMapOvr>
     <a:masterClrMapping/>
   </p:clrMapOvr>
-  <mc:AlternateContent xmlns:mc="http://schemas.openxmlformats.org/markup-compatibility/2006">
-    <mc:Choice xmlns:p14="http://schemas.microsoft.com/office/powerpoint/2010/main" Requires="p14">
-      <p:transition spd="slow" p14:dur="2000"/>
-    </mc:Choice>
-    <mc:Fallback>
-      <p:transition spd="slow"/>
-    </mc:Fallback>
-  </mc:AlternateContent>
 </p:sld>
 </file>
 
@@ -3894,10 +3950,9 @@
           <a:lstStyle/>
           <a:p>
             <a:r>
-              <a:rPr lang="en-US" dirty="0" smtClean="0"/>
+              <a:rPr lang="en-US" b="1" dirty="0"/>
               <a:t>Overview</a:t>
             </a:r>
-            <a:endParaRPr lang="en-US" dirty="0"/>
           </a:p>
         </p:txBody>
       </p:sp>
@@ -3920,7 +3975,7 @@
               <a:buNone/>
             </a:pPr>
             <a:r>
-              <a:rPr lang="en-US" sz="1800" dirty="0" smtClean="0">
+              <a:rPr lang="en-US" sz="1800" dirty="0">
                 <a:latin typeface="+mj-lt"/>
                 <a:cs typeface="Arial" panose="020B0604020202020204" pitchFamily="34" charset="0"/>
               </a:rPr>
@@ -3929,7 +3984,7 @@
           </a:p>
           <a:p>
             <a:r>
-              <a:rPr lang="en-US" sz="1800" dirty="0" smtClean="0">
+              <a:rPr lang="en-US" sz="1800" dirty="0">
                 <a:latin typeface="+mj-lt"/>
                 <a:cs typeface="Arial" panose="020B0604020202020204" pitchFamily="34" charset="0"/>
               </a:rPr>
@@ -3938,17 +3993,17 @@
           </a:p>
           <a:p>
             <a:r>
-              <a:rPr lang="en-US" sz="1800" dirty="0" smtClean="0">
+              <a:rPr lang="en-US" sz="1800" dirty="0">
                 <a:latin typeface="+mj-lt"/>
                 <a:cs typeface="Arial" panose="020B0604020202020204" pitchFamily="34" charset="0"/>
               </a:rPr>
-              <a:t>This will allow you:</a:t>
+              <a:t>This will allow you to:</a:t>
             </a:r>
           </a:p>
           <a:p>
             <a:pPr lvl="1"/>
             <a:r>
-              <a:rPr lang="en-US" dirty="0" smtClean="0">
+              <a:rPr lang="en-US" dirty="0">
                 <a:latin typeface="+mj-lt"/>
                 <a:cs typeface="Arial" panose="020B0604020202020204" pitchFamily="34" charset="0"/>
               </a:rPr>
@@ -3962,7 +4017,7 @@
               </a:lnSpc>
             </a:pPr>
             <a:r>
-              <a:rPr lang="en-US" dirty="0" smtClean="0">
+              <a:rPr lang="en-US" dirty="0">
                 <a:latin typeface="+mj-lt"/>
                 <a:cs typeface="Arial" panose="020B0604020202020204" pitchFamily="34" charset="0"/>
               </a:rPr>
@@ -3973,74 +4028,92 @@
             <a:pPr marL="0" indent="0">
               <a:buNone/>
             </a:pPr>
-            <a:r>
-              <a:rPr lang="en-US" sz="1800" dirty="0" smtClean="0">
+            <a:endParaRPr lang="en-US" sz="1800" dirty="0">
+              <a:latin typeface="+mj-lt"/>
+              <a:cs typeface="Arial" panose="020B0604020202020204" pitchFamily="34" charset="0"/>
+            </a:endParaRPr>
+          </a:p>
+          <a:p>
+            <a:pPr marL="0" indent="0">
+              <a:buNone/>
+            </a:pPr>
+            <a:r>
+              <a:rPr lang="en-US" sz="1800" dirty="0">
                 <a:latin typeface="+mj-lt"/>
                 <a:cs typeface="Arial" panose="020B0604020202020204" pitchFamily="34" charset="0"/>
               </a:rPr>
               <a:t>Solution</a:t>
             </a:r>
-            <a:endParaRPr lang="en-US" sz="1800" dirty="0">
-              <a:latin typeface="+mj-lt"/>
-              <a:cs typeface="Arial" panose="020B0604020202020204" pitchFamily="34" charset="0"/>
-            </a:endParaRPr>
-          </a:p>
-          <a:p>
-            <a:r>
-              <a:rPr lang="en-US" sz="1800" dirty="0" smtClean="0">
-                <a:latin typeface="+mj-lt"/>
-                <a:cs typeface="Arial" panose="020B0604020202020204" pitchFamily="34" charset="0"/>
-              </a:rPr>
-              <a:t>Our baseline uses Boosted </a:t>
-            </a:r>
+          </a:p>
+          <a:p>
             <a:r>
               <a:rPr lang="en-US" sz="1800" dirty="0">
                 <a:latin typeface="+mj-lt"/>
                 <a:cs typeface="Arial" panose="020B0604020202020204" pitchFamily="34" charset="0"/>
               </a:rPr>
-              <a:t>D</a:t>
-            </a:r>
-            <a:r>
-              <a:rPr lang="en-US" sz="1800" dirty="0" smtClean="0">
+              <a:t>Our baseline uses Boosted Decision Stumps (GBM)</a:t>
+            </a:r>
+          </a:p>
+          <a:p>
+            <a:pPr lvl="1"/>
+            <a:r>
+              <a:rPr lang="en-US" sz="1600" dirty="0">
+                <a:latin typeface="Arial" panose="020B0604020202020204" pitchFamily="34" charset="0"/>
+                <a:cs typeface="Arial" panose="020B0604020202020204" pitchFamily="34" charset="0"/>
+              </a:rPr>
+              <a:t>35.5%</a:t>
+            </a:r>
+            <a:r>
+              <a:rPr lang="en-US" sz="1600" dirty="0">
                 <a:latin typeface="+mj-lt"/>
                 <a:cs typeface="Arial" panose="020B0604020202020204" pitchFamily="34" charset="0"/>
               </a:rPr>
-              <a:t>ecision </a:t>
-            </a:r>
+              <a:t> </a:t>
+            </a:r>
+            <a:r>
+              <a:rPr lang="en-US" sz="1600" dirty="0">
+                <a:latin typeface="Arial" panose="020B0604020202020204" pitchFamily="34" charset="0"/>
+                <a:cs typeface="Arial" panose="020B0604020202020204" pitchFamily="34" charset="0"/>
+              </a:rPr>
+              <a:t>accuracy</a:t>
+            </a:r>
+          </a:p>
+          <a:p>
             <a:r>
               <a:rPr lang="en-US" sz="1800" dirty="0">
                 <a:latin typeface="+mj-lt"/>
                 <a:cs typeface="Arial" panose="020B0604020202020204" pitchFamily="34" charset="0"/>
               </a:rPr>
-              <a:t>S</a:t>
-            </a:r>
-            <a:r>
-              <a:rPr lang="en-US" sz="1800" dirty="0" smtClean="0">
-                <a:latin typeface="+mj-lt"/>
+              <a:t>We tested several models and found Neural Network modeling to be the most effective:</a:t>
+            </a:r>
+          </a:p>
+          <a:p>
+            <a:pPr lvl="1"/>
+            <a:r>
+              <a:rPr lang="en-US" sz="1600" dirty="0">
+                <a:latin typeface="Arial" panose="020B0604020202020204" pitchFamily="34" charset="0"/>
                 <a:cs typeface="Arial" panose="020B0604020202020204" pitchFamily="34" charset="0"/>
               </a:rPr>
-              <a:t>tumps (GBM)</a:t>
-            </a:r>
-          </a:p>
-          <a:p>
-            <a:r>
-              <a:rPr lang="en-US" sz="1800" dirty="0" smtClean="0">
-                <a:latin typeface="+mj-lt"/>
-                <a:cs typeface="Arial" panose="020B0604020202020204" pitchFamily="34" charset="0"/>
-              </a:rPr>
-              <a:t>We tested several models and found Support Vector Machine (SVM) modeling to be the most effective</a:t>
+              <a:t>71.3% accuracy</a:t>
             </a:r>
           </a:p>
           <a:p>
             <a:pPr lvl="1"/>
-            <a:endParaRPr lang="en-US" dirty="0" smtClean="0">
+            <a:endParaRPr lang="en-US" sz="1600" dirty="0">
               <a:latin typeface="+mj-lt"/>
               <a:cs typeface="Arial" panose="020B0604020202020204" pitchFamily="34" charset="0"/>
             </a:endParaRPr>
           </a:p>
           <a:p>
             <a:pPr lvl="1"/>
-            <a:endParaRPr lang="en-US" dirty="0" smtClean="0">
+            <a:endParaRPr lang="en-US" dirty="0">
+              <a:latin typeface="+mj-lt"/>
+              <a:cs typeface="Arial" panose="020B0604020202020204" pitchFamily="34" charset="0"/>
+            </a:endParaRPr>
+          </a:p>
+          <a:p>
+            <a:pPr lvl="1"/>
+            <a:endParaRPr lang="en-US" dirty="0">
               <a:latin typeface="+mj-lt"/>
               <a:cs typeface="Arial" panose="020B0604020202020204" pitchFamily="34" charset="0"/>
             </a:endParaRPr>
@@ -4109,7 +4182,7 @@
         <p:spPr/>
         <p:txBody>
           <a:bodyPr>
-            <a:normAutofit fontScale="85000" lnSpcReduction="20000"/>
+            <a:normAutofit fontScale="92500" lnSpcReduction="20000"/>
           </a:bodyPr>
           <a:lstStyle/>
           <a:p>
@@ -4117,16 +4190,12 @@
               <a:buNone/>
             </a:pPr>
             <a:r>
-              <a:rPr lang="en-US" dirty="0" smtClean="0">
+              <a:rPr lang="en-US" dirty="0">
                 <a:latin typeface="+mj-lt"/>
                 <a:cs typeface="Arial" panose="020B0604020202020204" pitchFamily="34" charset="0"/>
               </a:rPr>
               <a:t>Data:</a:t>
             </a:r>
-            <a:endParaRPr lang="en-US" dirty="0">
-              <a:latin typeface="+mj-lt"/>
-              <a:cs typeface="Arial" panose="020B0604020202020204" pitchFamily="34" charset="0"/>
-            </a:endParaRPr>
           </a:p>
           <a:p>
             <a:pPr>
@@ -4139,14 +4208,7 @@
                 <a:latin typeface="+mj-lt"/>
                 <a:cs typeface="Arial" panose="020B0604020202020204" pitchFamily="34" charset="0"/>
               </a:rPr>
-              <a:t>Training set of 2,500 photos with 78 data points mapping specific shape </a:t>
-            </a:r>
-            <a:r>
-              <a:rPr lang="en-US" dirty="0" smtClean="0">
-                <a:latin typeface="+mj-lt"/>
-                <a:cs typeface="Arial" panose="020B0604020202020204" pitchFamily="34" charset="0"/>
-              </a:rPr>
-              <a:t>landmarks</a:t>
+              <a:t>Training set of 2,500 photos with 78 data points mapping specific shape landmarks</a:t>
             </a:r>
           </a:p>
           <a:p>
@@ -4156,11 +4218,25 @@
               </a:lnSpc>
             </a:pPr>
             <a:r>
-              <a:rPr lang="en-US" dirty="0" smtClean="0">
+              <a:rPr lang="en-US" dirty="0">
                 <a:latin typeface="+mj-lt"/>
                 <a:cs typeface="Arial" panose="020B0604020202020204" pitchFamily="34" charset="0"/>
               </a:rPr>
-              <a:t>Created a set of data which compares horizontal and vertical distances between each point</a:t>
+              <a:t>Created a set of data which compares absolute horizontal and vertical distances pairwise between each point for 6006 data points for each subject.</a:t>
+            </a:r>
+          </a:p>
+          <a:p>
+            <a:pPr lvl="1">
+              <a:lnSpc>
+                <a:spcPct val="100000"/>
+              </a:lnSpc>
+            </a:pPr>
+            <a:r>
+              <a:rPr lang="en-US" dirty="0">
+                <a:latin typeface="+mj-lt"/>
+                <a:cs typeface="Arial" panose="020B0604020202020204" pitchFamily="34" charset="0"/>
+              </a:rPr>
+              <a:t>Also tried Euclidean distance</a:t>
             </a:r>
           </a:p>
           <a:p>
@@ -4170,36 +4246,26 @@
               </a:lnSpc>
             </a:pPr>
             <a:r>
-              <a:rPr lang="en-US" dirty="0" smtClean="0">
+              <a:rPr lang="en-US" dirty="0">
                 <a:latin typeface="Calibri" panose="020F0502020204030204" pitchFamily="34" charset="0"/>
                 <a:cs typeface="Calibri" panose="020F0502020204030204" pitchFamily="34" charset="0"/>
               </a:rPr>
               <a:t>22</a:t>
             </a:r>
             <a:r>
-              <a:rPr lang="en-US" dirty="0" smtClean="0">
+              <a:rPr lang="en-US" dirty="0">
                 <a:latin typeface="+mj-lt"/>
                 <a:cs typeface="Arial" panose="020B0604020202020204" pitchFamily="34" charset="0"/>
               </a:rPr>
               <a:t> emotional labels</a:t>
             </a:r>
-            <a:endParaRPr lang="en-US" dirty="0">
-              <a:latin typeface="+mj-lt"/>
-              <a:cs typeface="Arial" panose="020B0604020202020204" pitchFamily="34" charset="0"/>
-            </a:endParaRPr>
-          </a:p>
-          <a:p>
-            <a:endParaRPr lang="en-US" dirty="0" smtClean="0">
-              <a:latin typeface="+mj-lt"/>
-              <a:cs typeface="Arial" panose="020B0604020202020204" pitchFamily="34" charset="0"/>
-            </a:endParaRPr>
           </a:p>
           <a:p>
             <a:pPr marL="0" indent="0">
               <a:buNone/>
             </a:pPr>
             <a:r>
-              <a:rPr lang="en-US" dirty="0" smtClean="0">
+              <a:rPr lang="en-US" dirty="0">
                 <a:latin typeface="+mj-lt"/>
                 <a:cs typeface="Arial" panose="020B0604020202020204" pitchFamily="34" charset="0"/>
               </a:rPr>
@@ -4208,7 +4274,7 @@
           </a:p>
           <a:p>
             <a:r>
-              <a:rPr lang="en-US" dirty="0" smtClean="0">
+              <a:rPr lang="en-US" dirty="0">
                 <a:latin typeface="+mj-lt"/>
                 <a:cs typeface="Arial" panose="020B0604020202020204" pitchFamily="34" charset="0"/>
               </a:rPr>
@@ -4216,25 +4282,11 @@
             </a:r>
           </a:p>
           <a:p>
-            <a:pPr lvl="1"/>
-            <a:endParaRPr lang="en-US" dirty="0" smtClean="0">
-              <a:latin typeface="+mj-lt"/>
-              <a:cs typeface="Arial" panose="020B0604020202020204" pitchFamily="34" charset="0"/>
-            </a:endParaRPr>
-          </a:p>
-          <a:p>
-            <a:pPr lvl="1"/>
-            <a:endParaRPr lang="en-US" dirty="0" smtClean="0">
-              <a:latin typeface="+mj-lt"/>
-              <a:cs typeface="Arial" panose="020B0604020202020204" pitchFamily="34" charset="0"/>
-            </a:endParaRPr>
-          </a:p>
-          <a:p>
             <a:pPr marL="0" indent="0">
               <a:buNone/>
             </a:pPr>
             <a:r>
-              <a:rPr lang="en-US" dirty="0" smtClean="0">
+              <a:rPr lang="en-US" dirty="0">
                 <a:latin typeface="+mj-lt"/>
                 <a:cs typeface="Arial" panose="020B0604020202020204" pitchFamily="34" charset="0"/>
               </a:rPr>
@@ -4243,7 +4295,7 @@
           </a:p>
           <a:p>
             <a:r>
-              <a:rPr lang="en-US" dirty="0" smtClean="0">
+              <a:rPr lang="en-US" dirty="0">
                 <a:latin typeface="+mj-lt"/>
                 <a:cs typeface="Arial" panose="020B0604020202020204" pitchFamily="34" charset="0"/>
               </a:rPr>
@@ -4252,7 +4304,7 @@
           </a:p>
           <a:p>
             <a:r>
-              <a:rPr lang="en-US" dirty="0" smtClean="0">
+              <a:rPr lang="en-US" dirty="0">
                 <a:latin typeface="+mj-lt"/>
                 <a:cs typeface="Arial" panose="020B0604020202020204" pitchFamily="34" charset="0"/>
               </a:rPr>
@@ -4261,7 +4313,7 @@
           </a:p>
           <a:p>
             <a:r>
-              <a:rPr lang="en-US" dirty="0" smtClean="0">
+              <a:rPr lang="en-US" dirty="0">
                 <a:latin typeface="+mj-lt"/>
                 <a:cs typeface="Arial" panose="020B0604020202020204" pitchFamily="34" charset="0"/>
               </a:rPr>
@@ -4270,7 +4322,7 @@
           </a:p>
           <a:p>
             <a:r>
-              <a:rPr lang="en-US" dirty="0" smtClean="0">
+              <a:rPr lang="en-US" dirty="0">
                 <a:latin typeface="+mj-lt"/>
                 <a:cs typeface="Arial" panose="020B0604020202020204" pitchFamily="34" charset="0"/>
               </a:rPr>
@@ -4278,7 +4330,7 @@
             </a:r>
           </a:p>
           <a:p>
-            <a:endParaRPr lang="en-US" dirty="0" smtClean="0">
+            <a:endParaRPr lang="en-US" dirty="0">
               <a:latin typeface="+mj-lt"/>
               <a:cs typeface="Arial" panose="020B0604020202020204" pitchFamily="34" charset="0"/>
             </a:endParaRPr>
@@ -4367,10 +4419,9 @@
           <a:lstStyle/>
           <a:p>
             <a:r>
-              <a:rPr lang="en-US" sz="3200" dirty="0" smtClean="0"/>
+              <a:rPr lang="en-US" sz="3200" b="1" dirty="0"/>
               <a:t>Boosted Decision Stumps (GBM)</a:t>
             </a:r>
-            <a:endParaRPr lang="en-US" sz="3200" dirty="0"/>
           </a:p>
         </p:txBody>
       </p:sp>
@@ -4395,19 +4446,19 @@
           <a:lstStyle/>
           <a:p>
             <a:r>
-              <a:rPr lang="en-US" dirty="0" smtClean="0"/>
+              <a:rPr lang="en-US" dirty="0"/>
               <a:t>Decision stumps are a one level decision tree, by boosting them we can create a set of weak learners that produce stronger results</a:t>
             </a:r>
           </a:p>
           <a:p>
             <a:r>
-              <a:rPr lang="en-US" dirty="0" smtClean="0"/>
+              <a:rPr lang="en-US" dirty="0"/>
               <a:t>New trees are fit to a modified version of the original data set</a:t>
             </a:r>
           </a:p>
           <a:p>
             <a:r>
-              <a:rPr lang="en-US" dirty="0" smtClean="0"/>
+              <a:rPr lang="en-US" dirty="0"/>
               <a:t>Simple, produces a good baseline but less effective when looking at many features</a:t>
             </a:r>
           </a:p>
@@ -4425,14 +4476,14 @@
           <p:nvPr>
             <p:extLst>
               <p:ext uri="{D42A27DB-BD31-4B8C-83A1-F6EECF244321}">
-                <p14:modId xmlns:p14="http://schemas.microsoft.com/office/powerpoint/2010/main" val="638442728"/>
+                <p14:modId xmlns:p14="http://schemas.microsoft.com/office/powerpoint/2010/main" val="2313871960"/>
               </p:ext>
             </p:extLst>
           </p:nvPr>
         </p:nvGraphicFramePr>
         <p:xfrm>
-          <a:off x="3561080" y="4951306"/>
-          <a:ext cx="8127999" cy="1112520"/>
+          <a:off x="3583891" y="4510532"/>
+          <a:ext cx="8128000" cy="1483360"/>
         </p:xfrm>
         <a:graphic>
           <a:graphicData uri="http://schemas.openxmlformats.org/drawingml/2006/table">
@@ -4441,27 +4492,41 @@
                 <a:tableStyleId>{3B4B98B0-60AC-42C2-AFA5-B58CD77FA1E5}</a:tableStyleId>
               </a:tblPr>
               <a:tblGrid>
-                <a:gridCol w="2709333">
+                <a:gridCol w="1508461">
                   <a:extLst>
                     <a:ext uri="{9D8B030D-6E8A-4147-A177-3AD203B41FA5}">
                       <a16:colId xmlns:a16="http://schemas.microsoft.com/office/drawing/2014/main" val="1497573361"/>
                     </a:ext>
                   </a:extLst>
                 </a:gridCol>
-                <a:gridCol w="2709333">
+                <a:gridCol w="1465730">
                   <a:extLst>
                     <a:ext uri="{9D8B030D-6E8A-4147-A177-3AD203B41FA5}">
                       <a16:colId xmlns:a16="http://schemas.microsoft.com/office/drawing/2014/main" val="2441381476"/>
                     </a:ext>
                   </a:extLst>
                 </a:gridCol>
-                <a:gridCol w="2709333">
+                <a:gridCol w="1761564">
                   <a:extLst>
                     <a:ext uri="{9D8B030D-6E8A-4147-A177-3AD203B41FA5}">
                       <a16:colId xmlns:a16="http://schemas.microsoft.com/office/drawing/2014/main" val="4073706776"/>
                     </a:ext>
                   </a:extLst>
                 </a:gridCol>
+                <a:gridCol w="1546412">
+                  <a:extLst>
+                    <a:ext uri="{9D8B030D-6E8A-4147-A177-3AD203B41FA5}">
+                      <a16:colId xmlns:a16="http://schemas.microsoft.com/office/drawing/2014/main" val="3913247614"/>
+                    </a:ext>
+                  </a:extLst>
+                </a:gridCol>
+                <a:gridCol w="1845833">
+                  <a:extLst>
+                    <a:ext uri="{9D8B030D-6E8A-4147-A177-3AD203B41FA5}">
+                      <a16:colId xmlns:a16="http://schemas.microsoft.com/office/drawing/2014/main" val="4274922176"/>
+                    </a:ext>
+                  </a:extLst>
+                </a:gridCol>
               </a:tblGrid>
               <a:tr h="370840">
                 <a:tc>
@@ -4474,16 +4539,80 @@
                   </a:txBody>
                   <a:tcPr/>
                 </a:tc>
-                <a:tc>
-                  <a:txBody>
-                    <a:bodyPr/>
-                    <a:lstStyle/>
-                    <a:p>
-                      <a:r>
-                        <a:rPr lang="en-US" dirty="0" smtClean="0"/>
+                <a:tc gridSpan="2">
+                  <a:txBody>
+                    <a:bodyPr/>
+                    <a:lstStyle/>
+                    <a:p>
+                      <a:pPr algn="ctr"/>
+                      <a:r>
+                        <a:rPr lang="en-US" b="1" dirty="0"/>
+                        <a:t>Training</a:t>
+                      </a:r>
+                    </a:p>
+                  </a:txBody>
+                  <a:tcPr/>
+                </a:tc>
+                <a:tc hMerge="1">
+                  <a:txBody>
+                    <a:bodyPr/>
+                    <a:lstStyle/>
+                    <a:p>
+                      <a:endParaRPr lang="en-US" dirty="0"/>
+                    </a:p>
+                  </a:txBody>
+                  <a:tcPr/>
+                </a:tc>
+                <a:tc gridSpan="2">
+                  <a:txBody>
+                    <a:bodyPr/>
+                    <a:lstStyle/>
+                    <a:p>
+                      <a:pPr algn="ctr"/>
+                      <a:r>
+                        <a:rPr lang="en-US" b="1" dirty="0"/>
+                        <a:t>Testing</a:t>
+                      </a:r>
+                    </a:p>
+                  </a:txBody>
+                  <a:tcPr/>
+                </a:tc>
+                <a:tc hMerge="1">
+                  <a:txBody>
+                    <a:bodyPr/>
+                    <a:lstStyle/>
+                    <a:p>
+                      <a:endParaRPr lang="en-US" dirty="0"/>
+                    </a:p>
+                  </a:txBody>
+                  <a:tcPr/>
+                </a:tc>
+                <a:extLst>
+                  <a:ext uri="{0D108BD9-81ED-4DB2-BD59-A6C34878D82A}">
+                    <a16:rowId xmlns:a16="http://schemas.microsoft.com/office/drawing/2014/main" val="363595820"/>
+                  </a:ext>
+                </a:extLst>
+              </a:tr>
+              <a:tr h="370840">
+                <a:tc>
+                  <a:txBody>
+                    <a:bodyPr/>
+                    <a:lstStyle/>
+                    <a:p>
+                      <a:endParaRPr lang="en-US" dirty="0"/>
+                    </a:p>
+                  </a:txBody>
+                  <a:tcPr/>
+                </a:tc>
+                <a:tc>
+                  <a:txBody>
+                    <a:bodyPr/>
+                    <a:lstStyle/>
+                    <a:p>
+                      <a:r>
+                        <a:rPr lang="en-US" dirty="0"/>
                         <a:t>Performance</a:t>
                       </a:r>
-                      <a:endParaRPr lang="en-US" dirty="0"/>
                     </a:p>
                   </a:txBody>
                   <a:tcPr/>
@@ -4494,10 +4623,35 @@
                     <a:lstStyle/>
                     <a:p>
                       <a:r>
-                        <a:rPr lang="en-US" dirty="0" smtClean="0"/>
+                        <a:rPr lang="en-US" dirty="0"/>
                         <a:t>% Improvement</a:t>
                       </a:r>
-                      <a:endParaRPr lang="en-US" dirty="0"/>
+                    </a:p>
+                  </a:txBody>
+                  <a:tcPr/>
+                </a:tc>
+                <a:tc>
+                  <a:txBody>
+                    <a:bodyPr/>
+                    <a:lstStyle/>
+                    <a:p>
+                      <a:r>
+                        <a:rPr lang="en-US" dirty="0"/>
+                        <a:t>Performance</a:t>
+                      </a:r>
+                    </a:p>
+                  </a:txBody>
+                  <a:tcPr/>
+                </a:tc>
+                <a:tc>
+                  <a:txBody>
+                    <a:bodyPr/>
+                    <a:lstStyle/>
+                    <a:p>
+                      <a:r>
+                        <a:rPr lang="en-US" dirty="0"/>
+                        <a:t>% Improvement</a:t>
+                      </a:r>
                     </a:p>
                   </a:txBody>
                   <a:tcPr/>
@@ -4515,10 +4669,9 @@
                     <a:lstStyle/>
                     <a:p>
                       <a:r>
-                        <a:rPr lang="en-US" dirty="0" smtClean="0"/>
+                        <a:rPr lang="en-US" dirty="0"/>
                         <a:t>Accuracy:</a:t>
                       </a:r>
-                      <a:endParaRPr lang="en-US" dirty="0"/>
                     </a:p>
                   </a:txBody>
                   <a:tcPr/>
@@ -4529,10 +4682,9 @@
                     <a:lstStyle/>
                     <a:p>
                       <a:r>
-                        <a:rPr lang="en-US" dirty="0" smtClean="0"/>
+                        <a:rPr lang="en-US" dirty="0"/>
                         <a:t>35.50%</a:t>
                       </a:r>
-                      <a:endParaRPr lang="en-US" dirty="0"/>
                     </a:p>
                   </a:txBody>
                   <a:tcPr/>
@@ -4543,7 +4695,33 @@
                     <a:lstStyle/>
                     <a:p>
                       <a:r>
-                        <a:rPr lang="en-US" dirty="0" smtClean="0"/>
+                        <a:rPr lang="en-US" dirty="0"/>
+                        <a:t>0%</a:t>
+                      </a:r>
+                    </a:p>
+                  </a:txBody>
+                  <a:tcPr/>
+                </a:tc>
+                <a:tc>
+                  <a:txBody>
+                    <a:bodyPr/>
+                    <a:lstStyle/>
+                    <a:p>
+                      <a:r>
+                        <a:rPr lang="en-US" dirty="0"/>
+                        <a:t>35.50%</a:t>
+                      </a:r>
+                    </a:p>
+                  </a:txBody>
+                  <a:tcPr/>
+                </a:tc>
+                <a:tc>
+                  <a:txBody>
+                    <a:bodyPr/>
+                    <a:lstStyle/>
+                    <a:p>
+                      <a:r>
+                        <a:rPr lang="en-US" dirty="0"/>
                         <a:t>0%</a:t>
                       </a:r>
                     </a:p>
@@ -4563,10 +4741,9 @@
                     <a:lstStyle/>
                     <a:p>
                       <a:r>
-                        <a:rPr lang="en-US" dirty="0" smtClean="0"/>
+                        <a:rPr lang="en-US" dirty="0"/>
                         <a:t>Running Cost:</a:t>
                       </a:r>
-                      <a:endParaRPr lang="en-US" dirty="0"/>
                     </a:p>
                   </a:txBody>
                   <a:tcPr/>
@@ -4577,10 +4754,9 @@
                     <a:lstStyle/>
                     <a:p>
                       <a:r>
-                        <a:rPr lang="en-US" dirty="0" smtClean="0"/>
+                        <a:rPr lang="en-US" dirty="0"/>
                         <a:t>1318.8s</a:t>
                       </a:r>
-                      <a:endParaRPr lang="en-US" dirty="0"/>
                     </a:p>
                   </a:txBody>
                   <a:tcPr/>
@@ -4591,10 +4767,35 @@
                     <a:lstStyle/>
                     <a:p>
                       <a:r>
-                        <a:rPr lang="en-US" dirty="0" smtClean="0"/>
+                        <a:rPr lang="en-US" dirty="0"/>
                         <a:t>0%</a:t>
                       </a:r>
-                      <a:endParaRPr lang="en-US" dirty="0"/>
+                    </a:p>
+                  </a:txBody>
+                  <a:tcPr/>
+                </a:tc>
+                <a:tc>
+                  <a:txBody>
+                    <a:bodyPr/>
+                    <a:lstStyle/>
+                    <a:p>
+                      <a:r>
+                        <a:rPr lang="en-US" dirty="0"/>
+                        <a:t>1318.8s</a:t>
+                      </a:r>
+                    </a:p>
+                  </a:txBody>
+                  <a:tcPr/>
+                </a:tc>
+                <a:tc>
+                  <a:txBody>
+                    <a:bodyPr/>
+                    <a:lstStyle/>
+                    <a:p>
+                      <a:r>
+                        <a:rPr lang="en-US" dirty="0"/>
+                        <a:t>0%</a:t>
+                      </a:r>
                     </a:p>
                   </a:txBody>
                   <a:tcPr/>
@@ -4655,7 +4856,7 @@
           <a:lstStyle/>
           <a:p>
             <a:r>
-              <a:rPr lang="en-US" dirty="0" err="1" smtClean="0"/>
+              <a:rPr lang="en-US" dirty="0" err="1"/>
               <a:t>XGBoost</a:t>
             </a:r>
             <a:endParaRPr lang="en-US" dirty="0"/>
@@ -4686,52 +4887,52 @@
               <a:buNone/>
             </a:pPr>
             <a:r>
-              <a:rPr lang="en-US" dirty="0" smtClean="0"/>
+              <a:rPr lang="en-US" dirty="0"/>
               <a:t>Extreme Gradient Boosting</a:t>
             </a:r>
           </a:p>
           <a:p>
             <a:r>
-              <a:rPr lang="en-US" dirty="0" smtClean="0"/>
+              <a:rPr lang="en-US" dirty="0"/>
               <a:t>Uses decision trees and gradient boosting to predict structured data</a:t>
             </a:r>
           </a:p>
           <a:p>
             <a:r>
-              <a:rPr lang="en-US" dirty="0" smtClean="0"/>
+              <a:rPr lang="en-US" dirty="0"/>
               <a:t>Tuned with gamma (</a:t>
             </a:r>
             <a:r>
-              <a:rPr lang="en-US" dirty="0" smtClean="0">
+              <a:rPr lang="en-US" dirty="0">
                 <a:latin typeface="Arial" panose="020B0604020202020204" pitchFamily="34" charset="0"/>
                 <a:cs typeface="Arial" panose="020B0604020202020204" pitchFamily="34" charset="0"/>
               </a:rPr>
               <a:t>=0</a:t>
             </a:r>
             <a:r>
-              <a:rPr lang="en-US" dirty="0" smtClean="0"/>
+              <a:rPr lang="en-US" dirty="0"/>
               <a:t>) and a maximum tree depth of 6</a:t>
             </a:r>
           </a:p>
           <a:p>
             <a:r>
-              <a:rPr lang="en-US" dirty="0" smtClean="0"/>
+              <a:rPr lang="en-US" dirty="0"/>
               <a:t>Results show great performance improvement in prediction. </a:t>
             </a:r>
             <a:r>
-              <a:rPr lang="en-US" dirty="0" err="1" smtClean="0"/>
+              <a:rPr lang="en-US" dirty="0" err="1"/>
               <a:t>XGBoost</a:t>
             </a:r>
             <a:r>
-              <a:rPr lang="en-US" dirty="0" smtClean="0"/>
+              <a:rPr lang="en-US" dirty="0"/>
               <a:t> improves on the original GBM model so this is to be expected</a:t>
             </a:r>
           </a:p>
           <a:p>
-            <a:endParaRPr lang="en-US" dirty="0" smtClean="0"/>
-          </a:p>
-          <a:p>
-            <a:endParaRPr lang="en-US" dirty="0" smtClean="0"/>
+            <a:endParaRPr lang="en-US" dirty="0"/>
+          </a:p>
+          <a:p>
+            <a:endParaRPr lang="en-US" dirty="0"/>
           </a:p>
           <a:p>
             <a:endParaRPr lang="en-US" dirty="0"/>
@@ -4740,21 +4941,27 @@
       </p:sp>
       <p:graphicFrame>
         <p:nvGraphicFramePr>
-          <p:cNvPr id="4" name="Table 3"/>
+          <p:cNvPr id="5" name="Table 4">
+            <a:extLst>
+              <a:ext uri="{FF2B5EF4-FFF2-40B4-BE49-F238E27FC236}">
+                <a16:creationId xmlns:a16="http://schemas.microsoft.com/office/drawing/2014/main" id="{DF9F76A7-CDA8-D94E-84EC-A9683B9E2461}"/>
+              </a:ext>
+            </a:extLst>
+          </p:cNvPr>
           <p:cNvGraphicFramePr>
             <a:graphicFrameLocks noGrp="1"/>
           </p:cNvGraphicFramePr>
           <p:nvPr>
             <p:extLst>
               <p:ext uri="{D42A27DB-BD31-4B8C-83A1-F6EECF244321}">
-                <p14:modId xmlns:p14="http://schemas.microsoft.com/office/powerpoint/2010/main" val="2064366156"/>
+                <p14:modId xmlns:p14="http://schemas.microsoft.com/office/powerpoint/2010/main" val="2184304758"/>
               </p:ext>
             </p:extLst>
           </p:nvPr>
         </p:nvGraphicFramePr>
         <p:xfrm>
-          <a:off x="3561080" y="4951306"/>
-          <a:ext cx="8127999" cy="1112520"/>
+          <a:off x="3624232" y="4505960"/>
+          <a:ext cx="7751524" cy="1483360"/>
         </p:xfrm>
         <a:graphic>
           <a:graphicData uri="http://schemas.openxmlformats.org/drawingml/2006/table">
@@ -4763,21 +4970,21 @@
                 <a:tableStyleId>{3B4B98B0-60AC-42C2-AFA5-B58CD77FA1E5}</a:tableStyleId>
               </a:tblPr>
               <a:tblGrid>
-                <a:gridCol w="2709333">
+                <a:gridCol w="2469062">
                   <a:extLst>
                     <a:ext uri="{9D8B030D-6E8A-4147-A177-3AD203B41FA5}">
                       <a16:colId xmlns:a16="http://schemas.microsoft.com/office/drawing/2014/main" val="1497573361"/>
                     </a:ext>
                   </a:extLst>
                 </a:gridCol>
-                <a:gridCol w="2709333">
+                <a:gridCol w="2399119">
                   <a:extLst>
                     <a:ext uri="{9D8B030D-6E8A-4147-A177-3AD203B41FA5}">
                       <a16:colId xmlns:a16="http://schemas.microsoft.com/office/drawing/2014/main" val="2441381476"/>
                     </a:ext>
                   </a:extLst>
                 </a:gridCol>
-                <a:gridCol w="2709333">
+                <a:gridCol w="2883343">
                   <a:extLst>
                     <a:ext uri="{9D8B030D-6E8A-4147-A177-3AD203B41FA5}">
                       <a16:colId xmlns:a16="http://schemas.microsoft.com/office/drawing/2014/main" val="4073706776"/>
@@ -4796,30 +5003,69 @@
                   </a:txBody>
                   <a:tcPr/>
                 </a:tc>
-                <a:tc>
-                  <a:txBody>
-                    <a:bodyPr/>
-                    <a:lstStyle/>
-                    <a:p>
-                      <a:r>
-                        <a:rPr lang="en-US" dirty="0" smtClean="0"/>
-                        <a:t>Time (s)</a:t>
-                      </a:r>
+                <a:tc gridSpan="2">
+                  <a:txBody>
+                    <a:bodyPr/>
+                    <a:lstStyle/>
+                    <a:p>
+                      <a:pPr algn="ctr"/>
+                      <a:r>
+                        <a:rPr lang="en-US" b="1" dirty="0"/>
+                        <a:t>Training</a:t>
+                      </a:r>
+                    </a:p>
+                  </a:txBody>
+                  <a:tcPr/>
+                </a:tc>
+                <a:tc hMerge="1">
+                  <a:txBody>
+                    <a:bodyPr/>
+                    <a:lstStyle/>
+                    <a:p>
                       <a:endParaRPr lang="en-US" dirty="0"/>
                     </a:p>
                   </a:txBody>
                   <a:tcPr/>
                 </a:tc>
-                <a:tc>
-                  <a:txBody>
-                    <a:bodyPr/>
-                    <a:lstStyle/>
-                    <a:p>
-                      <a:r>
-                        <a:rPr lang="en-US" dirty="0" smtClean="0"/>
+                <a:extLst>
+                  <a:ext uri="{0D108BD9-81ED-4DB2-BD59-A6C34878D82A}">
+                    <a16:rowId xmlns:a16="http://schemas.microsoft.com/office/drawing/2014/main" val="363595820"/>
+                  </a:ext>
+                </a:extLst>
+              </a:tr>
+              <a:tr h="370840">
+                <a:tc>
+                  <a:txBody>
+                    <a:bodyPr/>
+                    <a:lstStyle/>
+                    <a:p>
+                      <a:endParaRPr lang="en-US" dirty="0"/>
+                    </a:p>
+                  </a:txBody>
+                  <a:tcPr/>
+                </a:tc>
+                <a:tc>
+                  <a:txBody>
+                    <a:bodyPr/>
+                    <a:lstStyle/>
+                    <a:p>
+                      <a:r>
+                        <a:rPr lang="en-US" dirty="0"/>
+                        <a:t>Performance</a:t>
+                      </a:r>
+                    </a:p>
+                  </a:txBody>
+                  <a:tcPr/>
+                </a:tc>
+                <a:tc>
+                  <a:txBody>
+                    <a:bodyPr/>
+                    <a:lstStyle/>
+                    <a:p>
+                      <a:r>
+                        <a:rPr lang="en-US" dirty="0"/>
                         <a:t>% Improvement</a:t>
                       </a:r>
-                      <a:endParaRPr lang="en-US" dirty="0"/>
                     </a:p>
                   </a:txBody>
                   <a:tcPr/>
@@ -4837,10 +5083,9 @@
                     <a:lstStyle/>
                     <a:p>
                       <a:r>
-                        <a:rPr lang="en-US" dirty="0" smtClean="0"/>
-                        <a:t>Performance:</a:t>
-                      </a:r>
-                      <a:endParaRPr lang="en-US" dirty="0"/>
+                        <a:rPr lang="en-US" dirty="0"/>
+                        <a:t>Accuracy:</a:t>
+                      </a:r>
                     </a:p>
                   </a:txBody>
                   <a:tcPr/>
@@ -4851,10 +5096,9 @@
                     <a:lstStyle/>
                     <a:p>
                       <a:r>
-                        <a:rPr lang="en-US" dirty="0" smtClean="0"/>
+                        <a:rPr lang="en-US" dirty="0"/>
                         <a:t>43.60%</a:t>
                       </a:r>
-                      <a:endParaRPr lang="en-US" dirty="0"/>
                     </a:p>
                   </a:txBody>
                   <a:tcPr/>
@@ -4865,10 +5109,9 @@
                     <a:lstStyle/>
                     <a:p>
                       <a:r>
-                        <a:rPr lang="en-US" dirty="0" smtClean="0"/>
-                        <a:t>22.8%</a:t>
-                      </a:r>
-                      <a:endParaRPr lang="en-US" dirty="0"/>
+                        <a:rPr lang="en-US" dirty="0"/>
+                        <a:t>0%</a:t>
+                      </a:r>
                     </a:p>
                   </a:txBody>
                   <a:tcPr/>
@@ -4886,10 +5129,9 @@
                     <a:lstStyle/>
                     <a:p>
                       <a:r>
-                        <a:rPr lang="en-US" dirty="0" smtClean="0"/>
+                        <a:rPr lang="en-US" dirty="0"/>
                         <a:t>Running Cost:</a:t>
                       </a:r>
-                      <a:endParaRPr lang="en-US" dirty="0"/>
                     </a:p>
                   </a:txBody>
                   <a:tcPr/>
@@ -4900,10 +5142,9 @@
                     <a:lstStyle/>
                     <a:p>
                       <a:r>
-                        <a:rPr lang="en-US" dirty="0" smtClean="0"/>
-                        <a:t>1456.38</a:t>
-                      </a:r>
-                      <a:endParaRPr lang="en-US" dirty="0"/>
+                        <a:rPr lang="en-US" dirty="0"/>
+                        <a:t>1456.38s</a:t>
+                      </a:r>
                     </a:p>
                   </a:txBody>
                   <a:tcPr/>
@@ -4914,8 +5155,8 @@
                     <a:lstStyle/>
                     <a:p>
                       <a:r>
-                        <a:rPr lang="en-US" dirty="0" smtClean="0"/>
-                        <a:t>-10.4%</a:t>
+                        <a:rPr lang="en-US" dirty="0"/>
+                        <a:t>0%</a:t>
                       </a:r>
                     </a:p>
                   </a:txBody>
@@ -4977,10 +5218,9 @@
           <a:lstStyle/>
           <a:p>
             <a:r>
-              <a:rPr lang="en-US" dirty="0" smtClean="0"/>
+              <a:rPr lang="en-US" dirty="0"/>
               <a:t>SVM</a:t>
             </a:r>
-            <a:endParaRPr lang="en-US" dirty="0"/>
           </a:p>
         </p:txBody>
       </p:sp>
@@ -5005,42 +5245,47 @@
           <a:lstStyle/>
           <a:p>
             <a:r>
-              <a:rPr lang="en-US" dirty="0" smtClean="0"/>
+              <a:rPr lang="en-US" dirty="0"/>
               <a:t>Representation of data as points in N-dimensional space, mapped to separate categories into the same spaces.</a:t>
             </a:r>
           </a:p>
           <a:p>
             <a:r>
-              <a:rPr lang="en-US" dirty="0" smtClean="0"/>
+              <a:rPr lang="en-US" dirty="0"/>
               <a:t>Maximizes the distance between the points and the planes separating spaces</a:t>
             </a:r>
           </a:p>
           <a:p>
             <a:r>
-              <a:rPr lang="en-US" dirty="0" smtClean="0"/>
+              <a:rPr lang="en-US" dirty="0"/>
               <a:t>With many features, SVM shows small time improvement, but very large performance improvement</a:t>
             </a:r>
-            <a:endParaRPr lang="en-US" dirty="0"/>
           </a:p>
         </p:txBody>
       </p:sp>
       <p:graphicFrame>
         <p:nvGraphicFramePr>
-          <p:cNvPr id="4" name="Table 3"/>
+          <p:cNvPr id="5" name="Table 4">
+            <a:extLst>
+              <a:ext uri="{FF2B5EF4-FFF2-40B4-BE49-F238E27FC236}">
+                <a16:creationId xmlns:a16="http://schemas.microsoft.com/office/drawing/2014/main" id="{32B02604-F8E9-BB4F-8704-09B3F9C57396}"/>
+              </a:ext>
+            </a:extLst>
+          </p:cNvPr>
           <p:cNvGraphicFramePr>
             <a:graphicFrameLocks noGrp="1"/>
           </p:cNvGraphicFramePr>
           <p:nvPr>
             <p:extLst>
               <p:ext uri="{D42A27DB-BD31-4B8C-83A1-F6EECF244321}">
-                <p14:modId xmlns:p14="http://schemas.microsoft.com/office/powerpoint/2010/main" val="920644286"/>
+                <p14:modId xmlns:p14="http://schemas.microsoft.com/office/powerpoint/2010/main" val="2908249922"/>
               </p:ext>
             </p:extLst>
           </p:nvPr>
         </p:nvGraphicFramePr>
         <p:xfrm>
-          <a:off x="3561080" y="4951306"/>
-          <a:ext cx="8127999" cy="1112520"/>
+          <a:off x="3574526" y="4510532"/>
+          <a:ext cx="8018206" cy="1483360"/>
         </p:xfrm>
         <a:graphic>
           <a:graphicData uri="http://schemas.openxmlformats.org/drawingml/2006/table">
@@ -5049,21 +5294,21 @@
                 <a:tableStyleId>{3B4B98B0-60AC-42C2-AFA5-B58CD77FA1E5}</a:tableStyleId>
               </a:tblPr>
               <a:tblGrid>
-                <a:gridCol w="2709333">
+                <a:gridCol w="2554007">
                   <a:extLst>
                     <a:ext uri="{9D8B030D-6E8A-4147-A177-3AD203B41FA5}">
                       <a16:colId xmlns:a16="http://schemas.microsoft.com/office/drawing/2014/main" val="1497573361"/>
                     </a:ext>
                   </a:extLst>
                 </a:gridCol>
-                <a:gridCol w="2709333">
+                <a:gridCol w="2481658">
                   <a:extLst>
                     <a:ext uri="{9D8B030D-6E8A-4147-A177-3AD203B41FA5}">
                       <a16:colId xmlns:a16="http://schemas.microsoft.com/office/drawing/2014/main" val="2441381476"/>
                     </a:ext>
                   </a:extLst>
                 </a:gridCol>
-                <a:gridCol w="2709333">
+                <a:gridCol w="2982541">
                   <a:extLst>
                     <a:ext uri="{9D8B030D-6E8A-4147-A177-3AD203B41FA5}">
                       <a16:colId xmlns:a16="http://schemas.microsoft.com/office/drawing/2014/main" val="4073706776"/>
@@ -5077,50 +5322,74 @@
                     <a:bodyPr/>
                     <a:lstStyle/>
                     <a:p>
-                      <a:endParaRPr lang="en-US" dirty="0">
-                        <a:latin typeface="Arial" panose="020B0604020202020204" pitchFamily="34" charset="0"/>
-                        <a:cs typeface="Arial" panose="020B0604020202020204" pitchFamily="34" charset="0"/>
-                      </a:endParaRPr>
+                      <a:endParaRPr lang="en-US" dirty="0"/>
                     </a:p>
                   </a:txBody>
                   <a:tcPr/>
                 </a:tc>
-                <a:tc>
-                  <a:txBody>
-                    <a:bodyPr/>
-                    <a:lstStyle/>
-                    <a:p>
-                      <a:r>
-                        <a:rPr lang="en-US" dirty="0" smtClean="0">
-                          <a:latin typeface="Arial" panose="020B0604020202020204" pitchFamily="34" charset="0"/>
-                          <a:cs typeface="Arial" panose="020B0604020202020204" pitchFamily="34" charset="0"/>
-                        </a:rPr>
-                        <a:t>Time (s)</a:t>
-                      </a:r>
-                      <a:endParaRPr lang="en-US" dirty="0">
-                        <a:latin typeface="Arial" panose="020B0604020202020204" pitchFamily="34" charset="0"/>
-                        <a:cs typeface="Arial" panose="020B0604020202020204" pitchFamily="34" charset="0"/>
-                      </a:endParaRPr>
+                <a:tc gridSpan="2">
+                  <a:txBody>
+                    <a:bodyPr/>
+                    <a:lstStyle/>
+                    <a:p>
+                      <a:pPr algn="ctr"/>
+                      <a:r>
+                        <a:rPr lang="en-US" b="1" dirty="0"/>
+                        <a:t>Training</a:t>
+                      </a:r>
                     </a:p>
                   </a:txBody>
                   <a:tcPr/>
                 </a:tc>
-                <a:tc>
-                  <a:txBody>
-                    <a:bodyPr/>
-                    <a:lstStyle/>
-                    <a:p>
-                      <a:r>
-                        <a:rPr lang="en-US" dirty="0" smtClean="0">
-                          <a:latin typeface="Arial" panose="020B0604020202020204" pitchFamily="34" charset="0"/>
-                          <a:cs typeface="Arial" panose="020B0604020202020204" pitchFamily="34" charset="0"/>
-                        </a:rPr>
+                <a:tc hMerge="1">
+                  <a:txBody>
+                    <a:bodyPr/>
+                    <a:lstStyle/>
+                    <a:p>
+                      <a:endParaRPr lang="en-US" dirty="0"/>
+                    </a:p>
+                  </a:txBody>
+                  <a:tcPr/>
+                </a:tc>
+                <a:extLst>
+                  <a:ext uri="{0D108BD9-81ED-4DB2-BD59-A6C34878D82A}">
+                    <a16:rowId xmlns:a16="http://schemas.microsoft.com/office/drawing/2014/main" val="363595820"/>
+                  </a:ext>
+                </a:extLst>
+              </a:tr>
+              <a:tr h="370840">
+                <a:tc>
+                  <a:txBody>
+                    <a:bodyPr/>
+                    <a:lstStyle/>
+                    <a:p>
+                      <a:endParaRPr lang="en-US" dirty="0"/>
+                    </a:p>
+                  </a:txBody>
+                  <a:tcPr/>
+                </a:tc>
+                <a:tc>
+                  <a:txBody>
+                    <a:bodyPr/>
+                    <a:lstStyle/>
+                    <a:p>
+                      <a:r>
+                        <a:rPr lang="en-US" dirty="0"/>
+                        <a:t>Performance</a:t>
+                      </a:r>
+                    </a:p>
+                  </a:txBody>
+                  <a:tcPr/>
+                </a:tc>
+                <a:tc>
+                  <a:txBody>
+                    <a:bodyPr/>
+                    <a:lstStyle/>
+                    <a:p>
+                      <a:r>
+                        <a:rPr lang="en-US" dirty="0"/>
                         <a:t>% Improvement</a:t>
                       </a:r>
-                      <a:endParaRPr lang="en-US" dirty="0">
-                        <a:latin typeface="Arial" panose="020B0604020202020204" pitchFamily="34" charset="0"/>
-                        <a:cs typeface="Arial" panose="020B0604020202020204" pitchFamily="34" charset="0"/>
-                      </a:endParaRPr>
                     </a:p>
                   </a:txBody>
                   <a:tcPr/>
@@ -5138,16 +5407,9 @@
                     <a:lstStyle/>
                     <a:p>
                       <a:r>
-                        <a:rPr lang="en-US" dirty="0" smtClean="0">
-                          <a:latin typeface="Arial" panose="020B0604020202020204" pitchFamily="34" charset="0"/>
-                          <a:cs typeface="Arial" panose="020B0604020202020204" pitchFamily="34" charset="0"/>
-                        </a:rPr>
-                        <a:t>Performance:</a:t>
-                      </a:r>
-                      <a:endParaRPr lang="en-US" dirty="0">
-                        <a:latin typeface="Arial" panose="020B0604020202020204" pitchFamily="34" charset="0"/>
-                        <a:cs typeface="Arial" panose="020B0604020202020204" pitchFamily="34" charset="0"/>
-                      </a:endParaRPr>
+                        <a:rPr lang="en-US" dirty="0"/>
+                        <a:t>Accuracy:</a:t>
+                      </a:r>
                     </a:p>
                   </a:txBody>
                   <a:tcPr/>
@@ -5158,16 +5420,9 @@
                     <a:lstStyle/>
                     <a:p>
                       <a:r>
-                        <a:rPr lang="en-US" dirty="0" smtClean="0">
-                          <a:latin typeface="Arial" panose="020B0604020202020204" pitchFamily="34" charset="0"/>
-                          <a:cs typeface="Arial" panose="020B0604020202020204" pitchFamily="34" charset="0"/>
-                        </a:rPr>
-                        <a:t>45.4%</a:t>
-                      </a:r>
-                      <a:endParaRPr lang="en-US" dirty="0">
-                        <a:latin typeface="Arial" panose="020B0604020202020204" pitchFamily="34" charset="0"/>
-                        <a:cs typeface="Arial" panose="020B0604020202020204" pitchFamily="34" charset="0"/>
-                      </a:endParaRPr>
+                        <a:rPr lang="en-US" dirty="0"/>
+                        <a:t>45.40%</a:t>
+                      </a:r>
                     </a:p>
                   </a:txBody>
                   <a:tcPr/>
@@ -5178,16 +5433,9 @@
                     <a:lstStyle/>
                     <a:p>
                       <a:r>
-                        <a:rPr lang="en-US" dirty="0" smtClean="0">
-                          <a:latin typeface="Arial" panose="020B0604020202020204" pitchFamily="34" charset="0"/>
-                          <a:cs typeface="Arial" panose="020B0604020202020204" pitchFamily="34" charset="0"/>
-                        </a:rPr>
-                        <a:t>27.9%</a:t>
-                      </a:r>
-                      <a:endParaRPr lang="en-US" dirty="0">
-                        <a:latin typeface="Arial" panose="020B0604020202020204" pitchFamily="34" charset="0"/>
-                        <a:cs typeface="Arial" panose="020B0604020202020204" pitchFamily="34" charset="0"/>
-                      </a:endParaRPr>
+                        <a:rPr lang="en-US" dirty="0"/>
+                        <a:t>0%</a:t>
+                      </a:r>
                     </a:p>
                   </a:txBody>
                   <a:tcPr/>
@@ -5205,16 +5453,9 @@
                     <a:lstStyle/>
                     <a:p>
                       <a:r>
-                        <a:rPr lang="en-US" dirty="0" smtClean="0">
-                          <a:latin typeface="Arial" panose="020B0604020202020204" pitchFamily="34" charset="0"/>
-                          <a:cs typeface="Arial" panose="020B0604020202020204" pitchFamily="34" charset="0"/>
-                        </a:rPr>
+                        <a:rPr lang="en-US" dirty="0"/>
                         <a:t>Running Cost:</a:t>
                       </a:r>
-                      <a:endParaRPr lang="en-US" dirty="0">
-                        <a:latin typeface="Arial" panose="020B0604020202020204" pitchFamily="34" charset="0"/>
-                        <a:cs typeface="Arial" panose="020B0604020202020204" pitchFamily="34" charset="0"/>
-                      </a:endParaRPr>
                     </a:p>
                   </a:txBody>
                   <a:tcPr/>
@@ -5225,16 +5466,9 @@
                     <a:lstStyle/>
                     <a:p>
                       <a:r>
-                        <a:rPr lang="en-US" dirty="0" smtClean="0">
-                          <a:latin typeface="Arial" panose="020B0604020202020204" pitchFamily="34" charset="0"/>
-                          <a:cs typeface="Arial" panose="020B0604020202020204" pitchFamily="34" charset="0"/>
-                        </a:rPr>
+                        <a:rPr lang="en-US" dirty="0"/>
                         <a:t>34.86s</a:t>
                       </a:r>
-                      <a:endParaRPr lang="en-US" dirty="0">
-                        <a:latin typeface="Arial" panose="020B0604020202020204" pitchFamily="34" charset="0"/>
-                        <a:cs typeface="Arial" panose="020B0604020202020204" pitchFamily="34" charset="0"/>
-                      </a:endParaRPr>
                     </a:p>
                   </a:txBody>
                   <a:tcPr/>
@@ -5244,29 +5478,9 @@
                     <a:bodyPr/>
                     <a:lstStyle/>
                     <a:p>
-                      <a:pPr marL="0" marR="0" lvl="0" indent="0" algn="l" defTabSz="914400" rtl="0" eaLnBrk="1" fontAlgn="auto" latinLnBrk="0" hangingPunct="1">
-                        <a:lnSpc>
-                          <a:spcPct val="100000"/>
-                        </a:lnSpc>
-                        <a:spcBef>
-                          <a:spcPts val="0"/>
-                        </a:spcBef>
-                        <a:spcAft>
-                          <a:spcPts val="0"/>
-                        </a:spcAft>
-                        <a:buClrTx/>
-                        <a:buSzTx/>
-                        <a:buFontTx/>
-                        <a:buNone/>
-                        <a:tabLst/>
-                        <a:defRPr/>
-                      </a:pPr>
-                      <a:r>
-                        <a:rPr lang="en-US" dirty="0" smtClean="0">
-                          <a:latin typeface="Arial" panose="020B0604020202020204" pitchFamily="34" charset="0"/>
-                          <a:cs typeface="Arial" panose="020B0604020202020204" pitchFamily="34" charset="0"/>
-                        </a:rPr>
-                        <a:t>2.64%</a:t>
+                      <a:r>
+                        <a:rPr lang="en-US" dirty="0"/>
+                        <a:t>0%</a:t>
                       </a:r>
                     </a:p>
                   </a:txBody>
@@ -5328,10 +5542,9 @@
           <a:lstStyle/>
           <a:p>
             <a:r>
-              <a:rPr lang="en-US" dirty="0" smtClean="0"/>
+              <a:rPr lang="en-US" dirty="0"/>
               <a:t>Neural Networks</a:t>
             </a:r>
-            <a:endParaRPr lang="en-US" dirty="0"/>
           </a:p>
         </p:txBody>
       </p:sp>
@@ -5347,285 +5560,44 @@
         </p:nvSpPr>
         <p:spPr>
           <a:xfrm>
-            <a:off x="3862918" y="2919359"/>
-            <a:ext cx="7315200" cy="2012950"/>
+            <a:off x="3792071" y="706690"/>
+            <a:ext cx="4904291" cy="4225619"/>
           </a:xfrm>
         </p:spPr>
         <p:txBody>
-          <a:bodyPr>
-            <a:normAutofit fontScale="92500" lnSpcReduction="20000"/>
+          <a:bodyPr anchor="t">
+            <a:normAutofit/>
           </a:bodyPr>
           <a:lstStyle/>
           <a:p>
-            <a:endParaRPr lang="en-US" dirty="0" smtClean="0"/>
-          </a:p>
-          <a:p>
-            <a:r>
-              <a:rPr lang="en-US" dirty="0" smtClean="0"/>
+            <a:endParaRPr lang="en-US" dirty="0"/>
+          </a:p>
+          <a:p>
+            <a:r>
+              <a:rPr lang="en-US" dirty="0"/>
               <a:t>Can learn tasks without being given specific rules</a:t>
             </a:r>
           </a:p>
           <a:p>
             <a:r>
-              <a:rPr lang="en-US" dirty="0" smtClean="0"/>
+              <a:rPr lang="en-US" dirty="0"/>
               <a:t>Have multiple layers of “neurons” hidden that classify and make predictions. Different connections carry different weight, transforming each input</a:t>
             </a:r>
           </a:p>
           <a:p>
             <a:r>
-              <a:rPr lang="en-US" dirty="0" smtClean="0"/>
+              <a:rPr lang="en-US" dirty="0"/>
               <a:t>Results in very effective predictions, can be computationally expensive when training</a:t>
             </a:r>
           </a:p>
           <a:p>
-            <a:endParaRPr lang="en-US" dirty="0" smtClean="0"/>
-          </a:p>
-          <a:p>
             <a:endParaRPr lang="en-US" dirty="0"/>
           </a:p>
-        </p:txBody>
-      </p:sp>
-      <p:graphicFrame>
-        <p:nvGraphicFramePr>
-          <p:cNvPr id="4" name="Table 3"/>
-          <p:cNvGraphicFramePr>
-            <a:graphicFrameLocks noGrp="1"/>
-          </p:cNvGraphicFramePr>
-          <p:nvPr>
-            <p:extLst>
-              <p:ext uri="{D42A27DB-BD31-4B8C-83A1-F6EECF244321}">
-                <p14:modId xmlns:p14="http://schemas.microsoft.com/office/powerpoint/2010/main" val="1353465548"/>
-              </p:ext>
-            </p:extLst>
-          </p:nvPr>
-        </p:nvGraphicFramePr>
-        <p:xfrm>
-          <a:off x="3561080" y="4951306"/>
-          <a:ext cx="8127999" cy="1112520"/>
-        </p:xfrm>
-        <a:graphic>
-          <a:graphicData uri="http://schemas.openxmlformats.org/drawingml/2006/table">
-            <a:tbl>
-              <a:tblPr bandRow="1">
-                <a:tableStyleId>{3B4B98B0-60AC-42C2-AFA5-B58CD77FA1E5}</a:tableStyleId>
-              </a:tblPr>
-              <a:tblGrid>
-                <a:gridCol w="2709333">
-                  <a:extLst>
-                    <a:ext uri="{9D8B030D-6E8A-4147-A177-3AD203B41FA5}">
-                      <a16:colId xmlns:a16="http://schemas.microsoft.com/office/drawing/2014/main" val="1497573361"/>
-                    </a:ext>
-                  </a:extLst>
-                </a:gridCol>
-                <a:gridCol w="2709333">
-                  <a:extLst>
-                    <a:ext uri="{9D8B030D-6E8A-4147-A177-3AD203B41FA5}">
-                      <a16:colId xmlns:a16="http://schemas.microsoft.com/office/drawing/2014/main" val="2441381476"/>
-                    </a:ext>
-                  </a:extLst>
-                </a:gridCol>
-                <a:gridCol w="2709333">
-                  <a:extLst>
-                    <a:ext uri="{9D8B030D-6E8A-4147-A177-3AD203B41FA5}">
-                      <a16:colId xmlns:a16="http://schemas.microsoft.com/office/drawing/2014/main" val="4073706776"/>
-                    </a:ext>
-                  </a:extLst>
-                </a:gridCol>
-              </a:tblGrid>
-              <a:tr h="370840">
-                <a:tc>
-                  <a:txBody>
-                    <a:bodyPr/>
-                    <a:lstStyle/>
-                    <a:p>
-                      <a:endParaRPr lang="en-US" dirty="0">
-                        <a:latin typeface="Arial" panose="020B0604020202020204" pitchFamily="34" charset="0"/>
-                        <a:cs typeface="Arial" panose="020B0604020202020204" pitchFamily="34" charset="0"/>
-                      </a:endParaRPr>
-                    </a:p>
-                  </a:txBody>
-                  <a:tcPr/>
-                </a:tc>
-                <a:tc>
-                  <a:txBody>
-                    <a:bodyPr/>
-                    <a:lstStyle/>
-                    <a:p>
-                      <a:r>
-                        <a:rPr lang="en-US" dirty="0" smtClean="0">
-                          <a:latin typeface="Arial" panose="020B0604020202020204" pitchFamily="34" charset="0"/>
-                          <a:cs typeface="Arial" panose="020B0604020202020204" pitchFamily="34" charset="0"/>
-                        </a:rPr>
-                        <a:t>Time (s)</a:t>
-                      </a:r>
-                      <a:endParaRPr lang="en-US" dirty="0">
-                        <a:latin typeface="Arial" panose="020B0604020202020204" pitchFamily="34" charset="0"/>
-                        <a:cs typeface="Arial" panose="020B0604020202020204" pitchFamily="34" charset="0"/>
-                      </a:endParaRPr>
-                    </a:p>
-                  </a:txBody>
-                  <a:tcPr/>
-                </a:tc>
-                <a:tc>
-                  <a:txBody>
-                    <a:bodyPr/>
-                    <a:lstStyle/>
-                    <a:p>
-                      <a:r>
-                        <a:rPr lang="en-US" dirty="0" smtClean="0">
-                          <a:latin typeface="Arial" panose="020B0604020202020204" pitchFamily="34" charset="0"/>
-                          <a:cs typeface="Arial" panose="020B0604020202020204" pitchFamily="34" charset="0"/>
-                        </a:rPr>
-                        <a:t>% Improvement</a:t>
-                      </a:r>
-                      <a:endParaRPr lang="en-US" dirty="0">
-                        <a:latin typeface="Arial" panose="020B0604020202020204" pitchFamily="34" charset="0"/>
-                        <a:cs typeface="Arial" panose="020B0604020202020204" pitchFamily="34" charset="0"/>
-                      </a:endParaRPr>
-                    </a:p>
-                  </a:txBody>
-                  <a:tcPr/>
-                </a:tc>
-                <a:extLst>
-                  <a:ext uri="{0D108BD9-81ED-4DB2-BD59-A6C34878D82A}">
-                    <a16:rowId xmlns:a16="http://schemas.microsoft.com/office/drawing/2014/main" val="3626922642"/>
-                  </a:ext>
-                </a:extLst>
-              </a:tr>
-              <a:tr h="370840">
-                <a:tc>
-                  <a:txBody>
-                    <a:bodyPr/>
-                    <a:lstStyle/>
-                    <a:p>
-                      <a:r>
-                        <a:rPr lang="en-US" dirty="0" smtClean="0">
-                          <a:latin typeface="Arial" panose="020B0604020202020204" pitchFamily="34" charset="0"/>
-                          <a:cs typeface="Arial" panose="020B0604020202020204" pitchFamily="34" charset="0"/>
-                        </a:rPr>
-                        <a:t>Performance:</a:t>
-                      </a:r>
-                      <a:endParaRPr lang="en-US" dirty="0">
-                        <a:latin typeface="Arial" panose="020B0604020202020204" pitchFamily="34" charset="0"/>
-                        <a:cs typeface="Arial" panose="020B0604020202020204" pitchFamily="34" charset="0"/>
-                      </a:endParaRPr>
-                    </a:p>
-                  </a:txBody>
-                  <a:tcPr/>
-                </a:tc>
-                <a:tc>
-                  <a:txBody>
-                    <a:bodyPr/>
-                    <a:lstStyle/>
-                    <a:p>
-                      <a:r>
-                        <a:rPr lang="en-US" dirty="0" smtClean="0">
-                          <a:latin typeface="Arial" panose="020B0604020202020204" pitchFamily="34" charset="0"/>
-                          <a:cs typeface="Arial" panose="020B0604020202020204" pitchFamily="34" charset="0"/>
-                        </a:rPr>
-                        <a:t>60.8%</a:t>
-                      </a:r>
-                      <a:endParaRPr lang="en-US" dirty="0">
-                        <a:latin typeface="Arial" panose="020B0604020202020204" pitchFamily="34" charset="0"/>
-                        <a:cs typeface="Arial" panose="020B0604020202020204" pitchFamily="34" charset="0"/>
-                      </a:endParaRPr>
-                    </a:p>
-                  </a:txBody>
-                  <a:tcPr/>
-                </a:tc>
-                <a:tc>
-                  <a:txBody>
-                    <a:bodyPr/>
-                    <a:lstStyle/>
-                    <a:p>
-                      <a:r>
-                        <a:rPr lang="en-US" dirty="0" smtClean="0">
-                          <a:latin typeface="Arial" panose="020B0604020202020204" pitchFamily="34" charset="0"/>
-                          <a:cs typeface="Arial" panose="020B0604020202020204" pitchFamily="34" charset="0"/>
-                        </a:rPr>
-                        <a:t>71.3%</a:t>
-                      </a:r>
-                    </a:p>
-                  </a:txBody>
-                  <a:tcPr/>
-                </a:tc>
-                <a:extLst>
-                  <a:ext uri="{0D108BD9-81ED-4DB2-BD59-A6C34878D82A}">
-                    <a16:rowId xmlns:a16="http://schemas.microsoft.com/office/drawing/2014/main" val="4088003867"/>
-                  </a:ext>
-                </a:extLst>
-              </a:tr>
-              <a:tr h="370840">
-                <a:tc>
-                  <a:txBody>
-                    <a:bodyPr/>
-                    <a:lstStyle/>
-                    <a:p>
-                      <a:r>
-                        <a:rPr lang="en-US" dirty="0" smtClean="0">
-                          <a:latin typeface="Arial" panose="020B0604020202020204" pitchFamily="34" charset="0"/>
-                          <a:cs typeface="Arial" panose="020B0604020202020204" pitchFamily="34" charset="0"/>
-                        </a:rPr>
-                        <a:t>Running Cost:</a:t>
-                      </a:r>
-                      <a:endParaRPr lang="en-US" dirty="0">
-                        <a:latin typeface="Arial" panose="020B0604020202020204" pitchFamily="34" charset="0"/>
-                        <a:cs typeface="Arial" panose="020B0604020202020204" pitchFamily="34" charset="0"/>
-                      </a:endParaRPr>
-                    </a:p>
-                  </a:txBody>
-                  <a:tcPr/>
-                </a:tc>
-                <a:tc>
-                  <a:txBody>
-                    <a:bodyPr/>
-                    <a:lstStyle/>
-                    <a:p>
-                      <a:r>
-                        <a:rPr lang="en-US" dirty="0" smtClean="0">
-                          <a:latin typeface="Arial" panose="020B0604020202020204" pitchFamily="34" charset="0"/>
-                          <a:cs typeface="Arial" panose="020B0604020202020204" pitchFamily="34" charset="0"/>
-                        </a:rPr>
-                        <a:t>677.7s</a:t>
-                      </a:r>
-                      <a:endParaRPr lang="en-US" dirty="0">
-                        <a:latin typeface="Arial" panose="020B0604020202020204" pitchFamily="34" charset="0"/>
-                        <a:cs typeface="Arial" panose="020B0604020202020204" pitchFamily="34" charset="0"/>
-                      </a:endParaRPr>
-                    </a:p>
-                  </a:txBody>
-                  <a:tcPr/>
-                </a:tc>
-                <a:tc>
-                  <a:txBody>
-                    <a:bodyPr/>
-                    <a:lstStyle/>
-                    <a:p>
-                      <a:r>
-                        <a:rPr lang="en-US" dirty="0" smtClean="0">
-                          <a:latin typeface="Arial" panose="020B0604020202020204" pitchFamily="34" charset="0"/>
-                          <a:cs typeface="Arial" panose="020B0604020202020204" pitchFamily="34" charset="0"/>
-                        </a:rPr>
-                        <a:t>48.7%</a:t>
-                      </a:r>
-                      <a:endParaRPr lang="en-US" dirty="0">
-                        <a:latin typeface="Arial" panose="020B0604020202020204" pitchFamily="34" charset="0"/>
-                        <a:cs typeface="Arial" panose="020B0604020202020204" pitchFamily="34" charset="0"/>
-                      </a:endParaRPr>
-                    </a:p>
-                  </a:txBody>
-                  <a:tcPr/>
-                </a:tc>
-                <a:extLst>
-                  <a:ext uri="{0D108BD9-81ED-4DB2-BD59-A6C34878D82A}">
-                    <a16:rowId xmlns:a16="http://schemas.microsoft.com/office/drawing/2014/main" val="2012876501"/>
-                  </a:ext>
-                </a:extLst>
-              </a:tr>
-            </a:tbl>
-          </a:graphicData>
-        </a:graphic>
-      </p:graphicFrame>
+          <a:p>
+            <a:endParaRPr lang="en-US" dirty="0"/>
+          </a:p>
+        </p:txBody>
+      </p:sp>
       <p:pic>
         <p:nvPicPr>
           <p:cNvPr id="1030" name="Picture 6" descr="https://miro.medium.com/max/1194/1*yGMk1GSKKbyKr_cMarlWnA.jpeg"/>
@@ -5649,7 +5621,7 @@
         </p:blipFill>
         <p:spPr bwMode="auto">
           <a:xfrm>
-            <a:off x="5600149" y="337358"/>
+            <a:off x="8696362" y="1248811"/>
             <a:ext cx="3499401" cy="2563004"/>
           </a:xfrm>
           <a:prstGeom prst="rect">
@@ -5675,7 +5647,7 @@
         </p:nvSpPr>
         <p:spPr>
           <a:xfrm>
-            <a:off x="9156700" y="337358"/>
+            <a:off x="11360775" y="1248811"/>
             <a:ext cx="374650" cy="369332"/>
           </a:xfrm>
           <a:prstGeom prst="rect">
@@ -5690,10 +5662,9 @@
           <a:lstStyle/>
           <a:p>
             <a:r>
-              <a:rPr lang="en-US" dirty="0" smtClean="0"/>
+              <a:rPr lang="en-US" dirty="0"/>
               <a:t>1</a:t>
             </a:r>
-            <a:endParaRPr lang="en-US" dirty="0"/>
           </a:p>
         </p:txBody>
       </p:sp>
@@ -5720,24 +5691,363 @@
           <a:lstStyle/>
           <a:p>
             <a:r>
-              <a:rPr lang="en-US" sz="1200" dirty="0" smtClean="0">
+              <a:rPr lang="en-US" sz="1200" dirty="0">
                 <a:latin typeface="Corbel (Body)"/>
               </a:rPr>
-              <a:t>1. </a:t>
-            </a:r>
-            <a:r>
-              <a:rPr lang="en-US" sz="1200" dirty="0">
-                <a:latin typeface="Corbel (Body)"/>
-                <a:hlinkClick r:id="rId3"/>
-              </a:rPr>
-              <a:t>https://towardsdatascience.com/understanding-neural-networks-19020b758230</a:t>
-            </a:r>
-            <a:endParaRPr lang="en-US" sz="1200" dirty="0">
-              <a:latin typeface="Corbel (Body)"/>
-            </a:endParaRPr>
-          </a:p>
-        </p:txBody>
-      </p:sp>
+              <a:t>1. https://towardsdatascience.com/understanding-neural-networks-19020b758230</a:t>
+            </a:r>
+          </a:p>
+        </p:txBody>
+      </p:sp>
+      <p:graphicFrame>
+        <p:nvGraphicFramePr>
+          <p:cNvPr id="8" name="Table 7">
+            <a:extLst>
+              <a:ext uri="{FF2B5EF4-FFF2-40B4-BE49-F238E27FC236}">
+                <a16:creationId xmlns:a16="http://schemas.microsoft.com/office/drawing/2014/main" id="{27A73E6F-FB80-E34F-93C8-791F171E300E}"/>
+              </a:ext>
+            </a:extLst>
+          </p:cNvPr>
+          <p:cNvGraphicFramePr>
+            <a:graphicFrameLocks noGrp="1"/>
+          </p:cNvGraphicFramePr>
+          <p:nvPr>
+            <p:extLst>
+              <p:ext uri="{D42A27DB-BD31-4B8C-83A1-F6EECF244321}">
+                <p14:modId xmlns:p14="http://schemas.microsoft.com/office/powerpoint/2010/main" val="3904382601"/>
+              </p:ext>
+            </p:extLst>
+          </p:nvPr>
+        </p:nvGraphicFramePr>
+        <p:xfrm>
+          <a:off x="3607425" y="4563675"/>
+          <a:ext cx="8128000" cy="1483360"/>
+        </p:xfrm>
+        <a:graphic>
+          <a:graphicData uri="http://schemas.openxmlformats.org/drawingml/2006/table">
+            <a:tbl>
+              <a:tblPr bandRow="1">
+                <a:tableStyleId>{3B4B98B0-60AC-42C2-AFA5-B58CD77FA1E5}</a:tableStyleId>
+              </a:tblPr>
+              <a:tblGrid>
+                <a:gridCol w="1508461">
+                  <a:extLst>
+                    <a:ext uri="{9D8B030D-6E8A-4147-A177-3AD203B41FA5}">
+                      <a16:colId xmlns:a16="http://schemas.microsoft.com/office/drawing/2014/main" val="1497573361"/>
+                    </a:ext>
+                  </a:extLst>
+                </a:gridCol>
+                <a:gridCol w="1465730">
+                  <a:extLst>
+                    <a:ext uri="{9D8B030D-6E8A-4147-A177-3AD203B41FA5}">
+                      <a16:colId xmlns:a16="http://schemas.microsoft.com/office/drawing/2014/main" val="2441381476"/>
+                    </a:ext>
+                  </a:extLst>
+                </a:gridCol>
+                <a:gridCol w="1761564">
+                  <a:extLst>
+                    <a:ext uri="{9D8B030D-6E8A-4147-A177-3AD203B41FA5}">
+                      <a16:colId xmlns:a16="http://schemas.microsoft.com/office/drawing/2014/main" val="4073706776"/>
+                    </a:ext>
+                  </a:extLst>
+                </a:gridCol>
+                <a:gridCol w="1546412">
+                  <a:extLst>
+                    <a:ext uri="{9D8B030D-6E8A-4147-A177-3AD203B41FA5}">
+                      <a16:colId xmlns:a16="http://schemas.microsoft.com/office/drawing/2014/main" val="3913247614"/>
+                    </a:ext>
+                  </a:extLst>
+                </a:gridCol>
+                <a:gridCol w="1845833">
+                  <a:extLst>
+                    <a:ext uri="{9D8B030D-6E8A-4147-A177-3AD203B41FA5}">
+                      <a16:colId xmlns:a16="http://schemas.microsoft.com/office/drawing/2014/main" val="4274922176"/>
+                    </a:ext>
+                  </a:extLst>
+                </a:gridCol>
+              </a:tblGrid>
+              <a:tr h="370840">
+                <a:tc>
+                  <a:txBody>
+                    <a:bodyPr/>
+                    <a:lstStyle/>
+                    <a:p>
+                      <a:endParaRPr lang="en-US" dirty="0"/>
+                    </a:p>
+                  </a:txBody>
+                  <a:tcPr/>
+                </a:tc>
+                <a:tc gridSpan="2">
+                  <a:txBody>
+                    <a:bodyPr/>
+                    <a:lstStyle/>
+                    <a:p>
+                      <a:pPr algn="ctr"/>
+                      <a:r>
+                        <a:rPr lang="en-US" b="1" dirty="0"/>
+                        <a:t>Training</a:t>
+                      </a:r>
+                    </a:p>
+                  </a:txBody>
+                  <a:tcPr/>
+                </a:tc>
+                <a:tc hMerge="1">
+                  <a:txBody>
+                    <a:bodyPr/>
+                    <a:lstStyle/>
+                    <a:p>
+                      <a:endParaRPr lang="en-US" dirty="0"/>
+                    </a:p>
+                  </a:txBody>
+                  <a:tcPr/>
+                </a:tc>
+                <a:tc gridSpan="2">
+                  <a:txBody>
+                    <a:bodyPr/>
+                    <a:lstStyle/>
+                    <a:p>
+                      <a:pPr algn="ctr"/>
+                      <a:r>
+                        <a:rPr lang="en-US" b="1" dirty="0"/>
+                        <a:t>Testing</a:t>
+                      </a:r>
+                    </a:p>
+                  </a:txBody>
+                  <a:tcPr/>
+                </a:tc>
+                <a:tc hMerge="1">
+                  <a:txBody>
+                    <a:bodyPr/>
+                    <a:lstStyle/>
+                    <a:p>
+                      <a:endParaRPr lang="en-US" dirty="0"/>
+                    </a:p>
+                  </a:txBody>
+                  <a:tcPr/>
+                </a:tc>
+                <a:extLst>
+                  <a:ext uri="{0D108BD9-81ED-4DB2-BD59-A6C34878D82A}">
+                    <a16:rowId xmlns:a16="http://schemas.microsoft.com/office/drawing/2014/main" val="363595820"/>
+                  </a:ext>
+                </a:extLst>
+              </a:tr>
+              <a:tr h="370840">
+                <a:tc>
+                  <a:txBody>
+                    <a:bodyPr/>
+                    <a:lstStyle/>
+                    <a:p>
+                      <a:endParaRPr lang="en-US" dirty="0"/>
+                    </a:p>
+                  </a:txBody>
+                  <a:tcPr/>
+                </a:tc>
+                <a:tc>
+                  <a:txBody>
+                    <a:bodyPr/>
+                    <a:lstStyle/>
+                    <a:p>
+                      <a:r>
+                        <a:rPr lang="en-US" dirty="0"/>
+                        <a:t>Performance</a:t>
+                      </a:r>
+                    </a:p>
+                  </a:txBody>
+                  <a:tcPr/>
+                </a:tc>
+                <a:tc>
+                  <a:txBody>
+                    <a:bodyPr/>
+                    <a:lstStyle/>
+                    <a:p>
+                      <a:r>
+                        <a:rPr lang="en-US" dirty="0"/>
+                        <a:t>% Improvement</a:t>
+                      </a:r>
+                    </a:p>
+                  </a:txBody>
+                  <a:tcPr/>
+                </a:tc>
+                <a:tc>
+                  <a:txBody>
+                    <a:bodyPr/>
+                    <a:lstStyle/>
+                    <a:p>
+                      <a:r>
+                        <a:rPr lang="en-US" dirty="0"/>
+                        <a:t>Performance</a:t>
+                      </a:r>
+                    </a:p>
+                  </a:txBody>
+                  <a:tcPr/>
+                </a:tc>
+                <a:tc>
+                  <a:txBody>
+                    <a:bodyPr/>
+                    <a:lstStyle/>
+                    <a:p>
+                      <a:r>
+                        <a:rPr lang="en-US" dirty="0"/>
+                        <a:t>% Improvement</a:t>
+                      </a:r>
+                    </a:p>
+                  </a:txBody>
+                  <a:tcPr/>
+                </a:tc>
+                <a:extLst>
+                  <a:ext uri="{0D108BD9-81ED-4DB2-BD59-A6C34878D82A}">
+                    <a16:rowId xmlns:a16="http://schemas.microsoft.com/office/drawing/2014/main" val="3626922642"/>
+                  </a:ext>
+                </a:extLst>
+              </a:tr>
+              <a:tr h="370840">
+                <a:tc>
+                  <a:txBody>
+                    <a:bodyPr/>
+                    <a:lstStyle/>
+                    <a:p>
+                      <a:r>
+                        <a:rPr lang="en-US" dirty="0"/>
+                        <a:t>Accuracy:</a:t>
+                      </a:r>
+                    </a:p>
+                  </a:txBody>
+                  <a:tcPr/>
+                </a:tc>
+                <a:tc>
+                  <a:txBody>
+                    <a:bodyPr/>
+                    <a:lstStyle/>
+                    <a:p>
+                      <a:r>
+                        <a:rPr lang="en-US" dirty="0"/>
+                        <a:t>60.8%</a:t>
+                      </a:r>
+                    </a:p>
+                  </a:txBody>
+                  <a:tcPr/>
+                </a:tc>
+                <a:tc>
+                  <a:txBody>
+                    <a:bodyPr/>
+                    <a:lstStyle/>
+                    <a:p>
+                      <a:r>
+                        <a:rPr lang="en-US" dirty="0"/>
+                        <a:t>0%</a:t>
+                      </a:r>
+                    </a:p>
+                  </a:txBody>
+                  <a:tcPr/>
+                </a:tc>
+                <a:tc>
+                  <a:txBody>
+                    <a:bodyPr/>
+                    <a:lstStyle/>
+                    <a:p>
+                      <a:r>
+                        <a:rPr lang="en-US" dirty="0"/>
+                        <a:t>60.8%</a:t>
+                      </a:r>
+                    </a:p>
+                  </a:txBody>
+                  <a:tcPr/>
+                </a:tc>
+                <a:tc>
+                  <a:txBody>
+                    <a:bodyPr/>
+                    <a:lstStyle/>
+                    <a:p>
+                      <a:r>
+                        <a:rPr lang="en-US" dirty="0"/>
+                        <a:t>0%</a:t>
+                      </a:r>
+                    </a:p>
+                  </a:txBody>
+                  <a:tcPr/>
+                </a:tc>
+                <a:extLst>
+                  <a:ext uri="{0D108BD9-81ED-4DB2-BD59-A6C34878D82A}">
+                    <a16:rowId xmlns:a16="http://schemas.microsoft.com/office/drawing/2014/main" val="4088003867"/>
+                  </a:ext>
+                </a:extLst>
+              </a:tr>
+              <a:tr h="370840">
+                <a:tc>
+                  <a:txBody>
+                    <a:bodyPr/>
+                    <a:lstStyle/>
+                    <a:p>
+                      <a:r>
+                        <a:rPr lang="en-US" dirty="0"/>
+                        <a:t>Running Cost:</a:t>
+                      </a:r>
+                    </a:p>
+                  </a:txBody>
+                  <a:tcPr/>
+                </a:tc>
+                <a:tc>
+                  <a:txBody>
+                    <a:bodyPr/>
+                    <a:lstStyle/>
+                    <a:p>
+                      <a:r>
+                        <a:rPr lang="en-US" dirty="0"/>
+                        <a:t>677.7s</a:t>
+                      </a:r>
+                    </a:p>
+                  </a:txBody>
+                  <a:tcPr/>
+                </a:tc>
+                <a:tc>
+                  <a:txBody>
+                    <a:bodyPr/>
+                    <a:lstStyle/>
+                    <a:p>
+                      <a:r>
+                        <a:rPr lang="en-US" dirty="0"/>
+                        <a:t>0%</a:t>
+                      </a:r>
+                    </a:p>
+                  </a:txBody>
+                  <a:tcPr/>
+                </a:tc>
+                <a:tc>
+                  <a:txBody>
+                    <a:bodyPr/>
+                    <a:lstStyle/>
+                    <a:p>
+                      <a:r>
+                        <a:rPr lang="en-US" dirty="0"/>
+                        <a:t>677.7s</a:t>
+                      </a:r>
+                    </a:p>
+                  </a:txBody>
+                  <a:tcPr/>
+                </a:tc>
+                <a:tc>
+                  <a:txBody>
+                    <a:bodyPr/>
+                    <a:lstStyle/>
+                    <a:p>
+                      <a:r>
+                        <a:rPr lang="en-US" dirty="0"/>
+                        <a:t>0%</a:t>
+                      </a:r>
+                    </a:p>
+                  </a:txBody>
+                  <a:tcPr/>
+                </a:tc>
+                <a:extLst>
+                  <a:ext uri="{0D108BD9-81ED-4DB2-BD59-A6C34878D82A}">
+                    <a16:rowId xmlns:a16="http://schemas.microsoft.com/office/drawing/2014/main" val="2012876501"/>
+                  </a:ext>
+                </a:extLst>
+              </a:tr>
+            </a:tbl>
+          </a:graphicData>
+        </a:graphic>
+      </p:graphicFrame>
     </p:spTree>
     <p:extLst>
       <p:ext uri="{BB962C8B-B14F-4D97-AF65-F5344CB8AC3E}">
@@ -5770,858 +6080,206 @@
       </p:grpSpPr>
       <p:sp>
         <p:nvSpPr>
-          <p:cNvPr id="2" name="Title 1"/>
-          <p:cNvSpPr>
-            <a:spLocks noGrp="1"/>
-          </p:cNvSpPr>
-          <p:nvPr>
-            <p:ph type="title"/>
-          </p:nvPr>
-        </p:nvSpPr>
-        <p:spPr/>
+          <p:cNvPr id="2" name="Title 1">
+            <a:extLst>
+              <a:ext uri="{FF2B5EF4-FFF2-40B4-BE49-F238E27FC236}">
+                <a16:creationId xmlns:a16="http://schemas.microsoft.com/office/drawing/2014/main" id="{96CBA57E-CEE8-8A4B-B3AF-3AE6F815EA49}"/>
+              </a:ext>
+            </a:extLst>
+          </p:cNvPr>
+          <p:cNvSpPr>
+            <a:spLocks noGrp="1"/>
+          </p:cNvSpPr>
+          <p:nvPr>
+            <p:ph type="title" idx="4294967295"/>
+          </p:nvPr>
+        </p:nvSpPr>
+        <p:spPr>
+          <a:xfrm>
+            <a:off x="0" y="1123950"/>
+            <a:ext cx="2947988" cy="4600575"/>
+          </a:xfrm>
+        </p:spPr>
         <p:txBody>
           <a:bodyPr/>
           <a:lstStyle/>
           <a:p>
-            <a:endParaRPr lang="en-US" dirty="0"/>
-          </a:p>
-        </p:txBody>
-      </p:sp>
-      <p:sp>
-        <p:nvSpPr>
-          <p:cNvPr id="3" name="Content Placeholder 2"/>
-          <p:cNvSpPr>
-            <a:spLocks noGrp="1"/>
-          </p:cNvSpPr>
-          <p:nvPr>
-            <p:ph idx="1"/>
-          </p:nvPr>
-        </p:nvSpPr>
+            <a:r>
+              <a:rPr lang="en-US" dirty="0"/>
+              <a:t>Neural Networks Performance</a:t>
+            </a:r>
+          </a:p>
+        </p:txBody>
+      </p:sp>
+      <p:pic>
+        <p:nvPicPr>
+          <p:cNvPr id="14" name="Content Placeholder 13" descr="A picture containing drawing&#10;&#10;Description automatically generated">
+            <a:extLst>
+              <a:ext uri="{FF2B5EF4-FFF2-40B4-BE49-F238E27FC236}">
+                <a16:creationId xmlns:a16="http://schemas.microsoft.com/office/drawing/2014/main" id="{1D8BDCDD-2735-8540-A873-295978B248D2}"/>
+              </a:ext>
+            </a:extLst>
+          </p:cNvPr>
+          <p:cNvPicPr>
+            <a:picLocks noGrp="1" noChangeAspect="1"/>
+          </p:cNvPicPr>
+          <p:nvPr>
+            <p:ph idx="4294967295"/>
+          </p:nvPr>
+        </p:nvPicPr>
+        <p:blipFill>
+          <a:blip r:embed="rId2"/>
+          <a:stretch>
+            <a:fillRect/>
+          </a:stretch>
+        </p:blipFill>
         <p:spPr>
           <a:xfrm>
-            <a:off x="3869268" y="864108"/>
-            <a:ext cx="7315200" cy="1656842"/>
+            <a:off x="6235241" y="1303955"/>
+            <a:ext cx="5763892" cy="4175547"/>
           </a:xfrm>
         </p:spPr>
-        <p:txBody>
-          <a:bodyPr/>
+      </p:pic>
+      <p:sp>
+        <p:nvSpPr>
+          <p:cNvPr id="6" name="TextBox 5">
+            <a:extLst>
+              <a:ext uri="{FF2B5EF4-FFF2-40B4-BE49-F238E27FC236}">
+                <a16:creationId xmlns:a16="http://schemas.microsoft.com/office/drawing/2014/main" id="{BC189D2C-1B8A-BA4F-8EAA-35FA9D1613B7}"/>
+              </a:ext>
+            </a:extLst>
+          </p:cNvPr>
+          <p:cNvSpPr txBox="1"/>
+          <p:nvPr/>
+        </p:nvSpPr>
+        <p:spPr>
+          <a:xfrm>
+            <a:off x="6466976" y="5682112"/>
+            <a:ext cx="5300421" cy="369332"/>
+          </a:xfrm>
+          <a:prstGeom prst="rect">
+            <a:avLst/>
+          </a:prstGeom>
+          <a:noFill/>
+        </p:spPr>
+        <p:txBody>
+          <a:bodyPr wrap="square" rtlCol="0">
+            <a:spAutoFit/>
+          </a:bodyPr>
           <a:lstStyle/>
           <a:p>
             <a:r>
-              <a:rPr lang="en-US" dirty="0" smtClean="0"/>
-              <a:t>Final Model: Neural Networks</a:t>
-            </a:r>
-          </a:p>
-          <a:p>
-            <a:pPr lvl="1"/>
-            <a:r>
-              <a:rPr lang="en-US" dirty="0" smtClean="0"/>
-              <a:t>Improves the most on speed and accuracy over original GBM and other models</a:t>
-            </a:r>
-            <a:endParaRPr lang="en-US" dirty="0"/>
-          </a:p>
-        </p:txBody>
-      </p:sp>
-      <p:graphicFrame>
-        <p:nvGraphicFramePr>
-          <p:cNvPr id="5" name="Table 4"/>
-          <p:cNvGraphicFramePr>
-            <a:graphicFrameLocks noGrp="1"/>
-          </p:cNvGraphicFramePr>
-          <p:nvPr>
-            <p:extLst>
-              <p:ext uri="{D42A27DB-BD31-4B8C-83A1-F6EECF244321}">
-                <p14:modId xmlns:p14="http://schemas.microsoft.com/office/powerpoint/2010/main" val="3469345674"/>
-              </p:ext>
-            </p:extLst>
-          </p:nvPr>
-        </p:nvGraphicFramePr>
-        <p:xfrm>
-          <a:off x="3573780" y="2781808"/>
-          <a:ext cx="8128000" cy="3291840"/>
-        </p:xfrm>
-        <a:graphic>
-          <a:graphicData uri="http://schemas.openxmlformats.org/drawingml/2006/table">
-            <a:tbl>
-              <a:tblPr bandRow="1">
-                <a:tableStyleId>{3B4B98B0-60AC-42C2-AFA5-B58CD77FA1E5}</a:tableStyleId>
-              </a:tblPr>
-              <a:tblGrid>
-                <a:gridCol w="2032000">
-                  <a:extLst>
-                    <a:ext uri="{9D8B030D-6E8A-4147-A177-3AD203B41FA5}">
-                      <a16:colId xmlns:a16="http://schemas.microsoft.com/office/drawing/2014/main" val="3306810961"/>
-                    </a:ext>
-                  </a:extLst>
-                </a:gridCol>
-                <a:gridCol w="2032000">
-                  <a:extLst>
-                    <a:ext uri="{9D8B030D-6E8A-4147-A177-3AD203B41FA5}">
-                      <a16:colId xmlns:a16="http://schemas.microsoft.com/office/drawing/2014/main" val="1497573361"/>
-                    </a:ext>
-                  </a:extLst>
-                </a:gridCol>
-                <a:gridCol w="2032000">
-                  <a:extLst>
-                    <a:ext uri="{9D8B030D-6E8A-4147-A177-3AD203B41FA5}">
-                      <a16:colId xmlns:a16="http://schemas.microsoft.com/office/drawing/2014/main" val="2441381476"/>
-                    </a:ext>
-                  </a:extLst>
-                </a:gridCol>
-                <a:gridCol w="2032000">
-                  <a:extLst>
-                    <a:ext uri="{9D8B030D-6E8A-4147-A177-3AD203B41FA5}">
-                      <a16:colId xmlns:a16="http://schemas.microsoft.com/office/drawing/2014/main" val="4073706776"/>
-                    </a:ext>
-                  </a:extLst>
-                </a:gridCol>
-              </a:tblGrid>
-              <a:tr h="293314">
-                <a:tc>
-                  <a:txBody>
-                    <a:bodyPr/>
-                    <a:lstStyle/>
-                    <a:p>
-                      <a:endParaRPr lang="en-US" dirty="0">
-                        <a:latin typeface="Arial" panose="020B0604020202020204" pitchFamily="34" charset="0"/>
-                        <a:cs typeface="Arial" panose="020B0604020202020204" pitchFamily="34" charset="0"/>
-                      </a:endParaRPr>
-                    </a:p>
-                  </a:txBody>
-                  <a:tcPr/>
-                </a:tc>
-                <a:tc>
-                  <a:txBody>
-                    <a:bodyPr/>
-                    <a:lstStyle/>
-                    <a:p>
-                      <a:endParaRPr lang="en-US" dirty="0">
-                        <a:latin typeface="Arial" panose="020B0604020202020204" pitchFamily="34" charset="0"/>
-                        <a:cs typeface="Arial" panose="020B0604020202020204" pitchFamily="34" charset="0"/>
-                      </a:endParaRPr>
-                    </a:p>
-                  </a:txBody>
-                  <a:tcPr/>
-                </a:tc>
-                <a:tc>
-                  <a:txBody>
-                    <a:bodyPr/>
-                    <a:lstStyle/>
-                    <a:p>
-                      <a:r>
-                        <a:rPr lang="en-US" dirty="0" smtClean="0">
-                          <a:latin typeface="Arial" panose="020B0604020202020204" pitchFamily="34" charset="0"/>
-                          <a:cs typeface="Arial" panose="020B0604020202020204" pitchFamily="34" charset="0"/>
-                        </a:rPr>
-                        <a:t>Performance</a:t>
-                      </a:r>
-                      <a:endParaRPr lang="en-US" dirty="0">
-                        <a:latin typeface="Arial" panose="020B0604020202020204" pitchFamily="34" charset="0"/>
-                        <a:cs typeface="Arial" panose="020B0604020202020204" pitchFamily="34" charset="0"/>
-                      </a:endParaRPr>
-                    </a:p>
-                  </a:txBody>
-                  <a:tcPr/>
-                </a:tc>
-                <a:tc>
-                  <a:txBody>
-                    <a:bodyPr/>
-                    <a:lstStyle/>
-                    <a:p>
-                      <a:r>
-                        <a:rPr lang="en-US" dirty="0" smtClean="0">
-                          <a:latin typeface="Arial" panose="020B0604020202020204" pitchFamily="34" charset="0"/>
-                          <a:cs typeface="Arial" panose="020B0604020202020204" pitchFamily="34" charset="0"/>
-                        </a:rPr>
-                        <a:t>% Improvement</a:t>
-                      </a:r>
-                      <a:endParaRPr lang="en-US" dirty="0">
-                        <a:latin typeface="Arial" panose="020B0604020202020204" pitchFamily="34" charset="0"/>
-                        <a:cs typeface="Arial" panose="020B0604020202020204" pitchFamily="34" charset="0"/>
-                      </a:endParaRPr>
-                    </a:p>
-                  </a:txBody>
-                  <a:tcPr/>
-                </a:tc>
-                <a:extLst>
-                  <a:ext uri="{0D108BD9-81ED-4DB2-BD59-A6C34878D82A}">
-                    <a16:rowId xmlns:a16="http://schemas.microsoft.com/office/drawing/2014/main" val="2829755564"/>
-                  </a:ext>
-                </a:extLst>
-              </a:tr>
-              <a:tr h="293314">
-                <a:tc>
-                  <a:txBody>
-                    <a:bodyPr/>
-                    <a:lstStyle/>
-                    <a:p>
-                      <a:r>
-                        <a:rPr lang="en-US" dirty="0" smtClean="0">
-                          <a:latin typeface="Arial" panose="020B0604020202020204" pitchFamily="34" charset="0"/>
-                          <a:cs typeface="Arial" panose="020B0604020202020204" pitchFamily="34" charset="0"/>
-                        </a:rPr>
-                        <a:t>GBM</a:t>
-                      </a:r>
-                    </a:p>
-                  </a:txBody>
-                  <a:tcPr/>
-                </a:tc>
-                <a:tc>
-                  <a:txBody>
-                    <a:bodyPr/>
-                    <a:lstStyle/>
-                    <a:p>
-                      <a:r>
-                        <a:rPr lang="en-US" dirty="0" smtClean="0">
-                          <a:latin typeface="Arial" panose="020B0604020202020204" pitchFamily="34" charset="0"/>
-                          <a:cs typeface="Arial" panose="020B0604020202020204" pitchFamily="34" charset="0"/>
-                        </a:rPr>
-                        <a:t>Accuracy:</a:t>
-                      </a:r>
-                      <a:endParaRPr lang="en-US" dirty="0">
-                        <a:latin typeface="Arial" panose="020B0604020202020204" pitchFamily="34" charset="0"/>
-                        <a:cs typeface="Arial" panose="020B0604020202020204" pitchFamily="34" charset="0"/>
-                      </a:endParaRPr>
-                    </a:p>
-                  </a:txBody>
-                  <a:tcPr/>
-                </a:tc>
-                <a:tc>
-                  <a:txBody>
-                    <a:bodyPr/>
-                    <a:lstStyle/>
-                    <a:p>
-                      <a:r>
-                        <a:rPr lang="en-US" dirty="0" smtClean="0">
-                          <a:latin typeface="Arial" panose="020B0604020202020204" pitchFamily="34" charset="0"/>
-                          <a:cs typeface="Arial" panose="020B0604020202020204" pitchFamily="34" charset="0"/>
-                        </a:rPr>
-                        <a:t>35.50%</a:t>
-                      </a:r>
-                      <a:endParaRPr lang="en-US" dirty="0">
-                        <a:latin typeface="Arial" panose="020B0604020202020204" pitchFamily="34" charset="0"/>
-                        <a:cs typeface="Arial" panose="020B0604020202020204" pitchFamily="34" charset="0"/>
-                      </a:endParaRPr>
-                    </a:p>
-                  </a:txBody>
-                  <a:tcPr/>
-                </a:tc>
-                <a:tc>
-                  <a:txBody>
-                    <a:bodyPr/>
-                    <a:lstStyle/>
-                    <a:p>
-                      <a:r>
-                        <a:rPr lang="en-US" dirty="0" smtClean="0">
-                          <a:latin typeface="Arial" panose="020B0604020202020204" pitchFamily="34" charset="0"/>
-                          <a:cs typeface="Arial" panose="020B0604020202020204" pitchFamily="34" charset="0"/>
-                        </a:rPr>
-                        <a:t>0%</a:t>
-                      </a:r>
-                    </a:p>
-                  </a:txBody>
-                  <a:tcPr/>
-                </a:tc>
-                <a:extLst>
-                  <a:ext uri="{0D108BD9-81ED-4DB2-BD59-A6C34878D82A}">
-                    <a16:rowId xmlns:a16="http://schemas.microsoft.com/office/drawing/2014/main" val="1534211138"/>
-                  </a:ext>
-                </a:extLst>
-              </a:tr>
-              <a:tr h="293314">
-                <a:tc>
-                  <a:txBody>
-                    <a:bodyPr/>
-                    <a:lstStyle/>
-                    <a:p>
-                      <a:endParaRPr lang="en-US" dirty="0">
-                        <a:latin typeface="Arial" panose="020B0604020202020204" pitchFamily="34" charset="0"/>
-                        <a:cs typeface="Arial" panose="020B0604020202020204" pitchFamily="34" charset="0"/>
-                      </a:endParaRPr>
-                    </a:p>
-                  </a:txBody>
-                  <a:tcPr/>
-                </a:tc>
-                <a:tc>
-                  <a:txBody>
-                    <a:bodyPr/>
-                    <a:lstStyle/>
-                    <a:p>
-                      <a:r>
-                        <a:rPr lang="en-US" dirty="0" smtClean="0">
-                          <a:latin typeface="Arial" panose="020B0604020202020204" pitchFamily="34" charset="0"/>
-                          <a:cs typeface="Arial" panose="020B0604020202020204" pitchFamily="34" charset="0"/>
-                        </a:rPr>
-                        <a:t>Running Cost:</a:t>
-                      </a:r>
-                      <a:endParaRPr lang="en-US" dirty="0">
-                        <a:latin typeface="Arial" panose="020B0604020202020204" pitchFamily="34" charset="0"/>
-                        <a:cs typeface="Arial" panose="020B0604020202020204" pitchFamily="34" charset="0"/>
-                      </a:endParaRPr>
-                    </a:p>
-                  </a:txBody>
-                  <a:tcPr/>
-                </a:tc>
-                <a:tc>
-                  <a:txBody>
-                    <a:bodyPr/>
-                    <a:lstStyle/>
-                    <a:p>
-                      <a:r>
-                        <a:rPr lang="en-US" dirty="0" smtClean="0">
-                          <a:latin typeface="Arial" panose="020B0604020202020204" pitchFamily="34" charset="0"/>
-                          <a:cs typeface="Arial" panose="020B0604020202020204" pitchFamily="34" charset="0"/>
-                        </a:rPr>
-                        <a:t>1318.8s</a:t>
-                      </a:r>
-                      <a:endParaRPr lang="en-US" dirty="0">
-                        <a:latin typeface="Arial" panose="020B0604020202020204" pitchFamily="34" charset="0"/>
-                        <a:cs typeface="Arial" panose="020B0604020202020204" pitchFamily="34" charset="0"/>
-                      </a:endParaRPr>
-                    </a:p>
-                  </a:txBody>
-                  <a:tcPr/>
-                </a:tc>
-                <a:tc>
-                  <a:txBody>
-                    <a:bodyPr/>
-                    <a:lstStyle/>
-                    <a:p>
-                      <a:r>
-                        <a:rPr lang="en-US" dirty="0" smtClean="0">
-                          <a:latin typeface="Arial" panose="020B0604020202020204" pitchFamily="34" charset="0"/>
-                          <a:cs typeface="Arial" panose="020B0604020202020204" pitchFamily="34" charset="0"/>
-                        </a:rPr>
-                        <a:t>0%</a:t>
-                      </a:r>
-                      <a:endParaRPr lang="en-US" dirty="0">
-                        <a:latin typeface="Arial" panose="020B0604020202020204" pitchFamily="34" charset="0"/>
-                        <a:cs typeface="Arial" panose="020B0604020202020204" pitchFamily="34" charset="0"/>
-                      </a:endParaRPr>
-                    </a:p>
-                  </a:txBody>
-                  <a:tcPr/>
-                </a:tc>
-                <a:extLst>
-                  <a:ext uri="{0D108BD9-81ED-4DB2-BD59-A6C34878D82A}">
-                    <a16:rowId xmlns:a16="http://schemas.microsoft.com/office/drawing/2014/main" val="1166548650"/>
-                  </a:ext>
-                </a:extLst>
-              </a:tr>
-              <a:tr h="293314">
-                <a:tc>
-                  <a:txBody>
-                    <a:bodyPr/>
-                    <a:lstStyle/>
-                    <a:p>
-                      <a:r>
-                        <a:rPr lang="en-US" dirty="0" smtClean="0">
-                          <a:latin typeface="Arial" panose="020B0604020202020204" pitchFamily="34" charset="0"/>
-                          <a:cs typeface="Arial" panose="020B0604020202020204" pitchFamily="34" charset="0"/>
-                        </a:rPr>
-                        <a:t>SVM</a:t>
-                      </a:r>
-                      <a:endParaRPr lang="en-US" dirty="0">
-                        <a:latin typeface="Arial" panose="020B0604020202020204" pitchFamily="34" charset="0"/>
-                        <a:cs typeface="Arial" panose="020B0604020202020204" pitchFamily="34" charset="0"/>
-                      </a:endParaRPr>
-                    </a:p>
-                  </a:txBody>
-                  <a:tcPr/>
-                </a:tc>
-                <a:tc>
-                  <a:txBody>
-                    <a:bodyPr/>
-                    <a:lstStyle/>
-                    <a:p>
-                      <a:r>
-                        <a:rPr lang="en-US" dirty="0" smtClean="0">
-                          <a:latin typeface="Arial" panose="020B0604020202020204" pitchFamily="34" charset="0"/>
-                          <a:cs typeface="Arial" panose="020B0604020202020204" pitchFamily="34" charset="0"/>
-                        </a:rPr>
-                        <a:t>Accuracy:</a:t>
-                      </a:r>
-                      <a:endParaRPr lang="en-US" dirty="0">
-                        <a:latin typeface="Arial" panose="020B0604020202020204" pitchFamily="34" charset="0"/>
-                        <a:cs typeface="Arial" panose="020B0604020202020204" pitchFamily="34" charset="0"/>
-                      </a:endParaRPr>
-                    </a:p>
-                  </a:txBody>
-                  <a:tcPr/>
-                </a:tc>
-                <a:tc>
-                  <a:txBody>
-                    <a:bodyPr/>
-                    <a:lstStyle/>
-                    <a:p>
-                      <a:r>
-                        <a:rPr lang="en-US" dirty="0" smtClean="0">
-                          <a:latin typeface="Arial" panose="020B0604020202020204" pitchFamily="34" charset="0"/>
-                          <a:cs typeface="Arial" panose="020B0604020202020204" pitchFamily="34" charset="0"/>
-                        </a:rPr>
-                        <a:t>43.60%</a:t>
-                      </a:r>
-                      <a:endParaRPr lang="en-US" dirty="0">
-                        <a:latin typeface="Arial" panose="020B0604020202020204" pitchFamily="34" charset="0"/>
-                        <a:cs typeface="Arial" panose="020B0604020202020204" pitchFamily="34" charset="0"/>
-                      </a:endParaRPr>
-                    </a:p>
-                  </a:txBody>
-                  <a:tcPr/>
-                </a:tc>
-                <a:tc>
-                  <a:txBody>
-                    <a:bodyPr/>
-                    <a:lstStyle/>
-                    <a:p>
-                      <a:r>
-                        <a:rPr lang="en-US" dirty="0" smtClean="0">
-                          <a:latin typeface="Arial" panose="020B0604020202020204" pitchFamily="34" charset="0"/>
-                          <a:cs typeface="Arial" panose="020B0604020202020204" pitchFamily="34" charset="0"/>
-                        </a:rPr>
-                        <a:t>22.8%</a:t>
-                      </a:r>
-                      <a:endParaRPr lang="en-US" dirty="0">
-                        <a:latin typeface="Arial" panose="020B0604020202020204" pitchFamily="34" charset="0"/>
-                        <a:cs typeface="Arial" panose="020B0604020202020204" pitchFamily="34" charset="0"/>
-                      </a:endParaRPr>
-                    </a:p>
-                  </a:txBody>
-                  <a:tcPr/>
-                </a:tc>
-                <a:extLst>
-                  <a:ext uri="{0D108BD9-81ED-4DB2-BD59-A6C34878D82A}">
-                    <a16:rowId xmlns:a16="http://schemas.microsoft.com/office/drawing/2014/main" val="3399857566"/>
-                  </a:ext>
-                </a:extLst>
-              </a:tr>
-              <a:tr h="293314">
-                <a:tc>
-                  <a:txBody>
-                    <a:bodyPr/>
-                    <a:lstStyle/>
-                    <a:p>
-                      <a:endParaRPr lang="en-US" dirty="0">
-                        <a:latin typeface="Arial" panose="020B0604020202020204" pitchFamily="34" charset="0"/>
-                        <a:cs typeface="Arial" panose="020B0604020202020204" pitchFamily="34" charset="0"/>
-                      </a:endParaRPr>
-                    </a:p>
-                  </a:txBody>
-                  <a:tcPr/>
-                </a:tc>
-                <a:tc>
-                  <a:txBody>
-                    <a:bodyPr/>
-                    <a:lstStyle/>
-                    <a:p>
-                      <a:r>
-                        <a:rPr lang="en-US" dirty="0" smtClean="0">
-                          <a:latin typeface="Arial" panose="020B0604020202020204" pitchFamily="34" charset="0"/>
-                          <a:cs typeface="Arial" panose="020B0604020202020204" pitchFamily="34" charset="0"/>
-                        </a:rPr>
-                        <a:t>Running Cost:</a:t>
-                      </a:r>
-                      <a:endParaRPr lang="en-US" dirty="0">
-                        <a:latin typeface="Arial" panose="020B0604020202020204" pitchFamily="34" charset="0"/>
-                        <a:cs typeface="Arial" panose="020B0604020202020204" pitchFamily="34" charset="0"/>
-                      </a:endParaRPr>
-                    </a:p>
-                  </a:txBody>
-                  <a:tcPr/>
-                </a:tc>
-                <a:tc>
-                  <a:txBody>
-                    <a:bodyPr/>
-                    <a:lstStyle/>
-                    <a:p>
-                      <a:r>
-                        <a:rPr lang="en-US" dirty="0" smtClean="0">
-                          <a:latin typeface="Arial" panose="020B0604020202020204" pitchFamily="34" charset="0"/>
-                          <a:cs typeface="Arial" panose="020B0604020202020204" pitchFamily="34" charset="0"/>
-                        </a:rPr>
-                        <a:t>1456.38</a:t>
-                      </a:r>
-                      <a:endParaRPr lang="en-US" dirty="0">
-                        <a:latin typeface="Arial" panose="020B0604020202020204" pitchFamily="34" charset="0"/>
-                        <a:cs typeface="Arial" panose="020B0604020202020204" pitchFamily="34" charset="0"/>
-                      </a:endParaRPr>
-                    </a:p>
-                  </a:txBody>
-                  <a:tcPr/>
-                </a:tc>
-                <a:tc>
-                  <a:txBody>
-                    <a:bodyPr/>
-                    <a:lstStyle/>
-                    <a:p>
-                      <a:r>
-                        <a:rPr lang="en-US" dirty="0" smtClean="0">
-                          <a:latin typeface="Arial" panose="020B0604020202020204" pitchFamily="34" charset="0"/>
-                          <a:cs typeface="Arial" panose="020B0604020202020204" pitchFamily="34" charset="0"/>
-                        </a:rPr>
-                        <a:t>-10.4%</a:t>
-                      </a:r>
-                    </a:p>
-                  </a:txBody>
-                  <a:tcPr/>
-                </a:tc>
-                <a:extLst>
-                  <a:ext uri="{0D108BD9-81ED-4DB2-BD59-A6C34878D82A}">
-                    <a16:rowId xmlns:a16="http://schemas.microsoft.com/office/drawing/2014/main" val="3626922642"/>
-                  </a:ext>
-                </a:extLst>
-              </a:tr>
-              <a:tr h="293314">
-                <a:tc>
-                  <a:txBody>
-                    <a:bodyPr/>
-                    <a:lstStyle/>
-                    <a:p>
-                      <a:r>
-                        <a:rPr lang="en-US" dirty="0" err="1" smtClean="0">
-                          <a:latin typeface="Arial" panose="020B0604020202020204" pitchFamily="34" charset="0"/>
-                          <a:cs typeface="Arial" panose="020B0604020202020204" pitchFamily="34" charset="0"/>
-                        </a:rPr>
-                        <a:t>XGBoost</a:t>
-                      </a:r>
-                      <a:endParaRPr lang="en-US" dirty="0">
-                        <a:latin typeface="Arial" panose="020B0604020202020204" pitchFamily="34" charset="0"/>
-                        <a:cs typeface="Arial" panose="020B0604020202020204" pitchFamily="34" charset="0"/>
-                      </a:endParaRPr>
-                    </a:p>
-                  </a:txBody>
-                  <a:tcPr/>
-                </a:tc>
-                <a:tc>
-                  <a:txBody>
-                    <a:bodyPr/>
-                    <a:lstStyle/>
-                    <a:p>
-                      <a:r>
-                        <a:rPr lang="en-US" dirty="0" smtClean="0">
-                          <a:latin typeface="Arial" panose="020B0604020202020204" pitchFamily="34" charset="0"/>
-                          <a:cs typeface="Arial" panose="020B0604020202020204" pitchFamily="34" charset="0"/>
-                        </a:rPr>
-                        <a:t>Accuracy:</a:t>
-                      </a:r>
-                      <a:endParaRPr lang="en-US" dirty="0">
-                        <a:latin typeface="Arial" panose="020B0604020202020204" pitchFamily="34" charset="0"/>
-                        <a:cs typeface="Arial" panose="020B0604020202020204" pitchFamily="34" charset="0"/>
-                      </a:endParaRPr>
-                    </a:p>
-                  </a:txBody>
-                  <a:tcPr/>
-                </a:tc>
-                <a:tc>
-                  <a:txBody>
-                    <a:bodyPr/>
-                    <a:lstStyle/>
-                    <a:p>
-                      <a:r>
-                        <a:rPr lang="en-US" dirty="0" smtClean="0">
-                          <a:latin typeface="Arial" panose="020B0604020202020204" pitchFamily="34" charset="0"/>
-                          <a:cs typeface="Arial" panose="020B0604020202020204" pitchFamily="34" charset="0"/>
-                        </a:rPr>
-                        <a:t>45.4%</a:t>
-                      </a:r>
-                      <a:endParaRPr lang="en-US" dirty="0">
-                        <a:latin typeface="Arial" panose="020B0604020202020204" pitchFamily="34" charset="0"/>
-                        <a:cs typeface="Arial" panose="020B0604020202020204" pitchFamily="34" charset="0"/>
-                      </a:endParaRPr>
-                    </a:p>
-                  </a:txBody>
-                  <a:tcPr/>
-                </a:tc>
-                <a:tc>
-                  <a:txBody>
-                    <a:bodyPr/>
-                    <a:lstStyle/>
-                    <a:p>
-                      <a:r>
-                        <a:rPr lang="en-US" dirty="0" smtClean="0">
-                          <a:latin typeface="Arial" panose="020B0604020202020204" pitchFamily="34" charset="0"/>
-                          <a:cs typeface="Arial" panose="020B0604020202020204" pitchFamily="34" charset="0"/>
-                        </a:rPr>
-                        <a:t>27.9%</a:t>
-                      </a:r>
-                      <a:endParaRPr lang="en-US" dirty="0">
-                        <a:latin typeface="Arial" panose="020B0604020202020204" pitchFamily="34" charset="0"/>
-                        <a:cs typeface="Arial" panose="020B0604020202020204" pitchFamily="34" charset="0"/>
-                      </a:endParaRPr>
-                    </a:p>
-                  </a:txBody>
-                  <a:tcPr/>
-                </a:tc>
-                <a:extLst>
-                  <a:ext uri="{0D108BD9-81ED-4DB2-BD59-A6C34878D82A}">
-                    <a16:rowId xmlns:a16="http://schemas.microsoft.com/office/drawing/2014/main" val="4088003867"/>
-                  </a:ext>
-                </a:extLst>
-              </a:tr>
-              <a:tr h="293314">
-                <a:tc>
-                  <a:txBody>
-                    <a:bodyPr/>
-                    <a:lstStyle/>
-                    <a:p>
-                      <a:endParaRPr lang="en-US" dirty="0">
-                        <a:latin typeface="Arial" panose="020B0604020202020204" pitchFamily="34" charset="0"/>
-                        <a:cs typeface="Arial" panose="020B0604020202020204" pitchFamily="34" charset="0"/>
-                      </a:endParaRPr>
-                    </a:p>
-                  </a:txBody>
-                  <a:tcPr/>
-                </a:tc>
-                <a:tc>
-                  <a:txBody>
-                    <a:bodyPr/>
-                    <a:lstStyle/>
-                    <a:p>
-                      <a:r>
-                        <a:rPr lang="en-US" dirty="0" smtClean="0">
-                          <a:latin typeface="Arial" panose="020B0604020202020204" pitchFamily="34" charset="0"/>
-                          <a:cs typeface="Arial" panose="020B0604020202020204" pitchFamily="34" charset="0"/>
-                        </a:rPr>
-                        <a:t>Running Cost:</a:t>
-                      </a:r>
-                      <a:endParaRPr lang="en-US" dirty="0">
-                        <a:latin typeface="Arial" panose="020B0604020202020204" pitchFamily="34" charset="0"/>
-                        <a:cs typeface="Arial" panose="020B0604020202020204" pitchFamily="34" charset="0"/>
-                      </a:endParaRPr>
-                    </a:p>
-                  </a:txBody>
-                  <a:tcPr/>
-                </a:tc>
-                <a:tc>
-                  <a:txBody>
-                    <a:bodyPr/>
-                    <a:lstStyle/>
-                    <a:p>
-                      <a:r>
-                        <a:rPr lang="en-US" dirty="0" smtClean="0">
-                          <a:latin typeface="Arial" panose="020B0604020202020204" pitchFamily="34" charset="0"/>
-                          <a:cs typeface="Arial" panose="020B0604020202020204" pitchFamily="34" charset="0"/>
-                        </a:rPr>
-                        <a:t>34.86s</a:t>
-                      </a:r>
-                      <a:endParaRPr lang="en-US" dirty="0">
-                        <a:latin typeface="Arial" panose="020B0604020202020204" pitchFamily="34" charset="0"/>
-                        <a:cs typeface="Arial" panose="020B0604020202020204" pitchFamily="34" charset="0"/>
-                      </a:endParaRPr>
-                    </a:p>
-                  </a:txBody>
-                  <a:tcPr/>
-                </a:tc>
-                <a:tc>
-                  <a:txBody>
-                    <a:bodyPr/>
-                    <a:lstStyle/>
-                    <a:p>
-                      <a:pPr marL="0" marR="0" lvl="0" indent="0" algn="l" defTabSz="914400" rtl="0" eaLnBrk="1" fontAlgn="auto" latinLnBrk="0" hangingPunct="1">
-                        <a:lnSpc>
-                          <a:spcPct val="100000"/>
-                        </a:lnSpc>
-                        <a:spcBef>
-                          <a:spcPts val="0"/>
-                        </a:spcBef>
-                        <a:spcAft>
-                          <a:spcPts val="0"/>
-                        </a:spcAft>
-                        <a:buClrTx/>
-                        <a:buSzTx/>
-                        <a:buFontTx/>
-                        <a:buNone/>
-                        <a:tabLst/>
-                        <a:defRPr/>
-                      </a:pPr>
-                      <a:r>
-                        <a:rPr lang="en-US" dirty="0" smtClean="0">
-                          <a:latin typeface="Arial" panose="020B0604020202020204" pitchFamily="34" charset="0"/>
-                          <a:cs typeface="Arial" panose="020B0604020202020204" pitchFamily="34" charset="0"/>
-                        </a:rPr>
-                        <a:t>2.64%</a:t>
-                      </a:r>
-                    </a:p>
-                  </a:txBody>
-                  <a:tcPr/>
-                </a:tc>
-                <a:extLst>
-                  <a:ext uri="{0D108BD9-81ED-4DB2-BD59-A6C34878D82A}">
-                    <a16:rowId xmlns:a16="http://schemas.microsoft.com/office/drawing/2014/main" val="2012876501"/>
-                  </a:ext>
-                </a:extLst>
-              </a:tr>
-              <a:tr h="293314">
-                <a:tc>
-                  <a:txBody>
-                    <a:bodyPr/>
-                    <a:lstStyle/>
-                    <a:p>
-                      <a:r>
-                        <a:rPr lang="en-US" dirty="0" smtClean="0">
-                          <a:latin typeface="Arial" panose="020B0604020202020204" pitchFamily="34" charset="0"/>
-                          <a:cs typeface="Arial" panose="020B0604020202020204" pitchFamily="34" charset="0"/>
-                        </a:rPr>
-                        <a:t>Neural Networks</a:t>
-                      </a:r>
-                      <a:endParaRPr lang="en-US" dirty="0">
-                        <a:latin typeface="Arial" panose="020B0604020202020204" pitchFamily="34" charset="0"/>
-                        <a:cs typeface="Arial" panose="020B0604020202020204" pitchFamily="34" charset="0"/>
-                      </a:endParaRPr>
-                    </a:p>
-                  </a:txBody>
-                  <a:tcPr/>
-                </a:tc>
-                <a:tc>
-                  <a:txBody>
-                    <a:bodyPr/>
-                    <a:lstStyle/>
-                    <a:p>
-                      <a:r>
-                        <a:rPr lang="en-US" dirty="0" smtClean="0">
-                          <a:latin typeface="Arial" panose="020B0604020202020204" pitchFamily="34" charset="0"/>
-                          <a:cs typeface="Arial" panose="020B0604020202020204" pitchFamily="34" charset="0"/>
-                        </a:rPr>
-                        <a:t>Accuracy:</a:t>
-                      </a:r>
-                      <a:endParaRPr lang="en-US" dirty="0">
-                        <a:latin typeface="Arial" panose="020B0604020202020204" pitchFamily="34" charset="0"/>
-                        <a:cs typeface="Arial" panose="020B0604020202020204" pitchFamily="34" charset="0"/>
-                      </a:endParaRPr>
-                    </a:p>
-                  </a:txBody>
-                  <a:tcPr/>
-                </a:tc>
-                <a:tc>
-                  <a:txBody>
-                    <a:bodyPr/>
-                    <a:lstStyle/>
-                    <a:p>
-                      <a:r>
-                        <a:rPr lang="en-US" dirty="0" smtClean="0">
-                          <a:latin typeface="Arial" panose="020B0604020202020204" pitchFamily="34" charset="0"/>
-                          <a:cs typeface="Arial" panose="020B0604020202020204" pitchFamily="34" charset="0"/>
-                        </a:rPr>
-                        <a:t>60.8%</a:t>
-                      </a:r>
-                      <a:endParaRPr lang="en-US" dirty="0">
-                        <a:latin typeface="Arial" panose="020B0604020202020204" pitchFamily="34" charset="0"/>
-                        <a:cs typeface="Arial" panose="020B0604020202020204" pitchFamily="34" charset="0"/>
-                      </a:endParaRPr>
-                    </a:p>
-                  </a:txBody>
-                  <a:tcPr/>
-                </a:tc>
-                <a:tc>
-                  <a:txBody>
-                    <a:bodyPr/>
-                    <a:lstStyle/>
-                    <a:p>
-                      <a:r>
-                        <a:rPr lang="en-US" dirty="0" smtClean="0">
-                          <a:latin typeface="Arial" panose="020B0604020202020204" pitchFamily="34" charset="0"/>
-                          <a:cs typeface="Arial" panose="020B0604020202020204" pitchFamily="34" charset="0"/>
-                        </a:rPr>
-                        <a:t>71.3%</a:t>
-                      </a:r>
-                    </a:p>
-                  </a:txBody>
-                  <a:tcPr/>
-                </a:tc>
-                <a:extLst>
-                  <a:ext uri="{0D108BD9-81ED-4DB2-BD59-A6C34878D82A}">
-                    <a16:rowId xmlns:a16="http://schemas.microsoft.com/office/drawing/2014/main" val="2470074659"/>
-                  </a:ext>
-                </a:extLst>
-              </a:tr>
-              <a:tr h="293314">
-                <a:tc>
-                  <a:txBody>
-                    <a:bodyPr/>
-                    <a:lstStyle/>
-                    <a:p>
-                      <a:endParaRPr lang="en-US" dirty="0">
-                        <a:latin typeface="Arial" panose="020B0604020202020204" pitchFamily="34" charset="0"/>
-                        <a:cs typeface="Arial" panose="020B0604020202020204" pitchFamily="34" charset="0"/>
-                      </a:endParaRPr>
-                    </a:p>
-                  </a:txBody>
-                  <a:tcPr/>
-                </a:tc>
-                <a:tc>
-                  <a:txBody>
-                    <a:bodyPr/>
-                    <a:lstStyle/>
-                    <a:p>
-                      <a:r>
-                        <a:rPr lang="en-US" dirty="0" smtClean="0">
-                          <a:latin typeface="Arial" panose="020B0604020202020204" pitchFamily="34" charset="0"/>
-                          <a:cs typeface="Arial" panose="020B0604020202020204" pitchFamily="34" charset="0"/>
-                        </a:rPr>
-                        <a:t>Running Cost:</a:t>
-                      </a:r>
-                      <a:endParaRPr lang="en-US" dirty="0">
-                        <a:latin typeface="Arial" panose="020B0604020202020204" pitchFamily="34" charset="0"/>
-                        <a:cs typeface="Arial" panose="020B0604020202020204" pitchFamily="34" charset="0"/>
-                      </a:endParaRPr>
-                    </a:p>
-                  </a:txBody>
-                  <a:tcPr/>
-                </a:tc>
-                <a:tc>
-                  <a:txBody>
-                    <a:bodyPr/>
-                    <a:lstStyle/>
-                    <a:p>
-                      <a:r>
-                        <a:rPr lang="en-US" dirty="0" smtClean="0">
-                          <a:latin typeface="Arial" panose="020B0604020202020204" pitchFamily="34" charset="0"/>
-                          <a:cs typeface="Arial" panose="020B0604020202020204" pitchFamily="34" charset="0"/>
-                        </a:rPr>
-                        <a:t>677.7s</a:t>
-                      </a:r>
-                      <a:endParaRPr lang="en-US" dirty="0">
-                        <a:latin typeface="Arial" panose="020B0604020202020204" pitchFamily="34" charset="0"/>
-                        <a:cs typeface="Arial" panose="020B0604020202020204" pitchFamily="34" charset="0"/>
-                      </a:endParaRPr>
-                    </a:p>
-                  </a:txBody>
-                  <a:tcPr/>
-                </a:tc>
-                <a:tc>
-                  <a:txBody>
-                    <a:bodyPr/>
-                    <a:lstStyle/>
-                    <a:p>
-                      <a:r>
-                        <a:rPr lang="en-US" dirty="0" smtClean="0">
-                          <a:latin typeface="Arial" panose="020B0604020202020204" pitchFamily="34" charset="0"/>
-                          <a:cs typeface="Arial" panose="020B0604020202020204" pitchFamily="34" charset="0"/>
-                        </a:rPr>
-                        <a:t>48.7%</a:t>
-                      </a:r>
-                      <a:endParaRPr lang="en-US" dirty="0">
-                        <a:latin typeface="Arial" panose="020B0604020202020204" pitchFamily="34" charset="0"/>
-                        <a:cs typeface="Arial" panose="020B0604020202020204" pitchFamily="34" charset="0"/>
-                      </a:endParaRPr>
-                    </a:p>
-                  </a:txBody>
-                  <a:tcPr/>
-                </a:tc>
-                <a:extLst>
-                  <a:ext uri="{0D108BD9-81ED-4DB2-BD59-A6C34878D82A}">
-                    <a16:rowId xmlns:a16="http://schemas.microsoft.com/office/drawing/2014/main" val="1422906338"/>
-                  </a:ext>
-                </a:extLst>
-              </a:tr>
-            </a:tbl>
-          </a:graphicData>
-        </a:graphic>
-      </p:graphicFrame>
+              <a:rPr lang="en-US" dirty="0"/>
+              <a:t>Confusion Matrix for Neural Network Training Output</a:t>
+            </a:r>
+          </a:p>
+        </p:txBody>
+      </p:sp>
+      <p:pic>
+        <p:nvPicPr>
+          <p:cNvPr id="16" name="Picture 15" descr="A picture containing drawing, fruit&#10;&#10;Description automatically generated">
+            <a:extLst>
+              <a:ext uri="{FF2B5EF4-FFF2-40B4-BE49-F238E27FC236}">
+                <a16:creationId xmlns:a16="http://schemas.microsoft.com/office/drawing/2014/main" id="{D1E93C10-B3F3-8443-A795-A7281826A4AA}"/>
+              </a:ext>
+            </a:extLst>
+          </p:cNvPr>
+          <p:cNvPicPr>
+            <a:picLocks noChangeAspect="1"/>
+          </p:cNvPicPr>
+          <p:nvPr/>
+        </p:nvPicPr>
+        <p:blipFill>
+          <a:blip r:embed="rId3"/>
+          <a:stretch>
+            <a:fillRect/>
+          </a:stretch>
+        </p:blipFill>
+        <p:spPr>
+          <a:xfrm>
+            <a:off x="301786" y="1303956"/>
+            <a:ext cx="5933455" cy="4250087"/>
+          </a:xfrm>
+          <a:prstGeom prst="rect">
+            <a:avLst/>
+          </a:prstGeom>
+        </p:spPr>
+      </p:pic>
+      <p:sp>
+        <p:nvSpPr>
+          <p:cNvPr id="17" name="TextBox 16">
+            <a:extLst>
+              <a:ext uri="{FF2B5EF4-FFF2-40B4-BE49-F238E27FC236}">
+                <a16:creationId xmlns:a16="http://schemas.microsoft.com/office/drawing/2014/main" id="{B69B8EC1-7F7E-5844-BC17-A88D4E8ED892}"/>
+              </a:ext>
+            </a:extLst>
+          </p:cNvPr>
+          <p:cNvSpPr txBox="1"/>
+          <p:nvPr/>
+        </p:nvSpPr>
+        <p:spPr>
+          <a:xfrm>
+            <a:off x="301786" y="5682112"/>
+            <a:ext cx="5300421" cy="369332"/>
+          </a:xfrm>
+          <a:prstGeom prst="rect">
+            <a:avLst/>
+          </a:prstGeom>
+          <a:noFill/>
+        </p:spPr>
+        <p:txBody>
+          <a:bodyPr wrap="square" rtlCol="0">
+            <a:spAutoFit/>
+          </a:bodyPr>
+          <a:lstStyle/>
+          <a:p>
+            <a:pPr algn="ctr"/>
+            <a:r>
+              <a:rPr lang="en-US" dirty="0"/>
+              <a:t>Confusion Matrix for GBM Output</a:t>
+            </a:r>
+          </a:p>
+        </p:txBody>
+      </p:sp>
+      <p:sp>
+        <p:nvSpPr>
+          <p:cNvPr id="18" name="TextBox 17">
+            <a:extLst>
+              <a:ext uri="{FF2B5EF4-FFF2-40B4-BE49-F238E27FC236}">
+                <a16:creationId xmlns:a16="http://schemas.microsoft.com/office/drawing/2014/main" id="{2B20290F-D2DD-0D43-8452-1DD62E62A840}"/>
+              </a:ext>
+            </a:extLst>
+          </p:cNvPr>
+          <p:cNvSpPr txBox="1"/>
+          <p:nvPr/>
+        </p:nvSpPr>
+        <p:spPr>
+          <a:xfrm>
+            <a:off x="504537" y="455014"/>
+            <a:ext cx="11461407" cy="646331"/>
+          </a:xfrm>
+          <a:prstGeom prst="rect">
+            <a:avLst/>
+          </a:prstGeom>
+          <a:noFill/>
+        </p:spPr>
+        <p:txBody>
+          <a:bodyPr wrap="none" rtlCol="0">
+            <a:spAutoFit/>
+          </a:bodyPr>
+          <a:lstStyle/>
+          <a:p>
+            <a:r>
+              <a:rPr lang="en-US" sz="3600" dirty="0"/>
+              <a:t>Confusion Matrices for Baseline GBM and Neural Networks</a:t>
+            </a:r>
+          </a:p>
+        </p:txBody>
+      </p:sp>
     </p:spTree>
     <p:extLst>
       <p:ext uri="{BB962C8B-B14F-4D97-AF65-F5344CB8AC3E}">
-        <p14:creationId xmlns:p14="http://schemas.microsoft.com/office/powerpoint/2010/main" val="1944290325"/>
+        <p14:creationId xmlns:p14="http://schemas.microsoft.com/office/powerpoint/2010/main" val="21856089"/>
       </p:ext>
     </p:extLst>
   </p:cSld>
@@ -6655,45 +6313,1053 @@
             <a:spLocks noGrp="1"/>
           </p:cNvSpPr>
           <p:nvPr>
-            <p:ph type="ctrTitle"/>
+            <p:ph type="title"/>
           </p:nvPr>
         </p:nvSpPr>
         <p:spPr/>
         <p:txBody>
-          <a:bodyPr/>
+          <a:bodyPr anchor="t"/>
           <a:lstStyle/>
           <a:p>
             <a:r>
-              <a:rPr lang="en-US" dirty="0" smtClean="0"/>
-              <a:t>Thank you!</a:t>
-            </a:r>
-            <a:endParaRPr lang="en-US" dirty="0"/>
-          </a:p>
-        </p:txBody>
-      </p:sp>
-      <p:sp>
-        <p:nvSpPr>
-          <p:cNvPr id="3" name="Subtitle 2"/>
-          <p:cNvSpPr>
-            <a:spLocks noGrp="1"/>
-          </p:cNvSpPr>
-          <p:nvPr>
-            <p:ph type="subTitle" idx="1"/>
-          </p:nvPr>
-        </p:nvSpPr>
-        <p:spPr/>
-        <p:txBody>
-          <a:bodyPr/>
-          <a:lstStyle/>
-          <a:p>
-            <a:endParaRPr lang="en-US"/>
-          </a:p>
-        </p:txBody>
-      </p:sp>
+              <a:rPr lang="en-US" dirty="0"/>
+              <a:t>Results</a:t>
+            </a:r>
+          </a:p>
+        </p:txBody>
+      </p:sp>
+      <p:graphicFrame>
+        <p:nvGraphicFramePr>
+          <p:cNvPr id="5" name="Table 4"/>
+          <p:cNvGraphicFramePr>
+            <a:graphicFrameLocks noGrp="1"/>
+          </p:cNvGraphicFramePr>
+          <p:nvPr>
+            <p:extLst>
+              <p:ext uri="{D42A27DB-BD31-4B8C-83A1-F6EECF244321}">
+                <p14:modId xmlns:p14="http://schemas.microsoft.com/office/powerpoint/2010/main" val="3877387518"/>
+              </p:ext>
+            </p:extLst>
+          </p:nvPr>
+        </p:nvGraphicFramePr>
+        <p:xfrm>
+          <a:off x="3424897" y="533141"/>
+          <a:ext cx="8144252" cy="5782573"/>
+        </p:xfrm>
+        <a:graphic>
+          <a:graphicData uri="http://schemas.openxmlformats.org/drawingml/2006/table">
+            <a:tbl>
+              <a:tblPr bandRow="1">
+                <a:tableStyleId>{3B4B98B0-60AC-42C2-AFA5-B58CD77FA1E5}</a:tableStyleId>
+              </a:tblPr>
+              <a:tblGrid>
+                <a:gridCol w="1361947">
+                  <a:extLst>
+                    <a:ext uri="{9D8B030D-6E8A-4147-A177-3AD203B41FA5}">
+                      <a16:colId xmlns:a16="http://schemas.microsoft.com/office/drawing/2014/main" val="3306810961"/>
+                    </a:ext>
+                  </a:extLst>
+                </a:gridCol>
+                <a:gridCol w="1506243">
+                  <a:extLst>
+                    <a:ext uri="{9D8B030D-6E8A-4147-A177-3AD203B41FA5}">
+                      <a16:colId xmlns:a16="http://schemas.microsoft.com/office/drawing/2014/main" val="1497573361"/>
+                    </a:ext>
+                  </a:extLst>
+                </a:gridCol>
+                <a:gridCol w="1785785">
+                  <a:extLst>
+                    <a:ext uri="{9D8B030D-6E8A-4147-A177-3AD203B41FA5}">
+                      <a16:colId xmlns:a16="http://schemas.microsoft.com/office/drawing/2014/main" val="2441381476"/>
+                    </a:ext>
+                  </a:extLst>
+                </a:gridCol>
+                <a:gridCol w="1772839">
+                  <a:extLst>
+                    <a:ext uri="{9D8B030D-6E8A-4147-A177-3AD203B41FA5}">
+                      <a16:colId xmlns:a16="http://schemas.microsoft.com/office/drawing/2014/main" val="4073706776"/>
+                    </a:ext>
+                  </a:extLst>
+                </a:gridCol>
+                <a:gridCol w="1717438">
+                  <a:extLst>
+                    <a:ext uri="{9D8B030D-6E8A-4147-A177-3AD203B41FA5}">
+                      <a16:colId xmlns:a16="http://schemas.microsoft.com/office/drawing/2014/main" val="1518821087"/>
+                    </a:ext>
+                  </a:extLst>
+                </a:gridCol>
+              </a:tblGrid>
+              <a:tr h="473551">
+                <a:tc>
+                  <a:txBody>
+                    <a:bodyPr/>
+                    <a:lstStyle/>
+                    <a:p>
+                      <a:pPr algn="l"/>
+                      <a:endParaRPr lang="en-US" sz="1700" dirty="0">
+                        <a:latin typeface="Arial" panose="020B0604020202020204" pitchFamily="34" charset="0"/>
+                        <a:cs typeface="Arial" panose="020B0604020202020204" pitchFamily="34" charset="0"/>
+                      </a:endParaRPr>
+                    </a:p>
+                  </a:txBody>
+                  <a:tcPr anchor="ctr"/>
+                </a:tc>
+                <a:tc>
+                  <a:txBody>
+                    <a:bodyPr/>
+                    <a:lstStyle/>
+                    <a:p>
+                      <a:pPr algn="l"/>
+                      <a:endParaRPr lang="en-US" sz="1700" dirty="0">
+                        <a:latin typeface="Arial" panose="020B0604020202020204" pitchFamily="34" charset="0"/>
+                        <a:cs typeface="Arial" panose="020B0604020202020204" pitchFamily="34" charset="0"/>
+                      </a:endParaRPr>
+                    </a:p>
+                  </a:txBody>
+                  <a:tcPr anchor="ctr"/>
+                </a:tc>
+                <a:tc gridSpan="2">
+                  <a:txBody>
+                    <a:bodyPr/>
+                    <a:lstStyle/>
+                    <a:p>
+                      <a:pPr algn="ctr"/>
+                      <a:r>
+                        <a:rPr lang="en-US" sz="1700" b="1" dirty="0">
+                          <a:latin typeface="Arial" panose="020B0604020202020204" pitchFamily="34" charset="0"/>
+                          <a:cs typeface="Arial" panose="020B0604020202020204" pitchFamily="34" charset="0"/>
+                        </a:rPr>
+                        <a:t>Training</a:t>
+                      </a:r>
+                    </a:p>
+                  </a:txBody>
+                  <a:tcPr anchor="ctr"/>
+                </a:tc>
+                <a:tc hMerge="1">
+                  <a:txBody>
+                    <a:bodyPr/>
+                    <a:lstStyle/>
+                    <a:p>
+                      <a:pPr algn="ctr"/>
+                      <a:endParaRPr lang="en-US" sz="1700" dirty="0">
+                        <a:latin typeface="Arial" panose="020B0604020202020204" pitchFamily="34" charset="0"/>
+                        <a:cs typeface="Arial" panose="020B0604020202020204" pitchFamily="34" charset="0"/>
+                      </a:endParaRPr>
+                    </a:p>
+                  </a:txBody>
+                  <a:tcPr anchor="ctr"/>
+                </a:tc>
+                <a:tc>
+                  <a:txBody>
+                    <a:bodyPr/>
+                    <a:lstStyle/>
+                    <a:p>
+                      <a:pPr algn="ctr"/>
+                      <a:r>
+                        <a:rPr lang="en-US" sz="1700" b="1" dirty="0">
+                          <a:latin typeface="Arial" panose="020B0604020202020204" pitchFamily="34" charset="0"/>
+                          <a:cs typeface="Arial" panose="020B0604020202020204" pitchFamily="34" charset="0"/>
+                        </a:rPr>
+                        <a:t>Testing</a:t>
+                      </a:r>
+                    </a:p>
+                  </a:txBody>
+                  <a:tcPr anchor="ctr"/>
+                </a:tc>
+                <a:extLst>
+                  <a:ext uri="{0D108BD9-81ED-4DB2-BD59-A6C34878D82A}">
+                    <a16:rowId xmlns:a16="http://schemas.microsoft.com/office/drawing/2014/main" val="1880699974"/>
+                  </a:ext>
+                </a:extLst>
+              </a:tr>
+              <a:tr h="687252">
+                <a:tc>
+                  <a:txBody>
+                    <a:bodyPr/>
+                    <a:lstStyle/>
+                    <a:p>
+                      <a:pPr algn="l"/>
+                      <a:endParaRPr lang="en-US" sz="1700" dirty="0">
+                        <a:latin typeface="Arial" panose="020B0604020202020204" pitchFamily="34" charset="0"/>
+                        <a:cs typeface="Arial" panose="020B0604020202020204" pitchFamily="34" charset="0"/>
+                      </a:endParaRPr>
+                    </a:p>
+                  </a:txBody>
+                  <a:tcPr anchor="ctr"/>
+                </a:tc>
+                <a:tc>
+                  <a:txBody>
+                    <a:bodyPr/>
+                    <a:lstStyle/>
+                    <a:p>
+                      <a:pPr algn="l"/>
+                      <a:endParaRPr lang="en-US" sz="1700" dirty="0">
+                        <a:latin typeface="Arial" panose="020B0604020202020204" pitchFamily="34" charset="0"/>
+                        <a:cs typeface="Arial" panose="020B0604020202020204" pitchFamily="34" charset="0"/>
+                      </a:endParaRPr>
+                    </a:p>
+                  </a:txBody>
+                  <a:tcPr anchor="ctr"/>
+                </a:tc>
+                <a:tc>
+                  <a:txBody>
+                    <a:bodyPr/>
+                    <a:lstStyle/>
+                    <a:p>
+                      <a:pPr algn="ctr"/>
+                      <a:r>
+                        <a:rPr lang="en-US" sz="1700" dirty="0">
+                          <a:latin typeface="Arial" panose="020B0604020202020204" pitchFamily="34" charset="0"/>
+                          <a:cs typeface="Arial" panose="020B0604020202020204" pitchFamily="34" charset="0"/>
+                        </a:rPr>
+                        <a:t>Performance</a:t>
+                      </a:r>
+                    </a:p>
+                  </a:txBody>
+                  <a:tcPr anchor="ctr"/>
+                </a:tc>
+                <a:tc>
+                  <a:txBody>
+                    <a:bodyPr/>
+                    <a:lstStyle/>
+                    <a:p>
+                      <a:pPr algn="ctr"/>
+                      <a:r>
+                        <a:rPr lang="en-US" sz="1700" dirty="0">
+                          <a:latin typeface="Arial" panose="020B0604020202020204" pitchFamily="34" charset="0"/>
+                          <a:cs typeface="Arial" panose="020B0604020202020204" pitchFamily="34" charset="0"/>
+                        </a:rPr>
+                        <a:t>Improvement</a:t>
+                      </a:r>
+                    </a:p>
+                    <a:p>
+                      <a:pPr algn="ctr"/>
+                      <a:r>
+                        <a:rPr lang="en-US" sz="1700" dirty="0">
+                          <a:latin typeface="Arial" panose="020B0604020202020204" pitchFamily="34" charset="0"/>
+                          <a:cs typeface="Arial" panose="020B0604020202020204" pitchFamily="34" charset="0"/>
+                        </a:rPr>
+                        <a:t>%</a:t>
+                      </a:r>
+                    </a:p>
+                  </a:txBody>
+                  <a:tcPr anchor="ctr"/>
+                </a:tc>
+                <a:tc>
+                  <a:txBody>
+                    <a:bodyPr/>
+                    <a:lstStyle/>
+                    <a:p>
+                      <a:pPr algn="ctr"/>
+                      <a:r>
+                        <a:rPr lang="en-US" sz="1700" dirty="0">
+                          <a:latin typeface="Arial" panose="020B0604020202020204" pitchFamily="34" charset="0"/>
+                          <a:cs typeface="Arial" panose="020B0604020202020204" pitchFamily="34" charset="0"/>
+                        </a:rPr>
+                        <a:t>Performance</a:t>
+                      </a:r>
+                    </a:p>
+                  </a:txBody>
+                  <a:tcPr anchor="ctr"/>
+                </a:tc>
+                <a:extLst>
+                  <a:ext uri="{0D108BD9-81ED-4DB2-BD59-A6C34878D82A}">
+                    <a16:rowId xmlns:a16="http://schemas.microsoft.com/office/drawing/2014/main" val="2829755564"/>
+                  </a:ext>
+                </a:extLst>
+              </a:tr>
+              <a:tr h="395170">
+                <a:tc>
+                  <a:txBody>
+                    <a:bodyPr/>
+                    <a:lstStyle/>
+                    <a:p>
+                      <a:pPr algn="l"/>
+                      <a:r>
+                        <a:rPr lang="en-US" sz="1700" dirty="0">
+                          <a:latin typeface="Arial" panose="020B0604020202020204" pitchFamily="34" charset="0"/>
+                          <a:cs typeface="Arial" panose="020B0604020202020204" pitchFamily="34" charset="0"/>
+                        </a:rPr>
+                        <a:t>GBM</a:t>
+                      </a:r>
+                    </a:p>
+                  </a:txBody>
+                  <a:tcPr anchor="ctr"/>
+                </a:tc>
+                <a:tc>
+                  <a:txBody>
+                    <a:bodyPr/>
+                    <a:lstStyle/>
+                    <a:p>
+                      <a:pPr algn="l"/>
+                      <a:r>
+                        <a:rPr lang="en-US" sz="1700" dirty="0">
+                          <a:latin typeface="Arial" panose="020B0604020202020204" pitchFamily="34" charset="0"/>
+                          <a:cs typeface="Arial" panose="020B0604020202020204" pitchFamily="34" charset="0"/>
+                        </a:rPr>
+                        <a:t>Accuracy:</a:t>
+                      </a:r>
+                    </a:p>
+                  </a:txBody>
+                  <a:tcPr anchor="ctr"/>
+                </a:tc>
+                <a:tc>
+                  <a:txBody>
+                    <a:bodyPr/>
+                    <a:lstStyle/>
+                    <a:p>
+                      <a:pPr algn="ctr"/>
+                      <a:r>
+                        <a:rPr lang="en-US" sz="1700" dirty="0">
+                          <a:latin typeface="Arial" panose="020B0604020202020204" pitchFamily="34" charset="0"/>
+                          <a:cs typeface="Arial" panose="020B0604020202020204" pitchFamily="34" charset="0"/>
+                        </a:rPr>
+                        <a:t>35.50%</a:t>
+                      </a:r>
+                    </a:p>
+                  </a:txBody>
+                  <a:tcPr anchor="ctr"/>
+                </a:tc>
+                <a:tc>
+                  <a:txBody>
+                    <a:bodyPr/>
+                    <a:lstStyle/>
+                    <a:p>
+                      <a:pPr algn="ctr"/>
+                      <a:r>
+                        <a:rPr lang="en-US" sz="1700" dirty="0">
+                          <a:latin typeface="Arial" panose="020B0604020202020204" pitchFamily="34" charset="0"/>
+                          <a:cs typeface="Arial" panose="020B0604020202020204" pitchFamily="34" charset="0"/>
+                        </a:rPr>
+                        <a:t>0%</a:t>
+                      </a:r>
+                    </a:p>
+                  </a:txBody>
+                  <a:tcPr anchor="ctr"/>
+                </a:tc>
+                <a:tc>
+                  <a:txBody>
+                    <a:bodyPr/>
+                    <a:lstStyle/>
+                    <a:p>
+                      <a:pPr algn="l"/>
+                      <a:endParaRPr lang="en-US" sz="1700" dirty="0">
+                        <a:latin typeface="Arial" panose="020B0604020202020204" pitchFamily="34" charset="0"/>
+                        <a:cs typeface="Arial" panose="020B0604020202020204" pitchFamily="34" charset="0"/>
+                      </a:endParaRPr>
+                    </a:p>
+                  </a:txBody>
+                  <a:tcPr anchor="ctr"/>
+                </a:tc>
+                <a:extLst>
+                  <a:ext uri="{0D108BD9-81ED-4DB2-BD59-A6C34878D82A}">
+                    <a16:rowId xmlns:a16="http://schemas.microsoft.com/office/drawing/2014/main" val="1534211138"/>
+                  </a:ext>
+                </a:extLst>
+              </a:tr>
+              <a:tr h="687252">
+                <a:tc>
+                  <a:txBody>
+                    <a:bodyPr/>
+                    <a:lstStyle/>
+                    <a:p>
+                      <a:pPr algn="l"/>
+                      <a:endParaRPr lang="en-US" sz="1700" dirty="0">
+                        <a:latin typeface="Arial" panose="020B0604020202020204" pitchFamily="34" charset="0"/>
+                        <a:cs typeface="Arial" panose="020B0604020202020204" pitchFamily="34" charset="0"/>
+                      </a:endParaRPr>
+                    </a:p>
+                  </a:txBody>
+                  <a:tcPr anchor="ctr"/>
+                </a:tc>
+                <a:tc>
+                  <a:txBody>
+                    <a:bodyPr/>
+                    <a:lstStyle/>
+                    <a:p>
+                      <a:pPr algn="l"/>
+                      <a:r>
+                        <a:rPr lang="en-US" sz="1700" dirty="0">
+                          <a:latin typeface="Arial" panose="020B0604020202020204" pitchFamily="34" charset="0"/>
+                          <a:cs typeface="Arial" panose="020B0604020202020204" pitchFamily="34" charset="0"/>
+                        </a:rPr>
+                        <a:t>Running Cost:</a:t>
+                      </a:r>
+                    </a:p>
+                  </a:txBody>
+                  <a:tcPr anchor="ctr"/>
+                </a:tc>
+                <a:tc>
+                  <a:txBody>
+                    <a:bodyPr/>
+                    <a:lstStyle/>
+                    <a:p>
+                      <a:pPr algn="ctr"/>
+                      <a:r>
+                        <a:rPr lang="en-US" sz="1700" dirty="0">
+                          <a:latin typeface="Arial" panose="020B0604020202020204" pitchFamily="34" charset="0"/>
+                          <a:cs typeface="Arial" panose="020B0604020202020204" pitchFamily="34" charset="0"/>
+                        </a:rPr>
+                        <a:t>1318.8s</a:t>
+                      </a:r>
+                    </a:p>
+                  </a:txBody>
+                  <a:tcPr anchor="ctr"/>
+                </a:tc>
+                <a:tc>
+                  <a:txBody>
+                    <a:bodyPr/>
+                    <a:lstStyle/>
+                    <a:p>
+                      <a:pPr algn="ctr"/>
+                      <a:r>
+                        <a:rPr lang="en-US" sz="1700" dirty="0">
+                          <a:latin typeface="Arial" panose="020B0604020202020204" pitchFamily="34" charset="0"/>
+                          <a:cs typeface="Arial" panose="020B0604020202020204" pitchFamily="34" charset="0"/>
+                        </a:rPr>
+                        <a:t>0%</a:t>
+                      </a:r>
+                    </a:p>
+                  </a:txBody>
+                  <a:tcPr anchor="ctr"/>
+                </a:tc>
+                <a:tc>
+                  <a:txBody>
+                    <a:bodyPr/>
+                    <a:lstStyle/>
+                    <a:p>
+                      <a:pPr algn="l"/>
+                      <a:r>
+                        <a:rPr lang="en-US" sz="1700" dirty="0">
+                          <a:latin typeface="Arial" panose="020B0604020202020204" pitchFamily="34" charset="0"/>
+                          <a:cs typeface="Arial" panose="020B0604020202020204" pitchFamily="34" charset="0"/>
+                        </a:rPr>
+                        <a:t>0.485s</a:t>
+                      </a:r>
+                    </a:p>
+                  </a:txBody>
+                  <a:tcPr anchor="ctr"/>
+                </a:tc>
+                <a:extLst>
+                  <a:ext uri="{0D108BD9-81ED-4DB2-BD59-A6C34878D82A}">
+                    <a16:rowId xmlns:a16="http://schemas.microsoft.com/office/drawing/2014/main" val="1166548650"/>
+                  </a:ext>
+                </a:extLst>
+              </a:tr>
+              <a:tr h="395170">
+                <a:tc>
+                  <a:txBody>
+                    <a:bodyPr/>
+                    <a:lstStyle/>
+                    <a:p>
+                      <a:pPr algn="l"/>
+                      <a:r>
+                        <a:rPr lang="en-US" sz="1700" dirty="0">
+                          <a:latin typeface="Arial" panose="020B0604020202020204" pitchFamily="34" charset="0"/>
+                          <a:cs typeface="Arial" panose="020B0604020202020204" pitchFamily="34" charset="0"/>
+                        </a:rPr>
+                        <a:t>SVM</a:t>
+                      </a:r>
+                    </a:p>
+                  </a:txBody>
+                  <a:tcPr anchor="ctr"/>
+                </a:tc>
+                <a:tc>
+                  <a:txBody>
+                    <a:bodyPr/>
+                    <a:lstStyle/>
+                    <a:p>
+                      <a:pPr algn="l"/>
+                      <a:r>
+                        <a:rPr lang="en-US" sz="1700" dirty="0">
+                          <a:latin typeface="Arial" panose="020B0604020202020204" pitchFamily="34" charset="0"/>
+                          <a:cs typeface="Arial" panose="020B0604020202020204" pitchFamily="34" charset="0"/>
+                        </a:rPr>
+                        <a:t>Accuracy:</a:t>
+                      </a:r>
+                    </a:p>
+                  </a:txBody>
+                  <a:tcPr anchor="ctr"/>
+                </a:tc>
+                <a:tc>
+                  <a:txBody>
+                    <a:bodyPr/>
+                    <a:lstStyle/>
+                    <a:p>
+                      <a:pPr algn="ctr"/>
+                      <a:r>
+                        <a:rPr lang="en-US" sz="1700" dirty="0">
+                          <a:latin typeface="Arial" panose="020B0604020202020204" pitchFamily="34" charset="0"/>
+                          <a:cs typeface="Arial" panose="020B0604020202020204" pitchFamily="34" charset="0"/>
+                        </a:rPr>
+                        <a:t>43.60%</a:t>
+                      </a:r>
+                    </a:p>
+                  </a:txBody>
+                  <a:tcPr anchor="ctr"/>
+                </a:tc>
+                <a:tc>
+                  <a:txBody>
+                    <a:bodyPr/>
+                    <a:lstStyle/>
+                    <a:p>
+                      <a:pPr algn="ctr"/>
+                      <a:r>
+                        <a:rPr lang="en-US" sz="1700" dirty="0">
+                          <a:latin typeface="Arial" panose="020B0604020202020204" pitchFamily="34" charset="0"/>
+                          <a:cs typeface="Arial" panose="020B0604020202020204" pitchFamily="34" charset="0"/>
+                        </a:rPr>
+                        <a:t>22.8%</a:t>
+                      </a:r>
+                    </a:p>
+                  </a:txBody>
+                  <a:tcPr anchor="ctr"/>
+                </a:tc>
+                <a:tc>
+                  <a:txBody>
+                    <a:bodyPr/>
+                    <a:lstStyle/>
+                    <a:p>
+                      <a:pPr algn="l"/>
+                      <a:endParaRPr lang="en-US" sz="1700" dirty="0">
+                        <a:latin typeface="Arial" panose="020B0604020202020204" pitchFamily="34" charset="0"/>
+                        <a:cs typeface="Arial" panose="020B0604020202020204" pitchFamily="34" charset="0"/>
+                      </a:endParaRPr>
+                    </a:p>
+                  </a:txBody>
+                  <a:tcPr anchor="ctr"/>
+                </a:tc>
+                <a:extLst>
+                  <a:ext uri="{0D108BD9-81ED-4DB2-BD59-A6C34878D82A}">
+                    <a16:rowId xmlns:a16="http://schemas.microsoft.com/office/drawing/2014/main" val="3399857566"/>
+                  </a:ext>
+                </a:extLst>
+              </a:tr>
+              <a:tr h="687252">
+                <a:tc>
+                  <a:txBody>
+                    <a:bodyPr/>
+                    <a:lstStyle/>
+                    <a:p>
+                      <a:pPr algn="l"/>
+                      <a:endParaRPr lang="en-US" sz="1700" dirty="0">
+                        <a:latin typeface="Arial" panose="020B0604020202020204" pitchFamily="34" charset="0"/>
+                        <a:cs typeface="Arial" panose="020B0604020202020204" pitchFamily="34" charset="0"/>
+                      </a:endParaRPr>
+                    </a:p>
+                  </a:txBody>
+                  <a:tcPr anchor="ctr"/>
+                </a:tc>
+                <a:tc>
+                  <a:txBody>
+                    <a:bodyPr/>
+                    <a:lstStyle/>
+                    <a:p>
+                      <a:pPr algn="l"/>
+                      <a:r>
+                        <a:rPr lang="en-US" sz="1700" dirty="0">
+                          <a:latin typeface="Arial" panose="020B0604020202020204" pitchFamily="34" charset="0"/>
+                          <a:cs typeface="Arial" panose="020B0604020202020204" pitchFamily="34" charset="0"/>
+                        </a:rPr>
+                        <a:t>Running Cost:</a:t>
+                      </a:r>
+                    </a:p>
+                  </a:txBody>
+                  <a:tcPr anchor="ctr"/>
+                </a:tc>
+                <a:tc>
+                  <a:txBody>
+                    <a:bodyPr/>
+                    <a:lstStyle/>
+                    <a:p>
+                      <a:pPr algn="ctr"/>
+                      <a:r>
+                        <a:rPr lang="en-US" sz="1700" dirty="0">
+                          <a:latin typeface="Arial" panose="020B0604020202020204" pitchFamily="34" charset="0"/>
+                          <a:cs typeface="Arial" panose="020B0604020202020204" pitchFamily="34" charset="0"/>
+                        </a:rPr>
+                        <a:t>1456.38</a:t>
+                      </a:r>
+                    </a:p>
+                  </a:txBody>
+                  <a:tcPr anchor="ctr"/>
+                </a:tc>
+                <a:tc>
+                  <a:txBody>
+                    <a:bodyPr/>
+                    <a:lstStyle/>
+                    <a:p>
+                      <a:pPr algn="ctr"/>
+                      <a:r>
+                        <a:rPr lang="en-US" sz="1700" dirty="0">
+                          <a:latin typeface="Arial" panose="020B0604020202020204" pitchFamily="34" charset="0"/>
+                          <a:cs typeface="Arial" panose="020B0604020202020204" pitchFamily="34" charset="0"/>
+                        </a:rPr>
+                        <a:t>-10.4%</a:t>
+                      </a:r>
+                    </a:p>
+                  </a:txBody>
+                  <a:tcPr anchor="ctr"/>
+                </a:tc>
+                <a:tc>
+                  <a:txBody>
+                    <a:bodyPr/>
+                    <a:lstStyle/>
+                    <a:p>
+                      <a:pPr marL="0" marR="0" lvl="0" indent="0" algn="l" defTabSz="914400" rtl="0" eaLnBrk="1" fontAlgn="auto" latinLnBrk="0" hangingPunct="1">
+                        <a:lnSpc>
+                          <a:spcPct val="100000"/>
+                        </a:lnSpc>
+                        <a:spcBef>
+                          <a:spcPts val="0"/>
+                        </a:spcBef>
+                        <a:spcAft>
+                          <a:spcPts val="0"/>
+                        </a:spcAft>
+                        <a:buClrTx/>
+                        <a:buSzTx/>
+                        <a:buFontTx/>
+                        <a:buNone/>
+                        <a:tabLst/>
+                        <a:defRPr/>
+                      </a:pPr>
+                      <a:r>
+                        <a:rPr lang="en-US" sz="1700" dirty="0">
+                          <a:latin typeface="Arial" panose="020B0604020202020204" pitchFamily="34" charset="0"/>
+                          <a:cs typeface="Arial" panose="020B0604020202020204" pitchFamily="34" charset="0"/>
+                        </a:rPr>
+                        <a:t>84.390s</a:t>
+                      </a:r>
+                    </a:p>
+                    <a:p>
+                      <a:pPr algn="l"/>
+                      <a:endParaRPr lang="en-US" sz="1700" dirty="0">
+                        <a:latin typeface="Arial" panose="020B0604020202020204" pitchFamily="34" charset="0"/>
+                        <a:cs typeface="Arial" panose="020B0604020202020204" pitchFamily="34" charset="0"/>
+                      </a:endParaRPr>
+                    </a:p>
+                  </a:txBody>
+                  <a:tcPr anchor="ctr"/>
+                </a:tc>
+                <a:extLst>
+                  <a:ext uri="{0D108BD9-81ED-4DB2-BD59-A6C34878D82A}">
+                    <a16:rowId xmlns:a16="http://schemas.microsoft.com/office/drawing/2014/main" val="3626922642"/>
+                  </a:ext>
+                </a:extLst>
+              </a:tr>
+              <a:tr h="395170">
+                <a:tc>
+                  <a:txBody>
+                    <a:bodyPr/>
+                    <a:lstStyle/>
+                    <a:p>
+                      <a:pPr algn="l"/>
+                      <a:r>
+                        <a:rPr lang="en-US" sz="1700" dirty="0" err="1">
+                          <a:latin typeface="Arial" panose="020B0604020202020204" pitchFamily="34" charset="0"/>
+                          <a:cs typeface="Arial" panose="020B0604020202020204" pitchFamily="34" charset="0"/>
+                        </a:rPr>
+                        <a:t>XGBoost</a:t>
+                      </a:r>
+                      <a:endParaRPr lang="en-US" sz="1700" dirty="0">
+                        <a:latin typeface="Arial" panose="020B0604020202020204" pitchFamily="34" charset="0"/>
+                        <a:cs typeface="Arial" panose="020B0604020202020204" pitchFamily="34" charset="0"/>
+                      </a:endParaRPr>
+                    </a:p>
+                  </a:txBody>
+                  <a:tcPr anchor="ctr"/>
+                </a:tc>
+                <a:tc>
+                  <a:txBody>
+                    <a:bodyPr/>
+                    <a:lstStyle/>
+                    <a:p>
+                      <a:pPr algn="l"/>
+                      <a:r>
+                        <a:rPr lang="en-US" sz="1700" dirty="0">
+                          <a:latin typeface="Arial" panose="020B0604020202020204" pitchFamily="34" charset="0"/>
+                          <a:cs typeface="Arial" panose="020B0604020202020204" pitchFamily="34" charset="0"/>
+                        </a:rPr>
+                        <a:t>Accuracy:</a:t>
+                      </a:r>
+                    </a:p>
+                  </a:txBody>
+                  <a:tcPr anchor="ctr"/>
+                </a:tc>
+                <a:tc>
+                  <a:txBody>
+                    <a:bodyPr/>
+                    <a:lstStyle/>
+                    <a:p>
+                      <a:pPr algn="ctr"/>
+                      <a:r>
+                        <a:rPr lang="en-US" sz="1700" dirty="0">
+                          <a:latin typeface="Arial" panose="020B0604020202020204" pitchFamily="34" charset="0"/>
+                          <a:cs typeface="Arial" panose="020B0604020202020204" pitchFamily="34" charset="0"/>
+                        </a:rPr>
+                        <a:t>45.4%</a:t>
+                      </a:r>
+                    </a:p>
+                  </a:txBody>
+                  <a:tcPr anchor="ctr"/>
+                </a:tc>
+                <a:tc>
+                  <a:txBody>
+                    <a:bodyPr/>
+                    <a:lstStyle/>
+                    <a:p>
+                      <a:pPr algn="ctr"/>
+                      <a:r>
+                        <a:rPr lang="en-US" sz="1700" dirty="0">
+                          <a:latin typeface="Arial" panose="020B0604020202020204" pitchFamily="34" charset="0"/>
+                          <a:cs typeface="Arial" panose="020B0604020202020204" pitchFamily="34" charset="0"/>
+                        </a:rPr>
+                        <a:t>27.9%</a:t>
+                      </a:r>
+                    </a:p>
+                  </a:txBody>
+                  <a:tcPr anchor="ctr"/>
+                </a:tc>
+                <a:tc>
+                  <a:txBody>
+                    <a:bodyPr/>
+                    <a:lstStyle/>
+                    <a:p>
+                      <a:pPr algn="l"/>
+                      <a:endParaRPr lang="en-US" sz="1700" dirty="0">
+                        <a:latin typeface="Arial" panose="020B0604020202020204" pitchFamily="34" charset="0"/>
+                        <a:cs typeface="Arial" panose="020B0604020202020204" pitchFamily="34" charset="0"/>
+                      </a:endParaRPr>
+                    </a:p>
+                  </a:txBody>
+                  <a:tcPr anchor="ctr"/>
+                </a:tc>
+                <a:extLst>
+                  <a:ext uri="{0D108BD9-81ED-4DB2-BD59-A6C34878D82A}">
+                    <a16:rowId xmlns:a16="http://schemas.microsoft.com/office/drawing/2014/main" val="4088003867"/>
+                  </a:ext>
+                </a:extLst>
+              </a:tr>
+              <a:tr h="687252">
+                <a:tc>
+                  <a:txBody>
+                    <a:bodyPr/>
+                    <a:lstStyle/>
+                    <a:p>
+                      <a:pPr algn="l"/>
+                      <a:endParaRPr lang="en-US" sz="1700" dirty="0">
+                        <a:latin typeface="Arial" panose="020B0604020202020204" pitchFamily="34" charset="0"/>
+                        <a:cs typeface="Arial" panose="020B0604020202020204" pitchFamily="34" charset="0"/>
+                      </a:endParaRPr>
+                    </a:p>
+                  </a:txBody>
+                  <a:tcPr anchor="ctr"/>
+                </a:tc>
+                <a:tc>
+                  <a:txBody>
+                    <a:bodyPr/>
+                    <a:lstStyle/>
+                    <a:p>
+                      <a:pPr algn="l"/>
+                      <a:r>
+                        <a:rPr lang="en-US" sz="1700" dirty="0">
+                          <a:latin typeface="Arial" panose="020B0604020202020204" pitchFamily="34" charset="0"/>
+                          <a:cs typeface="Arial" panose="020B0604020202020204" pitchFamily="34" charset="0"/>
+                        </a:rPr>
+                        <a:t>Running Cost:</a:t>
+                      </a:r>
+                    </a:p>
+                  </a:txBody>
+                  <a:tcPr anchor="ctr"/>
+                </a:tc>
+                <a:tc>
+                  <a:txBody>
+                    <a:bodyPr/>
+                    <a:lstStyle/>
+                    <a:p>
+                      <a:pPr algn="ctr"/>
+                      <a:r>
+                        <a:rPr lang="en-US" sz="1700" dirty="0">
+                          <a:latin typeface="Arial" panose="020B0604020202020204" pitchFamily="34" charset="0"/>
+                          <a:cs typeface="Arial" panose="020B0604020202020204" pitchFamily="34" charset="0"/>
+                        </a:rPr>
+                        <a:t>34.86s</a:t>
+                      </a:r>
+                    </a:p>
+                  </a:txBody>
+                  <a:tcPr anchor="ctr"/>
+                </a:tc>
+                <a:tc>
+                  <a:txBody>
+                    <a:bodyPr/>
+                    <a:lstStyle/>
+                    <a:p>
+                      <a:pPr marL="0" marR="0" lvl="0" indent="0" algn="ctr" defTabSz="914400" rtl="0" eaLnBrk="1" fontAlgn="auto" latinLnBrk="0" hangingPunct="1">
+                        <a:lnSpc>
+                          <a:spcPct val="100000"/>
+                        </a:lnSpc>
+                        <a:spcBef>
+                          <a:spcPts val="0"/>
+                        </a:spcBef>
+                        <a:spcAft>
+                          <a:spcPts val="0"/>
+                        </a:spcAft>
+                        <a:buClrTx/>
+                        <a:buSzTx/>
+                        <a:buFontTx/>
+                        <a:buNone/>
+                        <a:tabLst/>
+                        <a:defRPr/>
+                      </a:pPr>
+                      <a:r>
+                        <a:rPr lang="en-US" sz="1700" dirty="0">
+                          <a:latin typeface="Arial" panose="020B0604020202020204" pitchFamily="34" charset="0"/>
+                          <a:cs typeface="Arial" panose="020B0604020202020204" pitchFamily="34" charset="0"/>
+                        </a:rPr>
+                        <a:t>2.64%</a:t>
+                      </a:r>
+                    </a:p>
+                  </a:txBody>
+                  <a:tcPr anchor="ctr"/>
+                </a:tc>
+                <a:tc>
+                  <a:txBody>
+                    <a:bodyPr/>
+                    <a:lstStyle/>
+                    <a:p>
+                      <a:pPr marL="0" marR="0" lvl="0" indent="0" algn="l" defTabSz="914400" rtl="0" eaLnBrk="1" fontAlgn="auto" latinLnBrk="0" hangingPunct="1">
+                        <a:lnSpc>
+                          <a:spcPct val="100000"/>
+                        </a:lnSpc>
+                        <a:spcBef>
+                          <a:spcPts val="0"/>
+                        </a:spcBef>
+                        <a:spcAft>
+                          <a:spcPts val="0"/>
+                        </a:spcAft>
+                        <a:buClrTx/>
+                        <a:buSzTx/>
+                        <a:buFontTx/>
+                        <a:buNone/>
+                        <a:tabLst/>
+                        <a:defRPr/>
+                      </a:pPr>
+                      <a:endParaRPr lang="en-US" sz="1700" dirty="0">
+                        <a:latin typeface="Arial" panose="020B0604020202020204" pitchFamily="34" charset="0"/>
+                        <a:cs typeface="Arial" panose="020B0604020202020204" pitchFamily="34" charset="0"/>
+                      </a:endParaRPr>
+                    </a:p>
+                  </a:txBody>
+                  <a:tcPr anchor="ctr"/>
+                </a:tc>
+                <a:extLst>
+                  <a:ext uri="{0D108BD9-81ED-4DB2-BD59-A6C34878D82A}">
+                    <a16:rowId xmlns:a16="http://schemas.microsoft.com/office/drawing/2014/main" val="2012876501"/>
+                  </a:ext>
+                </a:extLst>
+              </a:tr>
+              <a:tr h="687252">
+                <a:tc>
+                  <a:txBody>
+                    <a:bodyPr/>
+                    <a:lstStyle/>
+                    <a:p>
+                      <a:pPr algn="l"/>
+                      <a:r>
+                        <a:rPr lang="en-US" sz="1700" dirty="0">
+                          <a:latin typeface="Arial" panose="020B0604020202020204" pitchFamily="34" charset="0"/>
+                          <a:cs typeface="Arial" panose="020B0604020202020204" pitchFamily="34" charset="0"/>
+                        </a:rPr>
+                        <a:t>Neural Networks</a:t>
+                      </a:r>
+                    </a:p>
+                  </a:txBody>
+                  <a:tcPr anchor="ctr"/>
+                </a:tc>
+                <a:tc>
+                  <a:txBody>
+                    <a:bodyPr/>
+                    <a:lstStyle/>
+                    <a:p>
+                      <a:pPr algn="l"/>
+                      <a:r>
+                        <a:rPr lang="en-US" sz="1700" dirty="0">
+                          <a:latin typeface="Arial" panose="020B0604020202020204" pitchFamily="34" charset="0"/>
+                          <a:cs typeface="Arial" panose="020B0604020202020204" pitchFamily="34" charset="0"/>
+                        </a:rPr>
+                        <a:t>Accuracy:</a:t>
+                      </a:r>
+                    </a:p>
+                  </a:txBody>
+                  <a:tcPr anchor="ctr"/>
+                </a:tc>
+                <a:tc>
+                  <a:txBody>
+                    <a:bodyPr/>
+                    <a:lstStyle/>
+                    <a:p>
+                      <a:pPr algn="ctr"/>
+                      <a:r>
+                        <a:rPr lang="en-US" sz="1700" dirty="0">
+                          <a:latin typeface="Arial" panose="020B0604020202020204" pitchFamily="34" charset="0"/>
+                          <a:cs typeface="Arial" panose="020B0604020202020204" pitchFamily="34" charset="0"/>
+                        </a:rPr>
+                        <a:t>60.8%</a:t>
+                      </a:r>
+                    </a:p>
+                  </a:txBody>
+                  <a:tcPr anchor="ctr"/>
+                </a:tc>
+                <a:tc>
+                  <a:txBody>
+                    <a:bodyPr/>
+                    <a:lstStyle/>
+                    <a:p>
+                      <a:pPr algn="ctr"/>
+                      <a:r>
+                        <a:rPr lang="en-US" sz="1700" dirty="0">
+                          <a:latin typeface="Arial" panose="020B0604020202020204" pitchFamily="34" charset="0"/>
+                          <a:cs typeface="Arial" panose="020B0604020202020204" pitchFamily="34" charset="0"/>
+                        </a:rPr>
+                        <a:t>71.3%</a:t>
+                      </a:r>
+                    </a:p>
+                  </a:txBody>
+                  <a:tcPr anchor="ctr"/>
+                </a:tc>
+                <a:tc>
+                  <a:txBody>
+                    <a:bodyPr/>
+                    <a:lstStyle/>
+                    <a:p>
+                      <a:pPr marL="0" marR="0" lvl="0" indent="0" algn="l" defTabSz="914400" rtl="0" eaLnBrk="1" fontAlgn="auto" latinLnBrk="0" hangingPunct="1">
+                        <a:lnSpc>
+                          <a:spcPct val="100000"/>
+                        </a:lnSpc>
+                        <a:spcBef>
+                          <a:spcPts val="0"/>
+                        </a:spcBef>
+                        <a:spcAft>
+                          <a:spcPts val="0"/>
+                        </a:spcAft>
+                        <a:buClrTx/>
+                        <a:buSzTx/>
+                        <a:buFontTx/>
+                        <a:buNone/>
+                        <a:tabLst/>
+                        <a:defRPr/>
+                      </a:pPr>
+                      <a:endParaRPr lang="en-US" sz="1700" dirty="0">
+                        <a:latin typeface="Arial" panose="020B0604020202020204" pitchFamily="34" charset="0"/>
+                        <a:cs typeface="Arial" panose="020B0604020202020204" pitchFamily="34" charset="0"/>
+                      </a:endParaRPr>
+                    </a:p>
+                  </a:txBody>
+                  <a:tcPr anchor="ctr"/>
+                </a:tc>
+                <a:extLst>
+                  <a:ext uri="{0D108BD9-81ED-4DB2-BD59-A6C34878D82A}">
+                    <a16:rowId xmlns:a16="http://schemas.microsoft.com/office/drawing/2014/main" val="2470074659"/>
+                  </a:ext>
+                </a:extLst>
+              </a:tr>
+              <a:tr h="687252">
+                <a:tc>
+                  <a:txBody>
+                    <a:bodyPr/>
+                    <a:lstStyle/>
+                    <a:p>
+                      <a:pPr algn="l"/>
+                      <a:endParaRPr lang="en-US" sz="1700" dirty="0">
+                        <a:latin typeface="Arial" panose="020B0604020202020204" pitchFamily="34" charset="0"/>
+                        <a:cs typeface="Arial" panose="020B0604020202020204" pitchFamily="34" charset="0"/>
+                      </a:endParaRPr>
+                    </a:p>
+                  </a:txBody>
+                  <a:tcPr anchor="ctr"/>
+                </a:tc>
+                <a:tc>
+                  <a:txBody>
+                    <a:bodyPr/>
+                    <a:lstStyle/>
+                    <a:p>
+                      <a:pPr algn="l"/>
+                      <a:r>
+                        <a:rPr lang="en-US" sz="1700" dirty="0">
+                          <a:latin typeface="Arial" panose="020B0604020202020204" pitchFamily="34" charset="0"/>
+                          <a:cs typeface="Arial" panose="020B0604020202020204" pitchFamily="34" charset="0"/>
+                        </a:rPr>
+                        <a:t>Running Cost:</a:t>
+                      </a:r>
+                    </a:p>
+                  </a:txBody>
+                  <a:tcPr anchor="ctr"/>
+                </a:tc>
+                <a:tc>
+                  <a:txBody>
+                    <a:bodyPr/>
+                    <a:lstStyle/>
+                    <a:p>
+                      <a:pPr algn="ctr"/>
+                      <a:r>
+                        <a:rPr lang="en-US" sz="1700" dirty="0">
+                          <a:latin typeface="Arial" panose="020B0604020202020204" pitchFamily="34" charset="0"/>
+                          <a:cs typeface="Arial" panose="020B0604020202020204" pitchFamily="34" charset="0"/>
+                        </a:rPr>
+                        <a:t>677.7s</a:t>
+                      </a:r>
+                    </a:p>
+                  </a:txBody>
+                  <a:tcPr anchor="ctr"/>
+                </a:tc>
+                <a:tc>
+                  <a:txBody>
+                    <a:bodyPr/>
+                    <a:lstStyle/>
+                    <a:p>
+                      <a:pPr algn="ctr"/>
+                      <a:r>
+                        <a:rPr lang="en-US" sz="1700" dirty="0">
+                          <a:latin typeface="Arial" panose="020B0604020202020204" pitchFamily="34" charset="0"/>
+                          <a:cs typeface="Arial" panose="020B0604020202020204" pitchFamily="34" charset="0"/>
+                        </a:rPr>
+                        <a:t>48.7%</a:t>
+                      </a:r>
+                    </a:p>
+                  </a:txBody>
+                  <a:tcPr anchor="ctr"/>
+                </a:tc>
+                <a:tc>
+                  <a:txBody>
+                    <a:bodyPr/>
+                    <a:lstStyle/>
+                    <a:p>
+                      <a:pPr algn="l"/>
+                      <a:r>
+                        <a:rPr lang="en-US" sz="1700" dirty="0">
+                          <a:latin typeface="Arial" panose="020B0604020202020204" pitchFamily="34" charset="0"/>
+                          <a:cs typeface="Arial" panose="020B0604020202020204" pitchFamily="34" charset="0"/>
+                        </a:rPr>
+                        <a:t>1.188s</a:t>
+                      </a:r>
+                    </a:p>
+                  </a:txBody>
+                  <a:tcPr anchor="ctr"/>
+                </a:tc>
+                <a:extLst>
+                  <a:ext uri="{0D108BD9-81ED-4DB2-BD59-A6C34878D82A}">
+                    <a16:rowId xmlns:a16="http://schemas.microsoft.com/office/drawing/2014/main" val="1422906338"/>
+                  </a:ext>
+                </a:extLst>
+              </a:tr>
+            </a:tbl>
+          </a:graphicData>
+        </a:graphic>
+      </p:graphicFrame>
     </p:spTree>
     <p:extLst>
       <p:ext uri="{BB962C8B-B14F-4D97-AF65-F5344CB8AC3E}">
-        <p14:creationId xmlns:p14="http://schemas.microsoft.com/office/powerpoint/2010/main" val="3779661897"/>
+        <p14:creationId xmlns:p14="http://schemas.microsoft.com/office/powerpoint/2010/main" val="1944290325"/>
       </p:ext>
     </p:extLst>
   </p:cSld>

--- a/doc/ADS; Project 3; Predictive Analytics for Facial Emotion Recognition.pptx
+++ b/doc/ADS; Project 3; Predictive Analytics for Facial Emotion Recognition.pptx
@@ -4094,7 +4094,7 @@
                 <a:latin typeface="Arial" panose="020B0604020202020204" pitchFamily="34" charset="0"/>
                 <a:cs typeface="Arial" panose="020B0604020202020204" pitchFamily="34" charset="0"/>
               </a:rPr>
-              <a:t>71.3% accuracy</a:t>
+              <a:t>60.8% accuracy</a:t>
             </a:r>
           </a:p>
           <a:p>
@@ -4476,14 +4476,14 @@
           <p:nvPr>
             <p:extLst>
               <p:ext uri="{D42A27DB-BD31-4B8C-83A1-F6EECF244321}">
-                <p14:modId xmlns:p14="http://schemas.microsoft.com/office/powerpoint/2010/main" val="2313871960"/>
+                <p14:modId xmlns:p14="http://schemas.microsoft.com/office/powerpoint/2010/main" val="2439522797"/>
               </p:ext>
             </p:extLst>
           </p:nvPr>
         </p:nvGraphicFramePr>
         <p:xfrm>
-          <a:off x="3583891" y="4510532"/>
-          <a:ext cx="8128000" cy="1483360"/>
+          <a:off x="3583890" y="4510532"/>
+          <a:ext cx="8109345" cy="1483360"/>
         </p:xfrm>
         <a:graphic>
           <a:graphicData uri="http://schemas.openxmlformats.org/drawingml/2006/table">
@@ -4492,41 +4492,27 @@
                 <a:tableStyleId>{3B4B98B0-60AC-42C2-AFA5-B58CD77FA1E5}</a:tableStyleId>
               </a:tblPr>
               <a:tblGrid>
-                <a:gridCol w="1508461">
+                <a:gridCol w="2583037">
                   <a:extLst>
                     <a:ext uri="{9D8B030D-6E8A-4147-A177-3AD203B41FA5}">
                       <a16:colId xmlns:a16="http://schemas.microsoft.com/office/drawing/2014/main" val="1497573361"/>
                     </a:ext>
                   </a:extLst>
                 </a:gridCol>
-                <a:gridCol w="1465730">
+                <a:gridCol w="2509866">
                   <a:extLst>
                     <a:ext uri="{9D8B030D-6E8A-4147-A177-3AD203B41FA5}">
                       <a16:colId xmlns:a16="http://schemas.microsoft.com/office/drawing/2014/main" val="2441381476"/>
                     </a:ext>
                   </a:extLst>
                 </a:gridCol>
-                <a:gridCol w="1761564">
+                <a:gridCol w="3016442">
                   <a:extLst>
                     <a:ext uri="{9D8B030D-6E8A-4147-A177-3AD203B41FA5}">
                       <a16:colId xmlns:a16="http://schemas.microsoft.com/office/drawing/2014/main" val="4073706776"/>
                     </a:ext>
                   </a:extLst>
                 </a:gridCol>
-                <a:gridCol w="1546412">
-                  <a:extLst>
-                    <a:ext uri="{9D8B030D-6E8A-4147-A177-3AD203B41FA5}">
-                      <a16:colId xmlns:a16="http://schemas.microsoft.com/office/drawing/2014/main" val="3913247614"/>
-                    </a:ext>
-                  </a:extLst>
-                </a:gridCol>
-                <a:gridCol w="1845833">
-                  <a:extLst>
-                    <a:ext uri="{9D8B030D-6E8A-4147-A177-3AD203B41FA5}">
-                      <a16:colId xmlns:a16="http://schemas.microsoft.com/office/drawing/2014/main" val="4274922176"/>
-                    </a:ext>
-                  </a:extLst>
-                </a:gridCol>
               </a:tblGrid>
               <a:tr h="370840">
                 <a:tc>
@@ -4548,30 +4534,6 @@
                       <a:r>
                         <a:rPr lang="en-US" b="1" dirty="0"/>
                         <a:t>Training</a:t>
-                      </a:r>
-                    </a:p>
-                  </a:txBody>
-                  <a:tcPr/>
-                </a:tc>
-                <a:tc hMerge="1">
-                  <a:txBody>
-                    <a:bodyPr/>
-                    <a:lstStyle/>
-                    <a:p>
-                      <a:endParaRPr lang="en-US" dirty="0"/>
-                    </a:p>
-                  </a:txBody>
-                  <a:tcPr/>
-                </a:tc>
-                <a:tc gridSpan="2">
-                  <a:txBody>
-                    <a:bodyPr/>
-                    <a:lstStyle/>
-                    <a:p>
-                      <a:pPr algn="ctr"/>
-                      <a:r>
-                        <a:rPr lang="en-US" b="1" dirty="0"/>
-                        <a:t>Testing</a:t>
                       </a:r>
                     </a:p>
                   </a:txBody>
@@ -4630,32 +4592,6 @@
                   </a:txBody>
                   <a:tcPr/>
                 </a:tc>
-                <a:tc>
-                  <a:txBody>
-                    <a:bodyPr/>
-                    <a:lstStyle/>
-                    <a:p>
-                      <a:r>
-                        <a:rPr lang="en-US" dirty="0"/>
-                        <a:t>Performance</a:t>
-                      </a:r>
-                    </a:p>
-                  </a:txBody>
-                  <a:tcPr/>
-                </a:tc>
-                <a:tc>
-                  <a:txBody>
-                    <a:bodyPr/>
-                    <a:lstStyle/>
-                    <a:p>
-                      <a:r>
-                        <a:rPr lang="en-US" dirty="0"/>
-                        <a:t>% Improvement</a:t>
-                      </a:r>
-                    </a:p>
-                  </a:txBody>
-                  <a:tcPr/>
-                </a:tc>
                 <a:extLst>
                   <a:ext uri="{0D108BD9-81ED-4DB2-BD59-A6C34878D82A}">
                     <a16:rowId xmlns:a16="http://schemas.microsoft.com/office/drawing/2014/main" val="3626922642"/>
@@ -4702,32 +4638,6 @@
                   </a:txBody>
                   <a:tcPr/>
                 </a:tc>
-                <a:tc>
-                  <a:txBody>
-                    <a:bodyPr/>
-                    <a:lstStyle/>
-                    <a:p>
-                      <a:r>
-                        <a:rPr lang="en-US" dirty="0"/>
-                        <a:t>35.50%</a:t>
-                      </a:r>
-                    </a:p>
-                  </a:txBody>
-                  <a:tcPr/>
-                </a:tc>
-                <a:tc>
-                  <a:txBody>
-                    <a:bodyPr/>
-                    <a:lstStyle/>
-                    <a:p>
-                      <a:r>
-                        <a:rPr lang="en-US" dirty="0"/>
-                        <a:t>0%</a:t>
-                      </a:r>
-                    </a:p>
-                  </a:txBody>
-                  <a:tcPr/>
-                </a:tc>
                 <a:extLst>
                   <a:ext uri="{0D108BD9-81ED-4DB2-BD59-A6C34878D82A}">
                     <a16:rowId xmlns:a16="http://schemas.microsoft.com/office/drawing/2014/main" val="4088003867"/>
@@ -4743,32 +4653,6 @@
                       <a:r>
                         <a:rPr lang="en-US" dirty="0"/>
                         <a:t>Running Cost:</a:t>
-                      </a:r>
-                    </a:p>
-                  </a:txBody>
-                  <a:tcPr/>
-                </a:tc>
-                <a:tc>
-                  <a:txBody>
-                    <a:bodyPr/>
-                    <a:lstStyle/>
-                    <a:p>
-                      <a:r>
-                        <a:rPr lang="en-US" dirty="0"/>
-                        <a:t>1318.8s</a:t>
-                      </a:r>
-                    </a:p>
-                  </a:txBody>
-                  <a:tcPr/>
-                </a:tc>
-                <a:tc>
-                  <a:txBody>
-                    <a:bodyPr/>
-                    <a:lstStyle/>
-                    <a:p>
-                      <a:r>
-                        <a:rPr lang="en-US" dirty="0"/>
-                        <a:t>0%</a:t>
                       </a:r>
                     </a:p>
                   </a:txBody>
@@ -4954,7 +4838,7 @@
           <p:nvPr>
             <p:extLst>
               <p:ext uri="{D42A27DB-BD31-4B8C-83A1-F6EECF244321}">
-                <p14:modId xmlns:p14="http://schemas.microsoft.com/office/powerpoint/2010/main" val="2184304758"/>
+                <p14:modId xmlns:p14="http://schemas.microsoft.com/office/powerpoint/2010/main" val="2837116973"/>
               </p:ext>
             </p:extLst>
           </p:nvPr>
@@ -5110,7 +4994,7 @@
                     <a:p>
                       <a:r>
                         <a:rPr lang="en-US" dirty="0"/>
-                        <a:t>0%</a:t>
+                        <a:t>22.8%</a:t>
                       </a:r>
                     </a:p>
                   </a:txBody>
@@ -5156,7 +5040,7 @@
                     <a:p>
                       <a:r>
                         <a:rPr lang="en-US" dirty="0"/>
-                        <a:t>0%</a:t>
+                        <a:t>-10.4%</a:t>
                       </a:r>
                     </a:p>
                   </a:txBody>
@@ -5278,7 +5162,7 @@
           <p:nvPr>
             <p:extLst>
               <p:ext uri="{D42A27DB-BD31-4B8C-83A1-F6EECF244321}">
-                <p14:modId xmlns:p14="http://schemas.microsoft.com/office/powerpoint/2010/main" val="2908249922"/>
+                <p14:modId xmlns:p14="http://schemas.microsoft.com/office/powerpoint/2010/main" val="1122435870"/>
               </p:ext>
             </p:extLst>
           </p:nvPr>
@@ -5434,7 +5318,7 @@
                     <a:p>
                       <a:r>
                         <a:rPr lang="en-US" dirty="0"/>
-                        <a:t>0%</a:t>
+                        <a:t>27.9%</a:t>
                       </a:r>
                     </a:p>
                   </a:txBody>
@@ -5480,7 +5364,7 @@
                     <a:p>
                       <a:r>
                         <a:rPr lang="en-US" dirty="0"/>
-                        <a:t>0%</a:t>
+                        <a:t>97.4%</a:t>
                       </a:r>
                     </a:p>
                   </a:txBody>
@@ -5714,14 +5598,14 @@
           <p:nvPr>
             <p:extLst>
               <p:ext uri="{D42A27DB-BD31-4B8C-83A1-F6EECF244321}">
-                <p14:modId xmlns:p14="http://schemas.microsoft.com/office/powerpoint/2010/main" val="3904382601"/>
+                <p14:modId xmlns:p14="http://schemas.microsoft.com/office/powerpoint/2010/main" val="1378185812"/>
               </p:ext>
             </p:extLst>
           </p:nvPr>
         </p:nvGraphicFramePr>
         <p:xfrm>
           <a:off x="3607425" y="4563675"/>
-          <a:ext cx="8128000" cy="1483360"/>
+          <a:ext cx="7919557" cy="1483360"/>
         </p:xfrm>
         <a:graphic>
           <a:graphicData uri="http://schemas.openxmlformats.org/drawingml/2006/table">
@@ -5730,41 +5614,27 @@
                 <a:tableStyleId>{3B4B98B0-60AC-42C2-AFA5-B58CD77FA1E5}</a:tableStyleId>
               </a:tblPr>
               <a:tblGrid>
-                <a:gridCol w="1508461">
+                <a:gridCol w="2522585">
                   <a:extLst>
                     <a:ext uri="{9D8B030D-6E8A-4147-A177-3AD203B41FA5}">
                       <a16:colId xmlns:a16="http://schemas.microsoft.com/office/drawing/2014/main" val="1497573361"/>
                     </a:ext>
                   </a:extLst>
                 </a:gridCol>
-                <a:gridCol w="1465730">
+                <a:gridCol w="2451126">
                   <a:extLst>
                     <a:ext uri="{9D8B030D-6E8A-4147-A177-3AD203B41FA5}">
                       <a16:colId xmlns:a16="http://schemas.microsoft.com/office/drawing/2014/main" val="2441381476"/>
                     </a:ext>
                   </a:extLst>
                 </a:gridCol>
-                <a:gridCol w="1761564">
+                <a:gridCol w="2945846">
                   <a:extLst>
                     <a:ext uri="{9D8B030D-6E8A-4147-A177-3AD203B41FA5}">
                       <a16:colId xmlns:a16="http://schemas.microsoft.com/office/drawing/2014/main" val="4073706776"/>
                     </a:ext>
                   </a:extLst>
                 </a:gridCol>
-                <a:gridCol w="1546412">
-                  <a:extLst>
-                    <a:ext uri="{9D8B030D-6E8A-4147-A177-3AD203B41FA5}">
-                      <a16:colId xmlns:a16="http://schemas.microsoft.com/office/drawing/2014/main" val="3913247614"/>
-                    </a:ext>
-                  </a:extLst>
-                </a:gridCol>
-                <a:gridCol w="1845833">
-                  <a:extLst>
-                    <a:ext uri="{9D8B030D-6E8A-4147-A177-3AD203B41FA5}">
-                      <a16:colId xmlns:a16="http://schemas.microsoft.com/office/drawing/2014/main" val="4274922176"/>
-                    </a:ext>
-                  </a:extLst>
-                </a:gridCol>
               </a:tblGrid>
               <a:tr h="370840">
                 <a:tc>
@@ -5786,30 +5656,6 @@
                       <a:r>
                         <a:rPr lang="en-US" b="1" dirty="0"/>
                         <a:t>Training</a:t>
-                      </a:r>
-                    </a:p>
-                  </a:txBody>
-                  <a:tcPr/>
-                </a:tc>
-                <a:tc hMerge="1">
-                  <a:txBody>
-                    <a:bodyPr/>
-                    <a:lstStyle/>
-                    <a:p>
-                      <a:endParaRPr lang="en-US" dirty="0"/>
-                    </a:p>
-                  </a:txBody>
-                  <a:tcPr/>
-                </a:tc>
-                <a:tc gridSpan="2">
-                  <a:txBody>
-                    <a:bodyPr/>
-                    <a:lstStyle/>
-                    <a:p>
-                      <a:pPr algn="ctr"/>
-                      <a:r>
-                        <a:rPr lang="en-US" b="1" dirty="0"/>
-                        <a:t>Testing</a:t>
                       </a:r>
                     </a:p>
                   </a:txBody>
@@ -5868,32 +5714,6 @@
                   </a:txBody>
                   <a:tcPr/>
                 </a:tc>
-                <a:tc>
-                  <a:txBody>
-                    <a:bodyPr/>
-                    <a:lstStyle/>
-                    <a:p>
-                      <a:r>
-                        <a:rPr lang="en-US" dirty="0"/>
-                        <a:t>Performance</a:t>
-                      </a:r>
-                    </a:p>
-                  </a:txBody>
-                  <a:tcPr/>
-                </a:tc>
-                <a:tc>
-                  <a:txBody>
-                    <a:bodyPr/>
-                    <a:lstStyle/>
-                    <a:p>
-                      <a:r>
-                        <a:rPr lang="en-US" dirty="0"/>
-                        <a:t>% Improvement</a:t>
-                      </a:r>
-                    </a:p>
-                  </a:txBody>
-                  <a:tcPr/>
-                </a:tc>
                 <a:extLst>
                   <a:ext uri="{0D108BD9-81ED-4DB2-BD59-A6C34878D82A}">
                     <a16:rowId xmlns:a16="http://schemas.microsoft.com/office/drawing/2014/main" val="3626922642"/>
@@ -5934,33 +5754,7 @@
                     <a:p>
                       <a:r>
                         <a:rPr lang="en-US" dirty="0"/>
-                        <a:t>0%</a:t>
-                      </a:r>
-                    </a:p>
-                  </a:txBody>
-                  <a:tcPr/>
-                </a:tc>
-                <a:tc>
-                  <a:txBody>
-                    <a:bodyPr/>
-                    <a:lstStyle/>
-                    <a:p>
-                      <a:r>
-                        <a:rPr lang="en-US" dirty="0"/>
-                        <a:t>60.8%</a:t>
-                      </a:r>
-                    </a:p>
-                  </a:txBody>
-                  <a:tcPr/>
-                </a:tc>
-                <a:tc>
-                  <a:txBody>
-                    <a:bodyPr/>
-                    <a:lstStyle/>
-                    <a:p>
-                      <a:r>
-                        <a:rPr lang="en-US" dirty="0"/>
-                        <a:t>0%</a:t>
+                        <a:t>71.3%</a:t>
                       </a:r>
                     </a:p>
                   </a:txBody>
@@ -6006,33 +5800,7 @@
                     <a:p>
                       <a:r>
                         <a:rPr lang="en-US" dirty="0"/>
-                        <a:t>0%</a:t>
-                      </a:r>
-                    </a:p>
-                  </a:txBody>
-                  <a:tcPr/>
-                </a:tc>
-                <a:tc>
-                  <a:txBody>
-                    <a:bodyPr/>
-                    <a:lstStyle/>
-                    <a:p>
-                      <a:r>
-                        <a:rPr lang="en-US" dirty="0"/>
-                        <a:t>677.7s</a:t>
-                      </a:r>
-                    </a:p>
-                  </a:txBody>
-                  <a:tcPr/>
-                </a:tc>
-                <a:tc>
-                  <a:txBody>
-                    <a:bodyPr/>
-                    <a:lstStyle/>
-                    <a:p>
-                      <a:r>
-                        <a:rPr lang="en-US" dirty="0"/>
-                        <a:t>0%</a:t>
+                        <a:t>48.4%</a:t>
                       </a:r>
                     </a:p>
                   </a:txBody>

--- a/doc/ADS; Project 3; Predictive Analytics for Facial Emotion Recognition.pptx
+++ b/doc/ADS; Project 3; Predictive Analytics for Facial Emotion Recognition.pptx
@@ -6105,7 +6105,7 @@
           <p:nvPr>
             <p:extLst>
               <p:ext uri="{D42A27DB-BD31-4B8C-83A1-F6EECF244321}">
-                <p14:modId xmlns:p14="http://schemas.microsoft.com/office/powerpoint/2010/main" val="3877387518"/>
+                <p14:modId xmlns:p14="http://schemas.microsoft.com/office/powerpoint/2010/main" val="3973125520"/>
               </p:ext>
             </p:extLst>
           </p:nvPr>
@@ -6554,13 +6554,29 @@
                     <a:bodyPr/>
                     <a:lstStyle/>
                     <a:p>
-                      <a:pPr algn="ctr"/>
+                      <a:pPr marL="0" marR="0" lvl="0" indent="0" algn="ctr" defTabSz="914400" rtl="0" eaLnBrk="1" fontAlgn="auto" latinLnBrk="0" hangingPunct="1">
+                        <a:lnSpc>
+                          <a:spcPct val="100000"/>
+                        </a:lnSpc>
+                        <a:spcBef>
+                          <a:spcPts val="0"/>
+                        </a:spcBef>
+                        <a:spcAft>
+                          <a:spcPts val="0"/>
+                        </a:spcAft>
+                        <a:buClrTx/>
+                        <a:buSzTx/>
+                        <a:buFontTx/>
+                        <a:buNone/>
+                        <a:tabLst/>
+                        <a:defRPr/>
+                      </a:pPr>
                       <a:r>
                         <a:rPr lang="en-US" sz="1700" dirty="0">
                           <a:latin typeface="Arial" panose="020B0604020202020204" pitchFamily="34" charset="0"/>
                           <a:cs typeface="Arial" panose="020B0604020202020204" pitchFamily="34" charset="0"/>
                         </a:rPr>
-                        <a:t>43.60%</a:t>
+                        <a:t>45.4%</a:t>
                       </a:r>
                     </a:p>
                   </a:txBody>
@@ -6571,13 +6587,29 @@
                     <a:bodyPr/>
                     <a:lstStyle/>
                     <a:p>
-                      <a:pPr algn="ctr"/>
+                      <a:pPr marL="0" marR="0" lvl="0" indent="0" algn="ctr" defTabSz="914400" rtl="0" eaLnBrk="1" fontAlgn="auto" latinLnBrk="0" hangingPunct="1">
+                        <a:lnSpc>
+                          <a:spcPct val="100000"/>
+                        </a:lnSpc>
+                        <a:spcBef>
+                          <a:spcPts val="0"/>
+                        </a:spcBef>
+                        <a:spcAft>
+                          <a:spcPts val="0"/>
+                        </a:spcAft>
+                        <a:buClrTx/>
+                        <a:buSzTx/>
+                        <a:buFontTx/>
+                        <a:buNone/>
+                        <a:tabLst/>
+                        <a:defRPr/>
+                      </a:pPr>
                       <a:r>
                         <a:rPr lang="en-US" sz="1700" dirty="0">
                           <a:latin typeface="Arial" panose="020B0604020202020204" pitchFamily="34" charset="0"/>
                           <a:cs typeface="Arial" panose="020B0604020202020204" pitchFamily="34" charset="0"/>
                         </a:rPr>
-                        <a:t>22.8%</a:t>
+                        <a:t>27.9%</a:t>
                       </a:r>
                     </a:p>
                   </a:txBody>
@@ -6646,7 +6678,7 @@
                           <a:latin typeface="Arial" panose="020B0604020202020204" pitchFamily="34" charset="0"/>
                           <a:cs typeface="Arial" panose="020B0604020202020204" pitchFamily="34" charset="0"/>
                         </a:rPr>
-                        <a:t>1456.38</a:t>
+                        <a:t>34.86s</a:t>
                       </a:r>
                     </a:p>
                   </a:txBody>
@@ -6663,7 +6695,7 @@
                           <a:latin typeface="Arial" panose="020B0604020202020204" pitchFamily="34" charset="0"/>
                           <a:cs typeface="Arial" panose="020B0604020202020204" pitchFamily="34" charset="0"/>
                         </a:rPr>
-                        <a:t>-10.4%</a:t>
+                        <a:t>2.64%</a:t>
                       </a:r>
                     </a:p>
                   </a:txBody>
@@ -6699,13 +6731,6 @@
                         <a:t>84.390s</a:t>
                       </a:r>
                     </a:p>
-                    <a:p>
-                      <a:pPr algn="l"/>
-                      <a:endParaRPr lang="en-US" sz="1700" dirty="0">
-                        <a:latin typeface="Arial" panose="020B0604020202020204" pitchFamily="34" charset="0"/>
-                        <a:cs typeface="Arial" panose="020B0604020202020204" pitchFamily="34" charset="0"/>
-                      </a:endParaRPr>
-                    </a:p>
                   </a:txBody>
                   <a:tcPr anchor="ctr"/>
                 </a:tc>
@@ -6765,7 +6790,7 @@
                           <a:latin typeface="Arial" panose="020B0604020202020204" pitchFamily="34" charset="0"/>
                           <a:cs typeface="Arial" panose="020B0604020202020204" pitchFamily="34" charset="0"/>
                         </a:rPr>
-                        <a:t>45.4%</a:t>
+                        <a:t>43.60%</a:t>
                       </a:r>
                     </a:p>
                   </a:txBody>
@@ -6782,7 +6807,7 @@
                           <a:latin typeface="Arial" panose="020B0604020202020204" pitchFamily="34" charset="0"/>
                           <a:cs typeface="Arial" panose="020B0604020202020204" pitchFamily="34" charset="0"/>
                         </a:rPr>
-                        <a:t>27.9%</a:t>
+                        <a:t>22.8%</a:t>
                       </a:r>
                     </a:p>
                   </a:txBody>
@@ -6835,23 +6860,6 @@
                           <a:cs typeface="Arial" panose="020B0604020202020204" pitchFamily="34" charset="0"/>
                         </a:rPr>
                         <a:t>Running Cost:</a:t>
-                      </a:r>
-                    </a:p>
-                  </a:txBody>
-                  <a:tcPr anchor="ctr"/>
-                </a:tc>
-                <a:tc>
-                  <a:txBody>
-                    <a:bodyPr/>
-                    <a:lstStyle/>
-                    <a:p>
-                      <a:pPr algn="ctr"/>
-                      <a:r>
-                        <a:rPr lang="en-US" sz="1700" dirty="0">
-                          <a:latin typeface="Arial" panose="020B0604020202020204" pitchFamily="34" charset="0"/>
-                          <a:cs typeface="Arial" panose="020B0604020202020204" pitchFamily="34" charset="0"/>
-                        </a:rPr>
-                        <a:t>34.86s</a:t>
                       </a:r>
                     </a:p>
                   </a:txBody>
@@ -6884,8 +6892,45 @@
                           <a:latin typeface="Arial" panose="020B0604020202020204" pitchFamily="34" charset="0"/>
                           <a:cs typeface="Arial" panose="020B0604020202020204" pitchFamily="34" charset="0"/>
                         </a:rPr>
-                        <a:t>2.64%</a:t>
-                      </a:r>
+                        <a:t>1456.382s</a:t>
+                      </a:r>
+                    </a:p>
+                  </a:txBody>
+                  <a:tcPr anchor="ctr"/>
+                </a:tc>
+                <a:tc>
+                  <a:txBody>
+                    <a:bodyPr/>
+                    <a:lstStyle/>
+                    <a:p>
+                      <a:pPr marL="0" marR="0" lvl="0" indent="0" algn="ctr" defTabSz="914400" rtl="0" eaLnBrk="1" fontAlgn="auto" latinLnBrk="0" hangingPunct="1">
+                        <a:lnSpc>
+                          <a:spcPct val="100000"/>
+                        </a:lnSpc>
+                        <a:spcBef>
+                          <a:spcPts val="0"/>
+                        </a:spcBef>
+                        <a:spcAft>
+                          <a:spcPts val="0"/>
+                        </a:spcAft>
+                        <a:buClrTx/>
+                        <a:buSzTx/>
+                        <a:buFontTx/>
+                        <a:buNone/>
+                        <a:tabLst/>
+                        <a:defRPr/>
+                      </a:pPr>
+                      <a:r>
+                        <a:rPr lang="en-US" sz="1700">
+                          <a:latin typeface="Arial" panose="020B0604020202020204" pitchFamily="34" charset="0"/>
+                          <a:cs typeface="Arial" panose="020B0604020202020204" pitchFamily="34" charset="0"/>
+                        </a:rPr>
+                        <a:t>-10.4%</a:t>
+                      </a:r>
+                      <a:endParaRPr lang="en-US" sz="1700" dirty="0">
+                        <a:latin typeface="Arial" panose="020B0604020202020204" pitchFamily="34" charset="0"/>
+                        <a:cs typeface="Arial" panose="020B0604020202020204" pitchFamily="34" charset="0"/>
+                      </a:endParaRPr>
                     </a:p>
                   </a:txBody>
                   <a:tcPr anchor="ctr"/>
